--- a/magabox_clone_composition.pptx
+++ b/magabox_clone_composition.pptx
@@ -110,6 +110,11 @@
       </a:defRPr>
     </a:lvl9pPr>
   </p:defaultTextStyle>
+  <p:extLst>
+    <p:ext uri="{EFAFB233-063F-42B5-8137-9DF3F51BA10A}">
+      <p15:sldGuideLst xmlns:p15="http://schemas.microsoft.com/office/powerpoint/2012/main"/>
+    </p:ext>
+  </p:extLst>
 </p:presentation>
 </file>
 
@@ -3357,8 +3362,8 @@
         </p:blipFill>
         <p:spPr bwMode="auto">
           <a:xfrm>
-            <a:off x="758273" y="154056"/>
-            <a:ext cx="10971061" cy="6549887"/>
+            <a:off x="-167053" y="-140678"/>
+            <a:ext cx="12880731" cy="7689988"/>
           </a:xfrm>
           <a:prstGeom prst="rect">
             <a:avLst/>
@@ -3431,6 +3436,77 @@
           </a:p>
         </p:txBody>
       </p:sp>
+      <p:sp>
+        <p:nvSpPr>
+          <p:cNvPr id="4" name="TextBox 3"/>
+          <p:cNvSpPr txBox="1"/>
+          <p:nvPr/>
+        </p:nvSpPr>
+        <p:spPr>
+          <a:xfrm>
+            <a:off x="677008" y="5349875"/>
+            <a:ext cx="7332784" cy="1200329"/>
+          </a:xfrm>
+          <a:prstGeom prst="rect">
+            <a:avLst/>
+          </a:prstGeom>
+          <a:noFill/>
+        </p:spPr>
+        <p:txBody>
+          <a:bodyPr wrap="square" rtlCol="0">
+            <a:spAutoFit/>
+          </a:bodyPr>
+          <a:lstStyle/>
+          <a:p>
+            <a:r>
+              <a:rPr lang="ko-KR" altLang="en-US" dirty="0" err="1" smtClean="0"/>
+              <a:t>큰틀</a:t>
+            </a:r>
+            <a:r>
+              <a:rPr lang="ko-KR" altLang="en-US" dirty="0" smtClean="0"/>
+              <a:t> </a:t>
+            </a:r>
+            <a:r>
+              <a:rPr lang="en-US" altLang="ko-KR" dirty="0" smtClean="0"/>
+              <a:t>: </a:t>
+            </a:r>
+            <a:r>
+              <a:rPr lang="ko-KR" altLang="en-US" dirty="0" smtClean="0"/>
+              <a:t>빨강</a:t>
+            </a:r>
+            <a:endParaRPr lang="en-US" altLang="ko-KR" dirty="0" smtClean="0"/>
+          </a:p>
+          <a:p>
+            <a:r>
+              <a:rPr lang="ko-KR" altLang="en-US" dirty="0" smtClean="0"/>
+              <a:t>세부 태그 설정 </a:t>
+            </a:r>
+            <a:r>
+              <a:rPr lang="en-US" altLang="ko-KR" dirty="0" smtClean="0"/>
+              <a:t>: </a:t>
+            </a:r>
+            <a:r>
+              <a:rPr lang="ko-KR" altLang="en-US" dirty="0" smtClean="0"/>
+              <a:t>연두</a:t>
+            </a:r>
+            <a:endParaRPr lang="en-US" altLang="ko-KR" dirty="0" smtClean="0"/>
+          </a:p>
+          <a:p>
+            <a:r>
+              <a:rPr lang="en-US" altLang="ko-KR" dirty="0" smtClean="0"/>
+              <a:t>CSS : </a:t>
+            </a:r>
+            <a:r>
+              <a:rPr lang="ko-KR" altLang="en-US" dirty="0" smtClean="0"/>
+              <a:t>파랑</a:t>
+            </a:r>
+            <a:endParaRPr lang="en-US" altLang="ko-KR" dirty="0" smtClean="0"/>
+          </a:p>
+          <a:p>
+            <a:endParaRPr lang="ko-KR" altLang="en-US" dirty="0"/>
+          </a:p>
+        </p:txBody>
+      </p:sp>
     </p:spTree>
     <p:extLst>
       <p:ext uri="{BB962C8B-B14F-4D97-AF65-F5344CB8AC3E}">
@@ -3441,6 +3517,13 @@
   <p:clrMapOvr>
     <a:masterClrMapping/>
   </p:clrMapOvr>
+  <p:timing>
+    <p:tnLst>
+      <p:par>
+        <p:cTn id="1" dur="indefinite" restart="never" nodeType="tmRoot"/>
+      </p:par>
+    </p:tnLst>
+  </p:timing>
 </p:sld>
 </file>
 
@@ -3461,36 +3544,6 @@
           <a:chExt cx="0" cy="0"/>
         </a:xfrm>
       </p:grpSpPr>
-      <p:pic>
-        <p:nvPicPr>
-          <p:cNvPr id="4" name="그림 3">
-            <a:extLst>
-              <a:ext uri="{FF2B5EF4-FFF2-40B4-BE49-F238E27FC236}">
-                <a16:creationId xmlns:a16="http://schemas.microsoft.com/office/drawing/2014/main" id="{989BB482-D4AA-FE32-9F24-74F972FF2E41}"/>
-              </a:ext>
-            </a:extLst>
-          </p:cNvPr>
-          <p:cNvPicPr>
-            <a:picLocks noChangeAspect="1"/>
-          </p:cNvPicPr>
-          <p:nvPr/>
-        </p:nvPicPr>
-        <p:blipFill>
-          <a:blip r:embed="rId2"/>
-          <a:stretch>
-            <a:fillRect/>
-          </a:stretch>
-        </p:blipFill>
-        <p:spPr>
-          <a:xfrm>
-            <a:off x="370348" y="2694499"/>
-            <a:ext cx="11593543" cy="809738"/>
-          </a:xfrm>
-          <a:prstGeom prst="rect">
-            <a:avLst/>
-          </a:prstGeom>
-        </p:spPr>
-      </p:pic>
       <p:sp>
         <p:nvSpPr>
           <p:cNvPr id="5" name="제목 4">
@@ -3544,22 +3597,593 @@
           </a:p>
         </p:txBody>
       </p:sp>
-      <p:sp>
-        <p:nvSpPr>
-          <p:cNvPr id="6" name="직사각형 5">
-            <a:extLst>
-              <a:ext uri="{FF2B5EF4-FFF2-40B4-BE49-F238E27FC236}">
-                <a16:creationId xmlns:a16="http://schemas.microsoft.com/office/drawing/2014/main" id="{743B3130-D665-64A8-C4FC-7398A51590F0}"/>
-              </a:ext>
-            </a:extLst>
-          </p:cNvPr>
+      <p:grpSp>
+        <p:nvGrpSpPr>
+          <p:cNvPr id="2" name="그룹 1"/>
+          <p:cNvGrpSpPr/>
+          <p:nvPr/>
+        </p:nvGrpSpPr>
+        <p:grpSpPr>
+          <a:xfrm>
+            <a:off x="299228" y="1911254"/>
+            <a:ext cx="11593543" cy="2342225"/>
+            <a:chOff x="370348" y="1938939"/>
+            <a:chExt cx="11593543" cy="2342225"/>
+          </a:xfrm>
+        </p:grpSpPr>
+        <p:pic>
+          <p:nvPicPr>
+            <p:cNvPr id="4" name="그림 3">
+              <a:extLst>
+                <a:ext uri="{FF2B5EF4-FFF2-40B4-BE49-F238E27FC236}">
+                  <a16:creationId xmlns:a16="http://schemas.microsoft.com/office/drawing/2014/main" id="{989BB482-D4AA-FE32-9F24-74F972FF2E41}"/>
+                </a:ext>
+              </a:extLst>
+            </p:cNvPr>
+            <p:cNvPicPr>
+              <a:picLocks noChangeAspect="1"/>
+            </p:cNvPicPr>
+            <p:nvPr/>
+          </p:nvPicPr>
+          <p:blipFill>
+            <a:blip r:embed="rId2"/>
+            <a:stretch>
+              <a:fillRect/>
+            </a:stretch>
+          </p:blipFill>
+          <p:spPr>
+            <a:xfrm>
+              <a:off x="370348" y="2694499"/>
+              <a:ext cx="11593543" cy="809738"/>
+            </a:xfrm>
+            <a:prstGeom prst="rect">
+              <a:avLst/>
+            </a:prstGeom>
+          </p:spPr>
+        </p:pic>
+        <p:sp>
+          <p:nvSpPr>
+            <p:cNvPr id="6" name="직사각형 5">
+              <a:extLst>
+                <a:ext uri="{FF2B5EF4-FFF2-40B4-BE49-F238E27FC236}">
+                  <a16:creationId xmlns:a16="http://schemas.microsoft.com/office/drawing/2014/main" id="{743B3130-D665-64A8-C4FC-7398A51590F0}"/>
+                </a:ext>
+              </a:extLst>
+            </p:cNvPr>
+            <p:cNvSpPr/>
+            <p:nvPr/>
+          </p:nvSpPr>
+          <p:spPr>
+            <a:xfrm>
+              <a:off x="4937760" y="2694499"/>
+              <a:ext cx="2397760" cy="809738"/>
+            </a:xfrm>
+            <a:prstGeom prst="rect">
+              <a:avLst/>
+            </a:prstGeom>
+            <a:noFill/>
+            <a:ln>
+              <a:solidFill>
+                <a:srgbClr val="FF0000"/>
+              </a:solidFill>
+            </a:ln>
+          </p:spPr>
+          <p:style>
+            <a:lnRef idx="2">
+              <a:schemeClr val="accent1">
+                <a:shade val="15000"/>
+              </a:schemeClr>
+            </a:lnRef>
+            <a:fillRef idx="1">
+              <a:schemeClr val="accent1"/>
+            </a:fillRef>
+            <a:effectRef idx="0">
+              <a:schemeClr val="accent1"/>
+            </a:effectRef>
+            <a:fontRef idx="minor">
+              <a:schemeClr val="lt1"/>
+            </a:fontRef>
+          </p:style>
+          <p:txBody>
+            <a:bodyPr rtlCol="0" anchor="ctr"/>
+            <a:lstStyle/>
+            <a:p>
+              <a:pPr algn="ctr"/>
+              <a:endParaRPr lang="ko-KR" altLang="en-US"/>
+            </a:p>
+          </p:txBody>
+        </p:sp>
+        <p:sp>
+          <p:nvSpPr>
+            <p:cNvPr id="7" name="직사각형 6">
+              <a:extLst>
+                <a:ext uri="{FF2B5EF4-FFF2-40B4-BE49-F238E27FC236}">
+                  <a16:creationId xmlns:a16="http://schemas.microsoft.com/office/drawing/2014/main" id="{36A5E40E-FCCA-B225-3D83-2774E8169F23}"/>
+                </a:ext>
+              </a:extLst>
+            </p:cNvPr>
+            <p:cNvSpPr/>
+            <p:nvPr/>
+          </p:nvSpPr>
+          <p:spPr>
+            <a:xfrm>
+              <a:off x="619760" y="2693536"/>
+              <a:ext cx="4318000" cy="809738"/>
+            </a:xfrm>
+            <a:prstGeom prst="rect">
+              <a:avLst/>
+            </a:prstGeom>
+            <a:noFill/>
+            <a:ln>
+              <a:solidFill>
+                <a:srgbClr val="FF0000"/>
+              </a:solidFill>
+            </a:ln>
+          </p:spPr>
+          <p:style>
+            <a:lnRef idx="2">
+              <a:schemeClr val="accent1">
+                <a:shade val="15000"/>
+              </a:schemeClr>
+            </a:lnRef>
+            <a:fillRef idx="1">
+              <a:schemeClr val="accent1"/>
+            </a:fillRef>
+            <a:effectRef idx="0">
+              <a:schemeClr val="accent1"/>
+            </a:effectRef>
+            <a:fontRef idx="minor">
+              <a:schemeClr val="lt1"/>
+            </a:fontRef>
+          </p:style>
+          <p:txBody>
+            <a:bodyPr rtlCol="0" anchor="ctr"/>
+            <a:lstStyle/>
+            <a:p>
+              <a:pPr algn="ctr"/>
+              <a:endParaRPr lang="ko-KR" altLang="en-US"/>
+            </a:p>
+          </p:txBody>
+        </p:sp>
+        <p:sp>
+          <p:nvSpPr>
+            <p:cNvPr id="8" name="직사각형 7">
+              <a:extLst>
+                <a:ext uri="{FF2B5EF4-FFF2-40B4-BE49-F238E27FC236}">
+                  <a16:creationId xmlns:a16="http://schemas.microsoft.com/office/drawing/2014/main" id="{382B1F56-4DE2-986A-32D7-9EA275DA0854}"/>
+                </a:ext>
+              </a:extLst>
+            </p:cNvPr>
+            <p:cNvSpPr/>
+            <p:nvPr/>
+          </p:nvSpPr>
+          <p:spPr>
+            <a:xfrm>
+              <a:off x="7335520" y="2694499"/>
+              <a:ext cx="4257040" cy="809738"/>
+            </a:xfrm>
+            <a:prstGeom prst="rect">
+              <a:avLst/>
+            </a:prstGeom>
+            <a:noFill/>
+            <a:ln>
+              <a:solidFill>
+                <a:srgbClr val="FF0000"/>
+              </a:solidFill>
+            </a:ln>
+          </p:spPr>
+          <p:style>
+            <a:lnRef idx="2">
+              <a:schemeClr val="accent1">
+                <a:shade val="15000"/>
+              </a:schemeClr>
+            </a:lnRef>
+            <a:fillRef idx="1">
+              <a:schemeClr val="accent1"/>
+            </a:fillRef>
+            <a:effectRef idx="0">
+              <a:schemeClr val="accent1"/>
+            </a:effectRef>
+            <a:fontRef idx="minor">
+              <a:schemeClr val="lt1"/>
+            </a:fontRef>
+          </p:style>
+          <p:txBody>
+            <a:bodyPr rtlCol="0" anchor="ctr"/>
+            <a:lstStyle/>
+            <a:p>
+              <a:pPr algn="ctr"/>
+              <a:endParaRPr lang="ko-KR" altLang="en-US"/>
+            </a:p>
+          </p:txBody>
+        </p:sp>
+        <p:sp>
+          <p:nvSpPr>
+            <p:cNvPr id="9" name="직사각형 8">
+              <a:extLst>
+                <a:ext uri="{FF2B5EF4-FFF2-40B4-BE49-F238E27FC236}">
+                  <a16:creationId xmlns:a16="http://schemas.microsoft.com/office/drawing/2014/main" id="{640F33E3-1FF3-7768-B982-905ABA37F7C4}"/>
+                </a:ext>
+              </a:extLst>
+            </p:cNvPr>
+            <p:cNvSpPr/>
+            <p:nvPr/>
+          </p:nvSpPr>
+          <p:spPr>
+            <a:xfrm>
+              <a:off x="619760" y="2687493"/>
+              <a:ext cx="4257040" cy="319867"/>
+            </a:xfrm>
+            <a:prstGeom prst="rect">
+              <a:avLst/>
+            </a:prstGeom>
+            <a:noFill/>
+            <a:ln>
+              <a:solidFill>
+                <a:srgbClr val="FF0000"/>
+              </a:solidFill>
+            </a:ln>
+          </p:spPr>
+          <p:style>
+            <a:lnRef idx="2">
+              <a:schemeClr val="accent1">
+                <a:shade val="15000"/>
+              </a:schemeClr>
+            </a:lnRef>
+            <a:fillRef idx="1">
+              <a:schemeClr val="accent1"/>
+            </a:fillRef>
+            <a:effectRef idx="0">
+              <a:schemeClr val="accent1"/>
+            </a:effectRef>
+            <a:fontRef idx="minor">
+              <a:schemeClr val="lt1"/>
+            </a:fontRef>
+          </p:style>
+          <p:txBody>
+            <a:bodyPr rtlCol="0" anchor="ctr"/>
+            <a:lstStyle/>
+            <a:p>
+              <a:pPr algn="ctr"/>
+              <a:endParaRPr lang="ko-KR" altLang="en-US"/>
+            </a:p>
+          </p:txBody>
+        </p:sp>
+        <p:sp>
+          <p:nvSpPr>
+            <p:cNvPr id="10" name="직사각형 9">
+              <a:extLst>
+                <a:ext uri="{FF2B5EF4-FFF2-40B4-BE49-F238E27FC236}">
+                  <a16:creationId xmlns:a16="http://schemas.microsoft.com/office/drawing/2014/main" id="{5281FCB7-8FB3-4CF5-00CF-A61296C5482A}"/>
+                </a:ext>
+              </a:extLst>
+            </p:cNvPr>
+            <p:cNvSpPr/>
+            <p:nvPr/>
+          </p:nvSpPr>
+          <p:spPr>
+            <a:xfrm>
+              <a:off x="7335520" y="2694499"/>
+              <a:ext cx="4257040" cy="319867"/>
+            </a:xfrm>
+            <a:prstGeom prst="rect">
+              <a:avLst/>
+            </a:prstGeom>
+            <a:noFill/>
+            <a:ln>
+              <a:solidFill>
+                <a:srgbClr val="FF0000"/>
+              </a:solidFill>
+            </a:ln>
+          </p:spPr>
+          <p:style>
+            <a:lnRef idx="2">
+              <a:schemeClr val="accent1">
+                <a:shade val="15000"/>
+              </a:schemeClr>
+            </a:lnRef>
+            <a:fillRef idx="1">
+              <a:schemeClr val="accent1"/>
+            </a:fillRef>
+            <a:effectRef idx="0">
+              <a:schemeClr val="accent1"/>
+            </a:effectRef>
+            <a:fontRef idx="minor">
+              <a:schemeClr val="lt1"/>
+            </a:fontRef>
+          </p:style>
+          <p:txBody>
+            <a:bodyPr rtlCol="0" anchor="ctr"/>
+            <a:lstStyle/>
+            <a:p>
+              <a:pPr algn="ctr"/>
+              <a:endParaRPr lang="ko-KR" altLang="en-US"/>
+            </a:p>
+          </p:txBody>
+        </p:sp>
+        <p:sp>
+          <p:nvSpPr>
+            <p:cNvPr id="11" name="TextBox 10">
+              <a:extLst>
+                <a:ext uri="{FF2B5EF4-FFF2-40B4-BE49-F238E27FC236}">
+                  <a16:creationId xmlns:a16="http://schemas.microsoft.com/office/drawing/2014/main" id="{E818DCF1-AE35-347E-223D-07923293BD51}"/>
+                </a:ext>
+              </a:extLst>
+            </p:cNvPr>
+            <p:cNvSpPr txBox="1"/>
+            <p:nvPr/>
+          </p:nvSpPr>
+          <p:spPr>
+            <a:xfrm>
+              <a:off x="4876800" y="3563543"/>
+              <a:ext cx="2672082" cy="369332"/>
+            </a:xfrm>
+            <a:prstGeom prst="rect">
+              <a:avLst/>
+            </a:prstGeom>
+            <a:noFill/>
+          </p:spPr>
+          <p:txBody>
+            <a:bodyPr wrap="square" rtlCol="0">
+              <a:spAutoFit/>
+            </a:bodyPr>
+            <a:lstStyle/>
+            <a:p>
+              <a:r>
+                <a:rPr lang="ko-KR" altLang="en-US" dirty="0"/>
+                <a:t>아이디명 </a:t>
+              </a:r>
+              <a:r>
+                <a:rPr lang="en-US" altLang="ko-KR" dirty="0"/>
+                <a:t>Banner--logo </a:t>
+              </a:r>
+              <a:endParaRPr lang="ko-KR" altLang="en-US" dirty="0"/>
+            </a:p>
+          </p:txBody>
+        </p:sp>
+        <p:sp>
+          <p:nvSpPr>
+            <p:cNvPr id="17" name="TextBox 16">
+              <a:extLst>
+                <a:ext uri="{FF2B5EF4-FFF2-40B4-BE49-F238E27FC236}">
+                  <a16:creationId xmlns:a16="http://schemas.microsoft.com/office/drawing/2014/main" id="{539A84D6-549F-8121-B236-15B4963A8DE3}"/>
+                </a:ext>
+              </a:extLst>
+            </p:cNvPr>
+            <p:cNvSpPr txBox="1"/>
+            <p:nvPr/>
+          </p:nvSpPr>
+          <p:spPr>
+            <a:xfrm>
+              <a:off x="619761" y="3634833"/>
+              <a:ext cx="3860800" cy="646331"/>
+            </a:xfrm>
+            <a:prstGeom prst="rect">
+              <a:avLst/>
+            </a:prstGeom>
+            <a:noFill/>
+          </p:spPr>
+          <p:txBody>
+            <a:bodyPr wrap="square" rtlCol="0">
+              <a:spAutoFit/>
+            </a:bodyPr>
+            <a:lstStyle/>
+            <a:p>
+              <a:r>
+                <a:rPr lang="ko-KR" altLang="en-US" dirty="0"/>
+                <a:t>클래스명 </a:t>
+              </a:r>
+              <a:r>
+                <a:rPr lang="en-US" altLang="ko-KR" dirty="0"/>
+                <a:t>Banner-- </a:t>
+              </a:r>
+              <a:r>
+                <a:rPr lang="en-US" altLang="ko-KR" dirty="0" err="1"/>
+                <a:t>siteMenu</a:t>
+              </a:r>
+              <a:r>
+                <a:rPr lang="en-US" altLang="ko-KR" dirty="0"/>
+                <a:t>- left</a:t>
+              </a:r>
+            </a:p>
+            <a:p>
+              <a:r>
+                <a:rPr lang="en-US" altLang="ko-KR" dirty="0" smtClean="0"/>
+                <a:t>&lt;</a:t>
+              </a:r>
+              <a:r>
+                <a:rPr lang="en-US" altLang="ko-KR" dirty="0" err="1" smtClean="0"/>
+                <a:t>Nav</a:t>
+              </a:r>
+              <a:r>
+                <a:rPr lang="en-US" altLang="ko-KR" dirty="0" smtClean="0"/>
+                <a:t>&gt;</a:t>
+              </a:r>
+              <a:endParaRPr lang="ko-KR" altLang="en-US" dirty="0"/>
+            </a:p>
+          </p:txBody>
+        </p:sp>
+        <p:sp>
+          <p:nvSpPr>
+            <p:cNvPr id="18" name="TextBox 17">
+              <a:extLst>
+                <a:ext uri="{FF2B5EF4-FFF2-40B4-BE49-F238E27FC236}">
+                  <a16:creationId xmlns:a16="http://schemas.microsoft.com/office/drawing/2014/main" id="{64E8FCB1-00CD-5455-84FE-75CD65BBBA50}"/>
+                </a:ext>
+              </a:extLst>
+            </p:cNvPr>
+            <p:cNvSpPr txBox="1"/>
+            <p:nvPr/>
+          </p:nvSpPr>
+          <p:spPr>
+            <a:xfrm>
+              <a:off x="492760" y="1938939"/>
+              <a:ext cx="4511040" cy="646331"/>
+            </a:xfrm>
+            <a:prstGeom prst="rect">
+              <a:avLst/>
+            </a:prstGeom>
+            <a:noFill/>
+          </p:spPr>
+          <p:txBody>
+            <a:bodyPr wrap="square" rtlCol="0">
+              <a:spAutoFit/>
+            </a:bodyPr>
+            <a:lstStyle/>
+            <a:p>
+              <a:r>
+                <a:rPr lang="ko-KR" altLang="en-US" dirty="0"/>
+                <a:t>클래스명 </a:t>
+              </a:r>
+              <a:r>
+                <a:rPr lang="en-US" altLang="ko-KR" dirty="0"/>
+                <a:t>Banner—</a:t>
+              </a:r>
+              <a:r>
+                <a:rPr lang="en-US" altLang="ko-KR" dirty="0" err="1"/>
+                <a:t>customerMenu</a:t>
+              </a:r>
+              <a:r>
+                <a:rPr lang="en-US" altLang="ko-KR" dirty="0"/>
+                <a:t>-left</a:t>
+              </a:r>
+            </a:p>
+            <a:p>
+              <a:r>
+                <a:rPr lang="en-US" altLang="ko-KR" dirty="0"/>
+                <a:t> &lt;</a:t>
+              </a:r>
+              <a:r>
+                <a:rPr lang="en-US" altLang="ko-KR" dirty="0" err="1"/>
+                <a:t>nav</a:t>
+              </a:r>
+              <a:r>
+                <a:rPr lang="en-US" altLang="ko-KR" dirty="0" smtClean="0"/>
+                <a:t>&gt;</a:t>
+              </a:r>
+              <a:endParaRPr lang="ko-KR" altLang="en-US" dirty="0"/>
+            </a:p>
+          </p:txBody>
+        </p:sp>
+        <p:sp>
+          <p:nvSpPr>
+            <p:cNvPr id="20" name="TextBox 19">
+              <a:extLst>
+                <a:ext uri="{FF2B5EF4-FFF2-40B4-BE49-F238E27FC236}">
+                  <a16:creationId xmlns:a16="http://schemas.microsoft.com/office/drawing/2014/main" id="{313BE909-AA99-91E8-F1EF-B4678E29A471}"/>
+                </a:ext>
+              </a:extLst>
+            </p:cNvPr>
+            <p:cNvSpPr txBox="1"/>
+            <p:nvPr/>
+          </p:nvSpPr>
+          <p:spPr>
+            <a:xfrm>
+              <a:off x="7731760" y="3564506"/>
+              <a:ext cx="3860800" cy="646331"/>
+            </a:xfrm>
+            <a:prstGeom prst="rect">
+              <a:avLst/>
+            </a:prstGeom>
+            <a:noFill/>
+          </p:spPr>
+          <p:txBody>
+            <a:bodyPr wrap="square" rtlCol="0">
+              <a:spAutoFit/>
+            </a:bodyPr>
+            <a:lstStyle/>
+            <a:p>
+              <a:r>
+                <a:rPr lang="ko-KR" altLang="en-US" dirty="0"/>
+                <a:t>클래스명 </a:t>
+              </a:r>
+              <a:r>
+                <a:rPr lang="en-US" altLang="ko-KR" dirty="0"/>
+                <a:t>Banner-- </a:t>
+              </a:r>
+              <a:r>
+                <a:rPr lang="en-US" altLang="ko-KR" dirty="0" err="1"/>
+                <a:t>siteMenu</a:t>
+              </a:r>
+              <a:r>
+                <a:rPr lang="en-US" altLang="ko-KR" dirty="0"/>
+                <a:t>- right</a:t>
+              </a:r>
+            </a:p>
+            <a:p>
+              <a:r>
+                <a:rPr lang="en-US" altLang="ko-KR" dirty="0"/>
+                <a:t>&lt;nav&gt;</a:t>
+              </a:r>
+              <a:endParaRPr lang="ko-KR" altLang="en-US" dirty="0"/>
+            </a:p>
+          </p:txBody>
+        </p:sp>
+        <p:sp>
+          <p:nvSpPr>
+            <p:cNvPr id="22" name="TextBox 21">
+              <a:extLst>
+                <a:ext uri="{FF2B5EF4-FFF2-40B4-BE49-F238E27FC236}">
+                  <a16:creationId xmlns:a16="http://schemas.microsoft.com/office/drawing/2014/main" id="{107E5EA0-8634-A57D-B658-8BE01C1E075E}"/>
+                </a:ext>
+              </a:extLst>
+            </p:cNvPr>
+            <p:cNvSpPr txBox="1"/>
+            <p:nvPr/>
+          </p:nvSpPr>
+          <p:spPr>
+            <a:xfrm>
+              <a:off x="7335520" y="1938939"/>
+              <a:ext cx="4511040" cy="646331"/>
+            </a:xfrm>
+            <a:prstGeom prst="rect">
+              <a:avLst/>
+            </a:prstGeom>
+            <a:noFill/>
+          </p:spPr>
+          <p:txBody>
+            <a:bodyPr wrap="square" rtlCol="0">
+              <a:spAutoFit/>
+            </a:bodyPr>
+            <a:lstStyle/>
+            <a:p>
+              <a:r>
+                <a:rPr lang="ko-KR" altLang="en-US" dirty="0"/>
+                <a:t>클래스명 </a:t>
+              </a:r>
+              <a:r>
+                <a:rPr lang="en-US" altLang="ko-KR" dirty="0"/>
+                <a:t>Banner—</a:t>
+              </a:r>
+              <a:r>
+                <a:rPr lang="en-US" altLang="ko-KR" dirty="0" err="1"/>
+                <a:t>customerMenu</a:t>
+              </a:r>
+              <a:r>
+                <a:rPr lang="en-US" altLang="ko-KR" dirty="0"/>
+                <a:t>-right</a:t>
+              </a:r>
+            </a:p>
+            <a:p>
+              <a:r>
+                <a:rPr lang="en-US" altLang="ko-KR" dirty="0"/>
+                <a:t>&lt;nav&gt; </a:t>
+              </a:r>
+              <a:endParaRPr lang="ko-KR" altLang="en-US" dirty="0"/>
+            </a:p>
+          </p:txBody>
+        </p:sp>
+      </p:grpSp>
+      <p:sp>
+        <p:nvSpPr>
+          <p:cNvPr id="3" name="직사각형 2"/>
           <p:cNvSpPr/>
           <p:nvPr/>
         </p:nvSpPr>
         <p:spPr>
           <a:xfrm>
-            <a:off x="4937760" y="2694499"/>
-            <a:ext cx="2397760" cy="809738"/>
+            <a:off x="729762" y="2694500"/>
+            <a:ext cx="817684" cy="250924"/>
           </a:xfrm>
           <a:prstGeom prst="rect">
             <a:avLst/>
@@ -3567,14 +4191,14 @@
           <a:noFill/>
           <a:ln>
             <a:solidFill>
-              <a:srgbClr val="FF0000"/>
+              <a:srgbClr val="00B050"/>
             </a:solidFill>
           </a:ln>
         </p:spPr>
         <p:style>
           <a:lnRef idx="2">
             <a:schemeClr val="accent1">
-              <a:shade val="15000"/>
+              <a:shade val="50000"/>
             </a:schemeClr>
           </a:lnRef>
           <a:fillRef idx="1">
@@ -3598,20 +4222,71 @@
       </p:sp>
       <p:sp>
         <p:nvSpPr>
-          <p:cNvPr id="7" name="직사각형 6">
-            <a:extLst>
-              <a:ext uri="{FF2B5EF4-FFF2-40B4-BE49-F238E27FC236}">
-                <a16:creationId xmlns:a16="http://schemas.microsoft.com/office/drawing/2014/main" id="{36A5E40E-FCCA-B225-3D83-2774E8169F23}"/>
-              </a:ext>
-            </a:extLst>
-          </p:cNvPr>
+          <p:cNvPr id="12" name="TextBox 11"/>
+          <p:cNvSpPr txBox="1"/>
+          <p:nvPr/>
+        </p:nvSpPr>
+        <p:spPr>
+          <a:xfrm>
+            <a:off x="1450731" y="2425120"/>
+            <a:ext cx="1995854" cy="246221"/>
+          </a:xfrm>
+          <a:prstGeom prst="rect">
+            <a:avLst/>
+          </a:prstGeom>
+          <a:noFill/>
+        </p:spPr>
+        <p:txBody>
+          <a:bodyPr wrap="square" rtlCol="0">
+            <a:spAutoFit/>
+          </a:bodyPr>
+          <a:lstStyle/>
+          <a:p>
+            <a:r>
+              <a:rPr lang="en-US" altLang="ko-KR" sz="1000" dirty="0" err="1" smtClean="0">
+                <a:solidFill>
+                  <a:srgbClr val="00B050"/>
+                </a:solidFill>
+              </a:rPr>
+              <a:t>ul</a:t>
+            </a:r>
+            <a:r>
+              <a:rPr lang="en-US" altLang="ko-KR" sz="1000" dirty="0" smtClean="0">
+                <a:solidFill>
+                  <a:srgbClr val="00B050"/>
+                </a:solidFill>
+              </a:rPr>
+              <a:t>&gt;li&gt;a&gt;text  </a:t>
+            </a:r>
+            <a:r>
+              <a:rPr lang="en-US" altLang="ko-KR" sz="1000" dirty="0" smtClean="0">
+                <a:solidFill>
+                  <a:schemeClr val="accent1">
+                    <a:lumMod val="60000"/>
+                    <a:lumOff val="40000"/>
+                  </a:schemeClr>
+                </a:solidFill>
+              </a:rPr>
+              <a:t>float : left</a:t>
+            </a:r>
+            <a:endParaRPr lang="ko-KR" altLang="en-US" sz="1000" dirty="0">
+              <a:solidFill>
+                <a:srgbClr val="00B050"/>
+              </a:solidFill>
+            </a:endParaRPr>
+          </a:p>
+        </p:txBody>
+      </p:sp>
+      <p:sp>
+        <p:nvSpPr>
+          <p:cNvPr id="13" name="직사각형 12"/>
           <p:cNvSpPr/>
           <p:nvPr/>
         </p:nvSpPr>
         <p:spPr>
           <a:xfrm>
-            <a:off x="619760" y="2693536"/>
-            <a:ext cx="4318000" cy="809738"/>
+            <a:off x="2228460" y="3024711"/>
+            <a:ext cx="501161" cy="405842"/>
           </a:xfrm>
           <a:prstGeom prst="rect">
             <a:avLst/>
@@ -3619,14 +4294,14 @@
           <a:noFill/>
           <a:ln>
             <a:solidFill>
-              <a:srgbClr val="FF0000"/>
+              <a:srgbClr val="00B050"/>
             </a:solidFill>
           </a:ln>
         </p:spPr>
         <p:style>
           <a:lnRef idx="2">
             <a:schemeClr val="accent1">
-              <a:shade val="15000"/>
+              <a:shade val="50000"/>
             </a:schemeClr>
           </a:lnRef>
           <a:fillRef idx="1">
@@ -3650,20 +4325,211 @@
       </p:sp>
       <p:sp>
         <p:nvSpPr>
-          <p:cNvPr id="8" name="직사각형 7">
-            <a:extLst>
-              <a:ext uri="{FF2B5EF4-FFF2-40B4-BE49-F238E27FC236}">
-                <a16:creationId xmlns:a16="http://schemas.microsoft.com/office/drawing/2014/main" id="{382B1F56-4DE2-986A-32D7-9EA275DA0854}"/>
-              </a:ext>
-            </a:extLst>
-          </p:cNvPr>
+          <p:cNvPr id="14" name="TextBox 13"/>
+          <p:cNvSpPr txBox="1"/>
+          <p:nvPr/>
+        </p:nvSpPr>
+        <p:spPr>
+          <a:xfrm>
+            <a:off x="1898552" y="4253479"/>
+            <a:ext cx="3034127" cy="246221"/>
+          </a:xfrm>
+          <a:prstGeom prst="rect">
+            <a:avLst/>
+          </a:prstGeom>
+        </p:spPr>
+        <p:style>
+          <a:lnRef idx="2">
+            <a:schemeClr val="accent1"/>
+          </a:lnRef>
+          <a:fillRef idx="1">
+            <a:schemeClr val="lt1"/>
+          </a:fillRef>
+          <a:effectRef idx="0">
+            <a:schemeClr val="accent1"/>
+          </a:effectRef>
+          <a:fontRef idx="minor">
+            <a:schemeClr val="dk1"/>
+          </a:fontRef>
+        </p:style>
+        <p:txBody>
+          <a:bodyPr wrap="square" rtlCol="0">
+            <a:spAutoFit/>
+          </a:bodyPr>
+          <a:lstStyle/>
+          <a:p>
+            <a:r>
+              <a:rPr lang="en-US" altLang="ko-KR" sz="1000" dirty="0" err="1" smtClean="0">
+                <a:solidFill>
+                  <a:srgbClr val="00B050"/>
+                </a:solidFill>
+              </a:rPr>
+              <a:t>Ul</a:t>
+            </a:r>
+            <a:r>
+              <a:rPr lang="en-US" altLang="ko-KR" sz="1000" dirty="0" smtClean="0">
+                <a:solidFill>
+                  <a:srgbClr val="00B050"/>
+                </a:solidFill>
+              </a:rPr>
+              <a:t>&gt;li.</a:t>
+            </a:r>
+            <a:r>
+              <a:rPr lang="ko-KR" altLang="en-US" sz="1000" dirty="0" smtClean="0">
+                <a:solidFill>
+                  <a:srgbClr val="00B050"/>
+                </a:solidFill>
+              </a:rPr>
+              <a:t>위치</a:t>
+            </a:r>
+            <a:r>
+              <a:rPr lang="en-US" altLang="ko-KR" sz="1000" dirty="0" smtClean="0">
+                <a:solidFill>
+                  <a:srgbClr val="00B050"/>
+                </a:solidFill>
+              </a:rPr>
+              <a:t>&gt;div.</a:t>
+            </a:r>
+            <a:r>
+              <a:rPr lang="ko-KR" altLang="en-US" sz="1000" dirty="0" smtClean="0">
+                <a:solidFill>
+                  <a:srgbClr val="00B050"/>
+                </a:solidFill>
+              </a:rPr>
+              <a:t>메뉴</a:t>
+            </a:r>
+            <a:r>
+              <a:rPr lang="en-US" altLang="ko-KR" sz="1000" dirty="0" smtClean="0">
+                <a:solidFill>
+                  <a:srgbClr val="00B050"/>
+                </a:solidFill>
+              </a:rPr>
+              <a:t>&gt;div&gt;a*</a:t>
+            </a:r>
+            <a:r>
+              <a:rPr lang="ko-KR" altLang="en-US" sz="1000" dirty="0" smtClean="0">
+                <a:solidFill>
+                  <a:srgbClr val="00B050"/>
+                </a:solidFill>
+              </a:rPr>
+              <a:t>세부메뉴개수</a:t>
+            </a:r>
+            <a:r>
+              <a:rPr lang="en-US" altLang="ko-KR" sz="1000" dirty="0" smtClean="0">
+                <a:solidFill>
+                  <a:srgbClr val="00B050"/>
+                </a:solidFill>
+              </a:rPr>
+              <a:t>&gt;</a:t>
+            </a:r>
+            <a:r>
+              <a:rPr lang="en-US" altLang="ko-KR" sz="1000" dirty="0" err="1" smtClean="0">
+                <a:solidFill>
+                  <a:srgbClr val="00B050"/>
+                </a:solidFill>
+              </a:rPr>
+              <a:t>img</a:t>
+            </a:r>
+            <a:endParaRPr lang="ko-KR" altLang="en-US" sz="1000" dirty="0">
+              <a:solidFill>
+                <a:srgbClr val="00B050"/>
+              </a:solidFill>
+            </a:endParaRPr>
+          </a:p>
+        </p:txBody>
+      </p:sp>
+      <p:cxnSp>
+        <p:nvCxnSpPr>
+          <p:cNvPr id="21" name="직선 화살표 연결선 20"/>
+          <p:cNvCxnSpPr>
+            <a:endCxn id="17" idx="2"/>
+          </p:cNvCxnSpPr>
+          <p:nvPr/>
+        </p:nvCxnSpPr>
+        <p:spPr>
+          <a:xfrm>
+            <a:off x="2479040" y="3475589"/>
+            <a:ext cx="1" cy="777890"/>
+          </a:xfrm>
+          <a:prstGeom prst="straightConnector1">
+            <a:avLst/>
+          </a:prstGeom>
+          <a:ln>
+            <a:solidFill>
+              <a:srgbClr val="00B050"/>
+            </a:solidFill>
+            <a:tailEnd type="triangle"/>
+          </a:ln>
+        </p:spPr>
+        <p:style>
+          <a:lnRef idx="2">
+            <a:schemeClr val="accent1"/>
+          </a:lnRef>
+          <a:fillRef idx="0">
+            <a:schemeClr val="accent1"/>
+          </a:fillRef>
+          <a:effectRef idx="1">
+            <a:schemeClr val="accent1"/>
+          </a:effectRef>
+          <a:fontRef idx="minor">
+            <a:schemeClr val="tx1"/>
+          </a:fontRef>
+        </p:style>
+      </p:cxnSp>
+      <p:sp>
+        <p:nvSpPr>
+          <p:cNvPr id="23" name="TextBox 22"/>
+          <p:cNvSpPr txBox="1"/>
+          <p:nvPr/>
+        </p:nvSpPr>
+        <p:spPr>
+          <a:xfrm>
+            <a:off x="299228" y="4715144"/>
+            <a:ext cx="2520462" cy="246221"/>
+          </a:xfrm>
+          <a:prstGeom prst="rect">
+            <a:avLst/>
+          </a:prstGeom>
+          <a:noFill/>
+        </p:spPr>
+        <p:txBody>
+          <a:bodyPr wrap="square" rtlCol="0">
+            <a:spAutoFit/>
+          </a:bodyPr>
+          <a:lstStyle/>
+          <a:p>
+            <a:r>
+              <a:rPr lang="en-US" altLang="ko-KR" sz="1000" dirty="0" smtClean="0">
+                <a:solidFill>
+                  <a:schemeClr val="accent1">
+                    <a:lumMod val="60000"/>
+                    <a:lumOff val="40000"/>
+                  </a:schemeClr>
+                </a:solidFill>
+              </a:rPr>
+              <a:t>Float : left</a:t>
+            </a:r>
+            <a:endParaRPr lang="ko-KR" altLang="en-US" sz="1000" dirty="0">
+              <a:solidFill>
+                <a:schemeClr val="accent1">
+                  <a:lumMod val="60000"/>
+                  <a:lumOff val="40000"/>
+                </a:schemeClr>
+              </a:solidFill>
+            </a:endParaRPr>
+          </a:p>
+        </p:txBody>
+      </p:sp>
+      <p:sp>
+        <p:nvSpPr>
+          <p:cNvPr id="24" name="직사각형 23"/>
           <p:cNvSpPr/>
           <p:nvPr/>
         </p:nvSpPr>
         <p:spPr>
           <a:xfrm>
-            <a:off x="7335520" y="2694499"/>
-            <a:ext cx="4257040" cy="809738"/>
+            <a:off x="729762" y="3024711"/>
+            <a:ext cx="817684" cy="351249"/>
           </a:xfrm>
           <a:prstGeom prst="rect">
             <a:avLst/>
@@ -3671,14 +4537,14 @@
           <a:noFill/>
           <a:ln>
             <a:solidFill>
-              <a:srgbClr val="FF0000"/>
+              <a:srgbClr val="00B0F0"/>
             </a:solidFill>
           </a:ln>
         </p:spPr>
         <p:style>
           <a:lnRef idx="2">
             <a:schemeClr val="accent1">
-              <a:shade val="15000"/>
+              <a:shade val="50000"/>
             </a:schemeClr>
           </a:lnRef>
           <a:fillRef idx="1">
@@ -3700,22 +4566,93 @@
           </a:p>
         </p:txBody>
       </p:sp>
-      <p:sp>
-        <p:nvSpPr>
-          <p:cNvPr id="9" name="직사각형 8">
-            <a:extLst>
-              <a:ext uri="{FF2B5EF4-FFF2-40B4-BE49-F238E27FC236}">
-                <a16:creationId xmlns:a16="http://schemas.microsoft.com/office/drawing/2014/main" id="{640F33E3-1FF3-7768-B982-905ABA37F7C4}"/>
-              </a:ext>
-            </a:extLst>
-          </p:cNvPr>
+      <p:cxnSp>
+        <p:nvCxnSpPr>
+          <p:cNvPr id="26" name="직선 화살표 연결선 25"/>
+          <p:cNvCxnSpPr/>
+          <p:nvPr/>
+        </p:nvCxnSpPr>
+        <p:spPr>
+          <a:xfrm flipH="1">
+            <a:off x="609600" y="3430553"/>
+            <a:ext cx="228600" cy="1283628"/>
+          </a:xfrm>
+          <a:prstGeom prst="straightConnector1">
+            <a:avLst/>
+          </a:prstGeom>
+          <a:ln>
+            <a:tailEnd type="triangle"/>
+          </a:ln>
+        </p:spPr>
+        <p:style>
+          <a:lnRef idx="2">
+            <a:schemeClr val="accent4"/>
+          </a:lnRef>
+          <a:fillRef idx="0">
+            <a:schemeClr val="accent4"/>
+          </a:fillRef>
+          <a:effectRef idx="1">
+            <a:schemeClr val="accent4"/>
+          </a:effectRef>
+          <a:fontRef idx="minor">
+            <a:schemeClr val="tx1"/>
+          </a:fontRef>
+        </p:style>
+      </p:cxnSp>
+      <p:sp>
+        <p:nvSpPr>
+          <p:cNvPr id="27" name="TextBox 26"/>
+          <p:cNvSpPr txBox="1"/>
+          <p:nvPr/>
+        </p:nvSpPr>
+        <p:spPr>
+          <a:xfrm>
+            <a:off x="10133671" y="4677114"/>
+            <a:ext cx="2520462" cy="246221"/>
+          </a:xfrm>
+          <a:prstGeom prst="rect">
+            <a:avLst/>
+          </a:prstGeom>
+          <a:noFill/>
+        </p:spPr>
+        <p:txBody>
+          <a:bodyPr wrap="square" rtlCol="0">
+            <a:spAutoFit/>
+          </a:bodyPr>
+          <a:lstStyle/>
+          <a:p>
+            <a:r>
+              <a:rPr lang="en-US" altLang="ko-KR" sz="1000" dirty="0" smtClean="0">
+                <a:solidFill>
+                  <a:schemeClr val="accent1">
+                    <a:lumMod val="60000"/>
+                    <a:lumOff val="40000"/>
+                  </a:schemeClr>
+                </a:solidFill>
+              </a:rPr>
+              <a:t>Float : right</a:t>
+            </a:r>
+            <a:endParaRPr lang="ko-KR" altLang="en-US" sz="1000" dirty="0">
+              <a:solidFill>
+                <a:schemeClr val="accent1">
+                  <a:lumMod val="60000"/>
+                  <a:lumOff val="40000"/>
+                </a:schemeClr>
+              </a:solidFill>
+            </a:endParaRPr>
+          </a:p>
+        </p:txBody>
+      </p:sp>
+      <p:sp>
+        <p:nvSpPr>
+          <p:cNvPr id="28" name="직사각형 27"/>
           <p:cNvSpPr/>
           <p:nvPr/>
         </p:nvSpPr>
         <p:spPr>
           <a:xfrm>
-            <a:off x="619760" y="2687493"/>
-            <a:ext cx="4257040" cy="319867"/>
+            <a:off x="10574173" y="3051157"/>
+            <a:ext cx="817684" cy="351249"/>
           </a:xfrm>
           <a:prstGeom prst="rect">
             <a:avLst/>
@@ -3723,14 +4660,14 @@
           <a:noFill/>
           <a:ln>
             <a:solidFill>
-              <a:srgbClr val="FF0000"/>
+              <a:srgbClr val="00B0F0"/>
             </a:solidFill>
           </a:ln>
         </p:spPr>
         <p:style>
           <a:lnRef idx="2">
             <a:schemeClr val="accent1">
-              <a:shade val="15000"/>
+              <a:shade val="50000"/>
             </a:schemeClr>
           </a:lnRef>
           <a:fillRef idx="1">
@@ -3752,314 +4689,39 @@
           </a:p>
         </p:txBody>
       </p:sp>
-      <p:sp>
-        <p:nvSpPr>
-          <p:cNvPr id="10" name="직사각형 9">
-            <a:extLst>
-              <a:ext uri="{FF2B5EF4-FFF2-40B4-BE49-F238E27FC236}">
-                <a16:creationId xmlns:a16="http://schemas.microsoft.com/office/drawing/2014/main" id="{5281FCB7-8FB3-4CF5-00CF-A61296C5482A}"/>
-              </a:ext>
-            </a:extLst>
-          </p:cNvPr>
-          <p:cNvSpPr/>
+      <p:cxnSp>
+        <p:nvCxnSpPr>
+          <p:cNvPr id="29" name="직선 화살표 연결선 28"/>
+          <p:cNvCxnSpPr/>
           <p:nvPr/>
-        </p:nvSpPr>
+        </p:nvCxnSpPr>
         <p:spPr>
-          <a:xfrm>
-            <a:off x="7335520" y="2694499"/>
-            <a:ext cx="4257040" cy="319867"/>
+          <a:xfrm flipH="1">
+            <a:off x="10444043" y="3392523"/>
+            <a:ext cx="228600" cy="1283628"/>
           </a:xfrm>
-          <a:prstGeom prst="rect">
+          <a:prstGeom prst="straightConnector1">
             <a:avLst/>
           </a:prstGeom>
-          <a:noFill/>
           <a:ln>
-            <a:solidFill>
-              <a:srgbClr val="FF0000"/>
-            </a:solidFill>
+            <a:tailEnd type="triangle"/>
           </a:ln>
         </p:spPr>
         <p:style>
           <a:lnRef idx="2">
-            <a:schemeClr val="accent1">
-              <a:shade val="15000"/>
-            </a:schemeClr>
+            <a:schemeClr val="accent4"/>
           </a:lnRef>
-          <a:fillRef idx="1">
-            <a:schemeClr val="accent1"/>
+          <a:fillRef idx="0">
+            <a:schemeClr val="accent4"/>
           </a:fillRef>
-          <a:effectRef idx="0">
-            <a:schemeClr val="accent1"/>
+          <a:effectRef idx="1">
+            <a:schemeClr val="accent4"/>
           </a:effectRef>
           <a:fontRef idx="minor">
-            <a:schemeClr val="lt1"/>
+            <a:schemeClr val="tx1"/>
           </a:fontRef>
         </p:style>
-        <p:txBody>
-          <a:bodyPr rtlCol="0" anchor="ctr"/>
-          <a:lstStyle/>
-          <a:p>
-            <a:pPr algn="ctr"/>
-            <a:endParaRPr lang="ko-KR" altLang="en-US"/>
-          </a:p>
-        </p:txBody>
-      </p:sp>
-      <p:sp>
-        <p:nvSpPr>
-          <p:cNvPr id="11" name="TextBox 10">
-            <a:extLst>
-              <a:ext uri="{FF2B5EF4-FFF2-40B4-BE49-F238E27FC236}">
-                <a16:creationId xmlns:a16="http://schemas.microsoft.com/office/drawing/2014/main" id="{E818DCF1-AE35-347E-223D-07923293BD51}"/>
-              </a:ext>
-            </a:extLst>
-          </p:cNvPr>
-          <p:cNvSpPr txBox="1"/>
-          <p:nvPr/>
-        </p:nvSpPr>
-        <p:spPr>
-          <a:xfrm>
-            <a:off x="4876800" y="3563543"/>
-            <a:ext cx="2672082" cy="369332"/>
-          </a:xfrm>
-          <a:prstGeom prst="rect">
-            <a:avLst/>
-          </a:prstGeom>
-          <a:noFill/>
-        </p:spPr>
-        <p:txBody>
-          <a:bodyPr wrap="square" rtlCol="0">
-            <a:spAutoFit/>
-          </a:bodyPr>
-          <a:lstStyle/>
-          <a:p>
-            <a:r>
-              <a:rPr lang="ko-KR" altLang="en-US" dirty="0"/>
-              <a:t>아이디명 </a:t>
-            </a:r>
-            <a:r>
-              <a:rPr lang="en-US" altLang="ko-KR" dirty="0"/>
-              <a:t>Banner--logo </a:t>
-            </a:r>
-            <a:endParaRPr lang="ko-KR" altLang="en-US" dirty="0"/>
-          </a:p>
-        </p:txBody>
-      </p:sp>
-      <p:sp>
-        <p:nvSpPr>
-          <p:cNvPr id="17" name="TextBox 16">
-            <a:extLst>
-              <a:ext uri="{FF2B5EF4-FFF2-40B4-BE49-F238E27FC236}">
-                <a16:creationId xmlns:a16="http://schemas.microsoft.com/office/drawing/2014/main" id="{539A84D6-549F-8121-B236-15B4963A8DE3}"/>
-              </a:ext>
-            </a:extLst>
-          </p:cNvPr>
-          <p:cNvSpPr txBox="1"/>
-          <p:nvPr/>
-        </p:nvSpPr>
-        <p:spPr>
-          <a:xfrm>
-            <a:off x="619761" y="3634833"/>
-            <a:ext cx="3860800" cy="646331"/>
-          </a:xfrm>
-          <a:prstGeom prst="rect">
-            <a:avLst/>
-          </a:prstGeom>
-          <a:noFill/>
-        </p:spPr>
-        <p:txBody>
-          <a:bodyPr wrap="square" rtlCol="0">
-            <a:spAutoFit/>
-          </a:bodyPr>
-          <a:lstStyle/>
-          <a:p>
-            <a:r>
-              <a:rPr lang="ko-KR" altLang="en-US" dirty="0"/>
-              <a:t>클래스명 </a:t>
-            </a:r>
-            <a:r>
-              <a:rPr lang="en-US" altLang="ko-KR" dirty="0"/>
-              <a:t>Banner-- </a:t>
-            </a:r>
-            <a:r>
-              <a:rPr lang="en-US" altLang="ko-KR" dirty="0" err="1"/>
-              <a:t>siteMenu</a:t>
-            </a:r>
-            <a:r>
-              <a:rPr lang="en-US" altLang="ko-KR" dirty="0"/>
-              <a:t>- left</a:t>
-            </a:r>
-          </a:p>
-          <a:p>
-            <a:r>
-              <a:rPr lang="en-US" altLang="ko-KR" dirty="0"/>
-              <a:t>&lt;nav&gt;</a:t>
-            </a:r>
-            <a:endParaRPr lang="ko-KR" altLang="en-US" dirty="0"/>
-          </a:p>
-        </p:txBody>
-      </p:sp>
-      <p:sp>
-        <p:nvSpPr>
-          <p:cNvPr id="18" name="TextBox 17">
-            <a:extLst>
-              <a:ext uri="{FF2B5EF4-FFF2-40B4-BE49-F238E27FC236}">
-                <a16:creationId xmlns:a16="http://schemas.microsoft.com/office/drawing/2014/main" id="{64E8FCB1-00CD-5455-84FE-75CD65BBBA50}"/>
-              </a:ext>
-            </a:extLst>
-          </p:cNvPr>
-          <p:cNvSpPr txBox="1"/>
-          <p:nvPr/>
-        </p:nvSpPr>
-        <p:spPr>
-          <a:xfrm>
-            <a:off x="492760" y="1938939"/>
-            <a:ext cx="4511040" cy="646331"/>
-          </a:xfrm>
-          <a:prstGeom prst="rect">
-            <a:avLst/>
-          </a:prstGeom>
-          <a:noFill/>
-        </p:spPr>
-        <p:txBody>
-          <a:bodyPr wrap="square" rtlCol="0">
-            <a:spAutoFit/>
-          </a:bodyPr>
-          <a:lstStyle/>
-          <a:p>
-            <a:r>
-              <a:rPr lang="ko-KR" altLang="en-US" dirty="0"/>
-              <a:t>클래스명 </a:t>
-            </a:r>
-            <a:r>
-              <a:rPr lang="en-US" altLang="ko-KR" dirty="0"/>
-              <a:t>Banner—</a:t>
-            </a:r>
-            <a:r>
-              <a:rPr lang="en-US" altLang="ko-KR" dirty="0" err="1"/>
-              <a:t>customerMenu</a:t>
-            </a:r>
-            <a:r>
-              <a:rPr lang="en-US" altLang="ko-KR" dirty="0"/>
-              <a:t>-left</a:t>
-            </a:r>
-          </a:p>
-          <a:p>
-            <a:r>
-              <a:rPr lang="en-US" altLang="ko-KR" dirty="0"/>
-              <a:t> &lt;nav&gt;</a:t>
-            </a:r>
-            <a:endParaRPr lang="ko-KR" altLang="en-US" dirty="0"/>
-          </a:p>
-        </p:txBody>
-      </p:sp>
-      <p:sp>
-        <p:nvSpPr>
-          <p:cNvPr id="20" name="TextBox 19">
-            <a:extLst>
-              <a:ext uri="{FF2B5EF4-FFF2-40B4-BE49-F238E27FC236}">
-                <a16:creationId xmlns:a16="http://schemas.microsoft.com/office/drawing/2014/main" id="{313BE909-AA99-91E8-F1EF-B4678E29A471}"/>
-              </a:ext>
-            </a:extLst>
-          </p:cNvPr>
-          <p:cNvSpPr txBox="1"/>
-          <p:nvPr/>
-        </p:nvSpPr>
-        <p:spPr>
-          <a:xfrm>
-            <a:off x="7731760" y="3564506"/>
-            <a:ext cx="3860800" cy="646331"/>
-          </a:xfrm>
-          <a:prstGeom prst="rect">
-            <a:avLst/>
-          </a:prstGeom>
-          <a:noFill/>
-        </p:spPr>
-        <p:txBody>
-          <a:bodyPr wrap="square" rtlCol="0">
-            <a:spAutoFit/>
-          </a:bodyPr>
-          <a:lstStyle/>
-          <a:p>
-            <a:r>
-              <a:rPr lang="ko-KR" altLang="en-US" dirty="0"/>
-              <a:t>클래스명 </a:t>
-            </a:r>
-            <a:r>
-              <a:rPr lang="en-US" altLang="ko-KR" dirty="0"/>
-              <a:t>Banner-- </a:t>
-            </a:r>
-            <a:r>
-              <a:rPr lang="en-US" altLang="ko-KR" dirty="0" err="1"/>
-              <a:t>siteMenu</a:t>
-            </a:r>
-            <a:r>
-              <a:rPr lang="en-US" altLang="ko-KR" dirty="0"/>
-              <a:t>- right</a:t>
-            </a:r>
-          </a:p>
-          <a:p>
-            <a:r>
-              <a:rPr lang="en-US" altLang="ko-KR" dirty="0"/>
-              <a:t>&lt;nav&gt;</a:t>
-            </a:r>
-            <a:endParaRPr lang="ko-KR" altLang="en-US" dirty="0"/>
-          </a:p>
-        </p:txBody>
-      </p:sp>
-      <p:sp>
-        <p:nvSpPr>
-          <p:cNvPr id="22" name="TextBox 21">
-            <a:extLst>
-              <a:ext uri="{FF2B5EF4-FFF2-40B4-BE49-F238E27FC236}">
-                <a16:creationId xmlns:a16="http://schemas.microsoft.com/office/drawing/2014/main" id="{107E5EA0-8634-A57D-B658-8BE01C1E075E}"/>
-              </a:ext>
-            </a:extLst>
-          </p:cNvPr>
-          <p:cNvSpPr txBox="1"/>
-          <p:nvPr/>
-        </p:nvSpPr>
-        <p:spPr>
-          <a:xfrm>
-            <a:off x="7335520" y="1938939"/>
-            <a:ext cx="4511040" cy="646331"/>
-          </a:xfrm>
-          <a:prstGeom prst="rect">
-            <a:avLst/>
-          </a:prstGeom>
-          <a:noFill/>
-        </p:spPr>
-        <p:txBody>
-          <a:bodyPr wrap="square" rtlCol="0">
-            <a:spAutoFit/>
-          </a:bodyPr>
-          <a:lstStyle/>
-          <a:p>
-            <a:r>
-              <a:rPr lang="ko-KR" altLang="en-US" dirty="0"/>
-              <a:t>클래스명 </a:t>
-            </a:r>
-            <a:r>
-              <a:rPr lang="en-US" altLang="ko-KR" dirty="0"/>
-              <a:t>Banner—</a:t>
-            </a:r>
-            <a:r>
-              <a:rPr lang="en-US" altLang="ko-KR" dirty="0" err="1"/>
-              <a:t>customerMenu</a:t>
-            </a:r>
-            <a:r>
-              <a:rPr lang="en-US" altLang="ko-KR" dirty="0"/>
-              <a:t>-right</a:t>
-            </a:r>
-          </a:p>
-          <a:p>
-            <a:r>
-              <a:rPr lang="en-US" altLang="ko-KR" dirty="0"/>
-              <a:t>&lt;nav&gt; </a:t>
-            </a:r>
-            <a:endParaRPr lang="ko-KR" altLang="en-US" dirty="0"/>
-          </a:p>
-        </p:txBody>
-      </p:sp>
+      </p:cxnSp>
     </p:spTree>
     <p:extLst>
       <p:ext uri="{BB962C8B-B14F-4D97-AF65-F5344CB8AC3E}">
@@ -4070,6 +4732,13 @@
   <p:clrMapOvr>
     <a:masterClrMapping/>
   </p:clrMapOvr>
+  <p:timing>
+    <p:tnLst>
+      <p:par>
+        <p:cTn id="1" dur="indefinite" restart="never" nodeType="tmRoot"/>
+      </p:par>
+    </p:tnLst>
+  </p:timing>
 </p:sld>
 </file>
 
@@ -4090,244 +4759,6 @@
           <a:chExt cx="0" cy="0"/>
         </a:xfrm>
       </p:grpSpPr>
-      <p:pic>
-        <p:nvPicPr>
-          <p:cNvPr id="3" name="그림 2">
-            <a:extLst>
-              <a:ext uri="{FF2B5EF4-FFF2-40B4-BE49-F238E27FC236}">
-                <a16:creationId xmlns:a16="http://schemas.microsoft.com/office/drawing/2014/main" id="{2FD3A6A0-84B1-6355-C051-8A8B616C711A}"/>
-              </a:ext>
-            </a:extLst>
-          </p:cNvPr>
-          <p:cNvPicPr>
-            <a:picLocks noChangeAspect="1"/>
-          </p:cNvPicPr>
-          <p:nvPr/>
-        </p:nvPicPr>
-        <p:blipFill>
-          <a:blip r:embed="rId2"/>
-          <a:stretch>
-            <a:fillRect/>
-          </a:stretch>
-        </p:blipFill>
-        <p:spPr>
-          <a:xfrm>
-            <a:off x="1651683" y="629920"/>
-            <a:ext cx="9077278" cy="6061303"/>
-          </a:xfrm>
-          <a:prstGeom prst="rect">
-            <a:avLst/>
-          </a:prstGeom>
-        </p:spPr>
-      </p:pic>
-      <p:sp>
-        <p:nvSpPr>
-          <p:cNvPr id="4" name="직사각형 3">
-            <a:extLst>
-              <a:ext uri="{FF2B5EF4-FFF2-40B4-BE49-F238E27FC236}">
-                <a16:creationId xmlns:a16="http://schemas.microsoft.com/office/drawing/2014/main" id="{4E09D338-FDDD-2363-8929-DD0BD6D8A3F5}"/>
-              </a:ext>
-            </a:extLst>
-          </p:cNvPr>
-          <p:cNvSpPr/>
-          <p:nvPr/>
-        </p:nvSpPr>
-        <p:spPr>
-          <a:xfrm>
-            <a:off x="2021840" y="1849120"/>
-            <a:ext cx="8518477" cy="4842103"/>
-          </a:xfrm>
-          <a:prstGeom prst="rect">
-            <a:avLst/>
-          </a:prstGeom>
-          <a:noFill/>
-          <a:ln>
-            <a:solidFill>
-              <a:srgbClr val="FF0000"/>
-            </a:solidFill>
-          </a:ln>
-        </p:spPr>
-        <p:style>
-          <a:lnRef idx="2">
-            <a:schemeClr val="accent1">
-              <a:shade val="15000"/>
-            </a:schemeClr>
-          </a:lnRef>
-          <a:fillRef idx="1">
-            <a:schemeClr val="accent1"/>
-          </a:fillRef>
-          <a:effectRef idx="0">
-            <a:schemeClr val="accent1"/>
-          </a:effectRef>
-          <a:fontRef idx="minor">
-            <a:schemeClr val="lt1"/>
-          </a:fontRef>
-        </p:style>
-        <p:txBody>
-          <a:bodyPr rtlCol="0" anchor="ctr"/>
-          <a:lstStyle/>
-          <a:p>
-            <a:pPr algn="ctr"/>
-            <a:endParaRPr lang="ko-KR" altLang="en-US"/>
-          </a:p>
-        </p:txBody>
-      </p:sp>
-      <p:sp>
-        <p:nvSpPr>
-          <p:cNvPr id="5" name="직사각형 4">
-            <a:extLst>
-              <a:ext uri="{FF2B5EF4-FFF2-40B4-BE49-F238E27FC236}">
-                <a16:creationId xmlns:a16="http://schemas.microsoft.com/office/drawing/2014/main" id="{AB75578A-4648-1569-6636-F460D169AB9C}"/>
-              </a:ext>
-            </a:extLst>
-          </p:cNvPr>
-          <p:cNvSpPr/>
-          <p:nvPr/>
-        </p:nvSpPr>
-        <p:spPr>
-          <a:xfrm>
-            <a:off x="7569200" y="1849120"/>
-            <a:ext cx="2971117" cy="4842103"/>
-          </a:xfrm>
-          <a:prstGeom prst="rect">
-            <a:avLst/>
-          </a:prstGeom>
-          <a:noFill/>
-          <a:ln>
-            <a:solidFill>
-              <a:srgbClr val="FF0000"/>
-            </a:solidFill>
-          </a:ln>
-        </p:spPr>
-        <p:style>
-          <a:lnRef idx="2">
-            <a:schemeClr val="accent1">
-              <a:shade val="15000"/>
-            </a:schemeClr>
-          </a:lnRef>
-          <a:fillRef idx="1">
-            <a:schemeClr val="accent1"/>
-          </a:fillRef>
-          <a:effectRef idx="0">
-            <a:schemeClr val="accent1"/>
-          </a:effectRef>
-          <a:fontRef idx="minor">
-            <a:schemeClr val="lt1"/>
-          </a:fontRef>
-        </p:style>
-        <p:txBody>
-          <a:bodyPr rtlCol="0" anchor="ctr"/>
-          <a:lstStyle/>
-          <a:p>
-            <a:pPr algn="ctr"/>
-            <a:endParaRPr lang="ko-KR" altLang="en-US"/>
-          </a:p>
-        </p:txBody>
-      </p:sp>
-      <p:sp>
-        <p:nvSpPr>
-          <p:cNvPr id="6" name="직사각형 5">
-            <a:extLst>
-              <a:ext uri="{FF2B5EF4-FFF2-40B4-BE49-F238E27FC236}">
-                <a16:creationId xmlns:a16="http://schemas.microsoft.com/office/drawing/2014/main" id="{FBEA81E4-484A-74CD-D994-78EAC71EA9C7}"/>
-              </a:ext>
-            </a:extLst>
-          </p:cNvPr>
-          <p:cNvSpPr/>
-          <p:nvPr/>
-        </p:nvSpPr>
-        <p:spPr>
-          <a:xfrm>
-            <a:off x="2021840" y="1849120"/>
-            <a:ext cx="5547360" cy="1686560"/>
-          </a:xfrm>
-          <a:prstGeom prst="rect">
-            <a:avLst/>
-          </a:prstGeom>
-          <a:noFill/>
-          <a:ln>
-            <a:solidFill>
-              <a:srgbClr val="FF0000"/>
-            </a:solidFill>
-          </a:ln>
-        </p:spPr>
-        <p:style>
-          <a:lnRef idx="2">
-            <a:schemeClr val="accent1">
-              <a:shade val="15000"/>
-            </a:schemeClr>
-          </a:lnRef>
-          <a:fillRef idx="1">
-            <a:schemeClr val="accent1"/>
-          </a:fillRef>
-          <a:effectRef idx="0">
-            <a:schemeClr val="accent1"/>
-          </a:effectRef>
-          <a:fontRef idx="minor">
-            <a:schemeClr val="lt1"/>
-          </a:fontRef>
-        </p:style>
-        <p:txBody>
-          <a:bodyPr rtlCol="0" anchor="ctr"/>
-          <a:lstStyle/>
-          <a:p>
-            <a:pPr algn="ctr"/>
-            <a:endParaRPr lang="ko-KR" altLang="en-US"/>
-          </a:p>
-        </p:txBody>
-      </p:sp>
-      <p:sp>
-        <p:nvSpPr>
-          <p:cNvPr id="7" name="직사각형 6">
-            <a:extLst>
-              <a:ext uri="{FF2B5EF4-FFF2-40B4-BE49-F238E27FC236}">
-                <a16:creationId xmlns:a16="http://schemas.microsoft.com/office/drawing/2014/main" id="{47C41484-61BF-ED16-CF39-8CCACD488AFD}"/>
-              </a:ext>
-            </a:extLst>
-          </p:cNvPr>
-          <p:cNvSpPr/>
-          <p:nvPr/>
-        </p:nvSpPr>
-        <p:spPr>
-          <a:xfrm>
-            <a:off x="2021839" y="1463040"/>
-            <a:ext cx="8518477" cy="365760"/>
-          </a:xfrm>
-          <a:prstGeom prst="rect">
-            <a:avLst/>
-          </a:prstGeom>
-          <a:noFill/>
-          <a:ln>
-            <a:solidFill>
-              <a:srgbClr val="FF0000"/>
-            </a:solidFill>
-          </a:ln>
-        </p:spPr>
-        <p:style>
-          <a:lnRef idx="2">
-            <a:schemeClr val="accent1">
-              <a:shade val="15000"/>
-            </a:schemeClr>
-          </a:lnRef>
-          <a:fillRef idx="1">
-            <a:schemeClr val="accent1"/>
-          </a:fillRef>
-          <a:effectRef idx="0">
-            <a:schemeClr val="accent1"/>
-          </a:effectRef>
-          <a:fontRef idx="minor">
-            <a:schemeClr val="lt1"/>
-          </a:fontRef>
-        </p:style>
-        <p:txBody>
-          <a:bodyPr rtlCol="0" anchor="ctr"/>
-          <a:lstStyle/>
-          <a:p>
-            <a:pPr algn="ctr"/>
-            <a:endParaRPr lang="ko-KR" altLang="en-US"/>
-          </a:p>
-        </p:txBody>
-      </p:sp>
       <p:sp>
         <p:nvSpPr>
           <p:cNvPr id="8" name="제목 7">
@@ -4404,22 +4835,585 @@
           </a:p>
         </p:txBody>
       </p:sp>
-      <p:sp>
-        <p:nvSpPr>
-          <p:cNvPr id="10" name="TextBox 9">
-            <a:extLst>
-              <a:ext uri="{FF2B5EF4-FFF2-40B4-BE49-F238E27FC236}">
-                <a16:creationId xmlns:a16="http://schemas.microsoft.com/office/drawing/2014/main" id="{5D43AFE2-B359-7A37-1B61-DD754FFD3B39}"/>
-              </a:ext>
-            </a:extLst>
-          </p:cNvPr>
+      <p:grpSp>
+        <p:nvGrpSpPr>
+          <p:cNvPr id="2" name="그룹 1"/>
+          <p:cNvGrpSpPr/>
+          <p:nvPr/>
+        </p:nvGrpSpPr>
+        <p:grpSpPr>
+          <a:xfrm>
+            <a:off x="1651683" y="629920"/>
+            <a:ext cx="9077278" cy="6061303"/>
+            <a:chOff x="1651683" y="629920"/>
+            <a:chExt cx="9077278" cy="6061303"/>
+          </a:xfrm>
+        </p:grpSpPr>
+        <p:pic>
+          <p:nvPicPr>
+            <p:cNvPr id="3" name="그림 2">
+              <a:extLst>
+                <a:ext uri="{FF2B5EF4-FFF2-40B4-BE49-F238E27FC236}">
+                  <a16:creationId xmlns:a16="http://schemas.microsoft.com/office/drawing/2014/main" id="{2FD3A6A0-84B1-6355-C051-8A8B616C711A}"/>
+                </a:ext>
+              </a:extLst>
+            </p:cNvPr>
+            <p:cNvPicPr>
+              <a:picLocks noChangeAspect="1"/>
+            </p:cNvPicPr>
+            <p:nvPr/>
+          </p:nvPicPr>
+          <p:blipFill>
+            <a:blip r:embed="rId2"/>
+            <a:stretch>
+              <a:fillRect/>
+            </a:stretch>
+          </p:blipFill>
+          <p:spPr>
+            <a:xfrm>
+              <a:off x="1651683" y="629920"/>
+              <a:ext cx="9077278" cy="6061303"/>
+            </a:xfrm>
+            <a:prstGeom prst="rect">
+              <a:avLst/>
+            </a:prstGeom>
+          </p:spPr>
+        </p:pic>
+        <p:sp>
+          <p:nvSpPr>
+            <p:cNvPr id="4" name="직사각형 3">
+              <a:extLst>
+                <a:ext uri="{FF2B5EF4-FFF2-40B4-BE49-F238E27FC236}">
+                  <a16:creationId xmlns:a16="http://schemas.microsoft.com/office/drawing/2014/main" id="{4E09D338-FDDD-2363-8929-DD0BD6D8A3F5}"/>
+                </a:ext>
+              </a:extLst>
+            </p:cNvPr>
+            <p:cNvSpPr/>
+            <p:nvPr/>
+          </p:nvSpPr>
+          <p:spPr>
+            <a:xfrm>
+              <a:off x="2021840" y="1849120"/>
+              <a:ext cx="8518477" cy="4842103"/>
+            </a:xfrm>
+            <a:prstGeom prst="rect">
+              <a:avLst/>
+            </a:prstGeom>
+            <a:noFill/>
+            <a:ln>
+              <a:solidFill>
+                <a:srgbClr val="FF0000"/>
+              </a:solidFill>
+            </a:ln>
+          </p:spPr>
+          <p:style>
+            <a:lnRef idx="2">
+              <a:schemeClr val="accent1">
+                <a:shade val="15000"/>
+              </a:schemeClr>
+            </a:lnRef>
+            <a:fillRef idx="1">
+              <a:schemeClr val="accent1"/>
+            </a:fillRef>
+            <a:effectRef idx="0">
+              <a:schemeClr val="accent1"/>
+            </a:effectRef>
+            <a:fontRef idx="minor">
+              <a:schemeClr val="lt1"/>
+            </a:fontRef>
+          </p:style>
+          <p:txBody>
+            <a:bodyPr rtlCol="0" anchor="ctr"/>
+            <a:lstStyle/>
+            <a:p>
+              <a:pPr algn="ctr"/>
+              <a:endParaRPr lang="ko-KR" altLang="en-US"/>
+            </a:p>
+          </p:txBody>
+        </p:sp>
+        <p:sp>
+          <p:nvSpPr>
+            <p:cNvPr id="5" name="직사각형 4">
+              <a:extLst>
+                <a:ext uri="{FF2B5EF4-FFF2-40B4-BE49-F238E27FC236}">
+                  <a16:creationId xmlns:a16="http://schemas.microsoft.com/office/drawing/2014/main" id="{AB75578A-4648-1569-6636-F460D169AB9C}"/>
+                </a:ext>
+              </a:extLst>
+            </p:cNvPr>
+            <p:cNvSpPr/>
+            <p:nvPr/>
+          </p:nvSpPr>
+          <p:spPr>
+            <a:xfrm>
+              <a:off x="7569200" y="1849120"/>
+              <a:ext cx="2971117" cy="4842103"/>
+            </a:xfrm>
+            <a:prstGeom prst="rect">
+              <a:avLst/>
+            </a:prstGeom>
+            <a:noFill/>
+            <a:ln>
+              <a:solidFill>
+                <a:srgbClr val="FF0000"/>
+              </a:solidFill>
+            </a:ln>
+          </p:spPr>
+          <p:style>
+            <a:lnRef idx="2">
+              <a:schemeClr val="accent1">
+                <a:shade val="15000"/>
+              </a:schemeClr>
+            </a:lnRef>
+            <a:fillRef idx="1">
+              <a:schemeClr val="accent1"/>
+            </a:fillRef>
+            <a:effectRef idx="0">
+              <a:schemeClr val="accent1"/>
+            </a:effectRef>
+            <a:fontRef idx="minor">
+              <a:schemeClr val="lt1"/>
+            </a:fontRef>
+          </p:style>
+          <p:txBody>
+            <a:bodyPr rtlCol="0" anchor="ctr"/>
+            <a:lstStyle/>
+            <a:p>
+              <a:pPr algn="ctr"/>
+              <a:endParaRPr lang="ko-KR" altLang="en-US"/>
+            </a:p>
+          </p:txBody>
+        </p:sp>
+        <p:sp>
+          <p:nvSpPr>
+            <p:cNvPr id="6" name="직사각형 5">
+              <a:extLst>
+                <a:ext uri="{FF2B5EF4-FFF2-40B4-BE49-F238E27FC236}">
+                  <a16:creationId xmlns:a16="http://schemas.microsoft.com/office/drawing/2014/main" id="{FBEA81E4-484A-74CD-D994-78EAC71EA9C7}"/>
+                </a:ext>
+              </a:extLst>
+            </p:cNvPr>
+            <p:cNvSpPr/>
+            <p:nvPr/>
+          </p:nvSpPr>
+          <p:spPr>
+            <a:xfrm>
+              <a:off x="2021840" y="1849120"/>
+              <a:ext cx="5547360" cy="1686560"/>
+            </a:xfrm>
+            <a:prstGeom prst="rect">
+              <a:avLst/>
+            </a:prstGeom>
+            <a:noFill/>
+            <a:ln>
+              <a:solidFill>
+                <a:srgbClr val="FF0000"/>
+              </a:solidFill>
+            </a:ln>
+          </p:spPr>
+          <p:style>
+            <a:lnRef idx="2">
+              <a:schemeClr val="accent1">
+                <a:shade val="15000"/>
+              </a:schemeClr>
+            </a:lnRef>
+            <a:fillRef idx="1">
+              <a:schemeClr val="accent1"/>
+            </a:fillRef>
+            <a:effectRef idx="0">
+              <a:schemeClr val="accent1"/>
+            </a:effectRef>
+            <a:fontRef idx="minor">
+              <a:schemeClr val="lt1"/>
+            </a:fontRef>
+          </p:style>
+          <p:txBody>
+            <a:bodyPr rtlCol="0" anchor="ctr"/>
+            <a:lstStyle/>
+            <a:p>
+              <a:pPr algn="ctr"/>
+              <a:endParaRPr lang="ko-KR" altLang="en-US"/>
+            </a:p>
+          </p:txBody>
+        </p:sp>
+        <p:sp>
+          <p:nvSpPr>
+            <p:cNvPr id="7" name="직사각형 6">
+              <a:extLst>
+                <a:ext uri="{FF2B5EF4-FFF2-40B4-BE49-F238E27FC236}">
+                  <a16:creationId xmlns:a16="http://schemas.microsoft.com/office/drawing/2014/main" id="{47C41484-61BF-ED16-CF39-8CCACD488AFD}"/>
+                </a:ext>
+              </a:extLst>
+            </p:cNvPr>
+            <p:cNvSpPr/>
+            <p:nvPr/>
+          </p:nvSpPr>
+          <p:spPr>
+            <a:xfrm>
+              <a:off x="2021839" y="1463040"/>
+              <a:ext cx="8518477" cy="365760"/>
+            </a:xfrm>
+            <a:prstGeom prst="rect">
+              <a:avLst/>
+            </a:prstGeom>
+            <a:noFill/>
+            <a:ln>
+              <a:solidFill>
+                <a:srgbClr val="FF0000"/>
+              </a:solidFill>
+            </a:ln>
+          </p:spPr>
+          <p:style>
+            <a:lnRef idx="2">
+              <a:schemeClr val="accent1">
+                <a:shade val="15000"/>
+              </a:schemeClr>
+            </a:lnRef>
+            <a:fillRef idx="1">
+              <a:schemeClr val="accent1"/>
+            </a:fillRef>
+            <a:effectRef idx="0">
+              <a:schemeClr val="accent1"/>
+            </a:effectRef>
+            <a:fontRef idx="minor">
+              <a:schemeClr val="lt1"/>
+            </a:fontRef>
+          </p:style>
+          <p:txBody>
+            <a:bodyPr rtlCol="0" anchor="ctr"/>
+            <a:lstStyle/>
+            <a:p>
+              <a:pPr algn="ctr"/>
+              <a:endParaRPr lang="ko-KR" altLang="en-US"/>
+            </a:p>
+          </p:txBody>
+        </p:sp>
+        <p:sp>
+          <p:nvSpPr>
+            <p:cNvPr id="10" name="TextBox 9">
+              <a:extLst>
+                <a:ext uri="{FF2B5EF4-FFF2-40B4-BE49-F238E27FC236}">
+                  <a16:creationId xmlns:a16="http://schemas.microsoft.com/office/drawing/2014/main" id="{5D43AFE2-B359-7A37-1B61-DD754FFD3B39}"/>
+                </a:ext>
+              </a:extLst>
+            </p:cNvPr>
+            <p:cNvSpPr txBox="1"/>
+            <p:nvPr/>
+          </p:nvSpPr>
+          <p:spPr>
+            <a:xfrm>
+              <a:off x="2852760" y="1479788"/>
+              <a:ext cx="2560321" cy="369332"/>
+            </a:xfrm>
+            <a:prstGeom prst="rect">
+              <a:avLst/>
+            </a:prstGeom>
+            <a:noFill/>
+          </p:spPr>
+          <p:txBody>
+            <a:bodyPr wrap="square" rtlCol="0">
+              <a:spAutoFit/>
+            </a:bodyPr>
+            <a:lstStyle/>
+            <a:p>
+              <a:r>
+                <a:rPr lang="en-US" altLang="ko-KR" dirty="0">
+                  <a:solidFill>
+                    <a:srgbClr val="FF0000"/>
+                  </a:solidFill>
+                </a:rPr>
+                <a:t>&lt;div&gt; sitemap--title</a:t>
+              </a:r>
+              <a:endParaRPr lang="ko-KR" altLang="en-US" dirty="0">
+                <a:solidFill>
+                  <a:srgbClr val="FF0000"/>
+                </a:solidFill>
+              </a:endParaRPr>
+            </a:p>
+          </p:txBody>
+        </p:sp>
+        <p:sp>
+          <p:nvSpPr>
+            <p:cNvPr id="11" name="TextBox 10">
+              <a:extLst>
+                <a:ext uri="{FF2B5EF4-FFF2-40B4-BE49-F238E27FC236}">
+                  <a16:creationId xmlns:a16="http://schemas.microsoft.com/office/drawing/2014/main" id="{054347D8-C83F-8B1F-2B1E-3B35EF0400D7}"/>
+                </a:ext>
+              </a:extLst>
+            </p:cNvPr>
+            <p:cNvSpPr txBox="1"/>
+            <p:nvPr/>
+          </p:nvSpPr>
+          <p:spPr>
+            <a:xfrm>
+              <a:off x="7685355" y="5394960"/>
+              <a:ext cx="2560321" cy="646331"/>
+            </a:xfrm>
+            <a:prstGeom prst="rect">
+              <a:avLst/>
+            </a:prstGeom>
+            <a:noFill/>
+          </p:spPr>
+          <p:txBody>
+            <a:bodyPr wrap="square" rtlCol="0">
+              <a:spAutoFit/>
+            </a:bodyPr>
+            <a:lstStyle/>
+            <a:p>
+              <a:r>
+                <a:rPr lang="en-US" altLang="ko-KR" dirty="0">
+                  <a:solidFill>
+                    <a:srgbClr val="FF0000"/>
+                  </a:solidFill>
+                </a:rPr>
+                <a:t>&lt;nav&gt; </a:t>
+              </a:r>
+              <a:r>
+                <a:rPr lang="ko-KR" altLang="en-US" dirty="0">
+                  <a:solidFill>
+                    <a:srgbClr val="FF0000"/>
+                  </a:solidFill>
+                </a:rPr>
+                <a:t>클래스명</a:t>
+              </a:r>
+              <a:r>
+                <a:rPr lang="en-US" altLang="ko-KR" dirty="0">
+                  <a:solidFill>
+                    <a:srgbClr val="FF0000"/>
+                  </a:solidFill>
+                </a:rPr>
+                <a:t>sitemap--right</a:t>
+              </a:r>
+              <a:endParaRPr lang="ko-KR" altLang="en-US" dirty="0">
+                <a:solidFill>
+                  <a:srgbClr val="FF0000"/>
+                </a:solidFill>
+              </a:endParaRPr>
+            </a:p>
+          </p:txBody>
+        </p:sp>
+        <p:sp>
+          <p:nvSpPr>
+            <p:cNvPr id="12" name="TextBox 11">
+              <a:extLst>
+                <a:ext uri="{FF2B5EF4-FFF2-40B4-BE49-F238E27FC236}">
+                  <a16:creationId xmlns:a16="http://schemas.microsoft.com/office/drawing/2014/main" id="{0CC5AC04-0D5B-A858-8240-0724B82C949B}"/>
+                </a:ext>
+              </a:extLst>
+            </p:cNvPr>
+            <p:cNvSpPr txBox="1"/>
+            <p:nvPr/>
+          </p:nvSpPr>
+          <p:spPr>
+            <a:xfrm>
+              <a:off x="2021839" y="3556000"/>
+              <a:ext cx="4567804" cy="369332"/>
+            </a:xfrm>
+            <a:prstGeom prst="rect">
+              <a:avLst/>
+            </a:prstGeom>
+            <a:noFill/>
+          </p:spPr>
+          <p:txBody>
+            <a:bodyPr wrap="square" rtlCol="0">
+              <a:spAutoFit/>
+            </a:bodyPr>
+            <a:lstStyle/>
+            <a:p>
+              <a:r>
+                <a:rPr lang="en-US" altLang="ko-KR" dirty="0">
+                  <a:solidFill>
+                    <a:srgbClr val="FF0000"/>
+                  </a:solidFill>
+                </a:rPr>
+                <a:t>&lt;nav&gt; </a:t>
+              </a:r>
+              <a:r>
+                <a:rPr lang="ko-KR" altLang="en-US" dirty="0">
+                  <a:solidFill>
+                    <a:srgbClr val="FF0000"/>
+                  </a:solidFill>
+                </a:rPr>
+                <a:t>클래스명 </a:t>
+              </a:r>
+              <a:r>
+                <a:rPr lang="en-US" altLang="ko-KR" dirty="0">
+                  <a:solidFill>
+                    <a:srgbClr val="FF0000"/>
+                  </a:solidFill>
+                </a:rPr>
+                <a:t>sitemap--company</a:t>
+              </a:r>
+              <a:endParaRPr lang="ko-KR" altLang="en-US" dirty="0">
+                <a:solidFill>
+                  <a:srgbClr val="FF0000"/>
+                </a:solidFill>
+              </a:endParaRPr>
+            </a:p>
+          </p:txBody>
+        </p:sp>
+        <p:sp>
+          <p:nvSpPr>
+            <p:cNvPr id="13" name="TextBox 12">
+              <a:extLst>
+                <a:ext uri="{FF2B5EF4-FFF2-40B4-BE49-F238E27FC236}">
+                  <a16:creationId xmlns:a16="http://schemas.microsoft.com/office/drawing/2014/main" id="{75BC1EC5-2CB3-3354-95DC-AE8FE4BE6720}"/>
+                </a:ext>
+              </a:extLst>
+            </p:cNvPr>
+            <p:cNvSpPr txBox="1"/>
+            <p:nvPr/>
+          </p:nvSpPr>
+          <p:spPr>
+            <a:xfrm>
+              <a:off x="2021839" y="3137350"/>
+              <a:ext cx="3836085" cy="369332"/>
+            </a:xfrm>
+            <a:prstGeom prst="rect">
+              <a:avLst/>
+            </a:prstGeom>
+            <a:noFill/>
+          </p:spPr>
+          <p:txBody>
+            <a:bodyPr wrap="square" rtlCol="0">
+              <a:spAutoFit/>
+            </a:bodyPr>
+            <a:lstStyle/>
+            <a:p>
+              <a:r>
+                <a:rPr lang="en-US" altLang="ko-KR" dirty="0">
+                  <a:solidFill>
+                    <a:srgbClr val="FF0000"/>
+                  </a:solidFill>
+                </a:rPr>
+                <a:t>&lt;nav&gt; </a:t>
+              </a:r>
+              <a:r>
+                <a:rPr lang="ko-KR" altLang="en-US" dirty="0">
+                  <a:solidFill>
+                    <a:srgbClr val="FF0000"/>
+                  </a:solidFill>
+                </a:rPr>
+                <a:t>클래스명 </a:t>
+              </a:r>
+              <a:r>
+                <a:rPr lang="en-US" altLang="ko-KR" dirty="0">
+                  <a:solidFill>
+                    <a:srgbClr val="FF0000"/>
+                  </a:solidFill>
+                </a:rPr>
+                <a:t>sitemap--movie</a:t>
+              </a:r>
+              <a:endParaRPr lang="ko-KR" altLang="en-US" dirty="0">
+                <a:solidFill>
+                  <a:srgbClr val="FF0000"/>
+                </a:solidFill>
+              </a:endParaRPr>
+            </a:p>
+          </p:txBody>
+        </p:sp>
+      </p:grpSp>
+      <p:sp>
+        <p:nvSpPr>
+          <p:cNvPr id="9" name="직사각형 8"/>
+          <p:cNvSpPr/>
+          <p:nvPr/>
+        </p:nvSpPr>
+        <p:spPr>
+          <a:xfrm>
+            <a:off x="2321170" y="1979560"/>
+            <a:ext cx="800100" cy="334107"/>
+          </a:xfrm>
+          <a:prstGeom prst="rect">
+            <a:avLst/>
+          </a:prstGeom>
+          <a:noFill/>
+          <a:ln>
+            <a:solidFill>
+              <a:srgbClr val="00B050"/>
+            </a:solidFill>
+          </a:ln>
+        </p:spPr>
+        <p:style>
+          <a:lnRef idx="2">
+            <a:schemeClr val="accent1">
+              <a:shade val="50000"/>
+            </a:schemeClr>
+          </a:lnRef>
+          <a:fillRef idx="1">
+            <a:schemeClr val="accent1"/>
+          </a:fillRef>
+          <a:effectRef idx="0">
+            <a:schemeClr val="accent1"/>
+          </a:effectRef>
+          <a:fontRef idx="minor">
+            <a:schemeClr val="lt1"/>
+          </a:fontRef>
+        </p:style>
+        <p:txBody>
+          <a:bodyPr rtlCol="0" anchor="ctr"/>
+          <a:lstStyle/>
+          <a:p>
+            <a:pPr algn="ctr"/>
+            <a:endParaRPr lang="ko-KR" altLang="en-US"/>
+          </a:p>
+        </p:txBody>
+      </p:sp>
+      <p:sp>
+        <p:nvSpPr>
+          <p:cNvPr id="14" name="직사각형 13"/>
+          <p:cNvSpPr/>
+          <p:nvPr/>
+        </p:nvSpPr>
+        <p:spPr>
+          <a:xfrm>
+            <a:off x="2321170" y="2391401"/>
+            <a:ext cx="800100" cy="334107"/>
+          </a:xfrm>
+          <a:prstGeom prst="rect">
+            <a:avLst/>
+          </a:prstGeom>
+          <a:noFill/>
+          <a:ln>
+            <a:solidFill>
+              <a:srgbClr val="00B050"/>
+            </a:solidFill>
+          </a:ln>
+        </p:spPr>
+        <p:style>
+          <a:lnRef idx="2">
+            <a:schemeClr val="accent1">
+              <a:shade val="50000"/>
+            </a:schemeClr>
+          </a:lnRef>
+          <a:fillRef idx="1">
+            <a:schemeClr val="accent1"/>
+          </a:fillRef>
+          <a:effectRef idx="0">
+            <a:schemeClr val="accent1"/>
+          </a:effectRef>
+          <a:fontRef idx="minor">
+            <a:schemeClr val="lt1"/>
+          </a:fontRef>
+        </p:style>
+        <p:txBody>
+          <a:bodyPr rtlCol="0" anchor="ctr"/>
+          <a:lstStyle/>
+          <a:p>
+            <a:pPr algn="ctr"/>
+            <a:endParaRPr lang="ko-KR" altLang="en-US"/>
+          </a:p>
+        </p:txBody>
+      </p:sp>
+      <p:sp>
+        <p:nvSpPr>
+          <p:cNvPr id="15" name="TextBox 14"/>
           <p:cNvSpPr txBox="1"/>
           <p:nvPr/>
         </p:nvSpPr>
         <p:spPr>
           <a:xfrm>
-            <a:off x="2852760" y="1479788"/>
-            <a:ext cx="2560321" cy="369332"/>
+            <a:off x="433411" y="2023502"/>
+            <a:ext cx="1749669" cy="246221"/>
           </a:xfrm>
           <a:prstGeom prst="rect">
             <a:avLst/>
@@ -4433,16 +5427,99 @@
           <a:lstStyle/>
           <a:p>
             <a:r>
-              <a:rPr lang="en-US" altLang="ko-KR" dirty="0">
+              <a:rPr lang="en-US" altLang="ko-KR" sz="1000" dirty="0" err="1" smtClean="0">
                 <a:solidFill>
-                  <a:srgbClr val="FF0000"/>
+                  <a:srgbClr val="00B050"/>
                 </a:solidFill>
               </a:rPr>
-              <a:t>&lt;div&gt; sitemap--title</a:t>
-            </a:r>
-            <a:endParaRPr lang="ko-KR" altLang="en-US" dirty="0">
+              <a:t>Nav</a:t>
+            </a:r>
+            <a:r>
+              <a:rPr lang="en-US" altLang="ko-KR" sz="1000" dirty="0" smtClean="0">
+                <a:solidFill>
+                  <a:srgbClr val="00B050"/>
+                </a:solidFill>
+              </a:rPr>
+              <a:t>&gt;</a:t>
+            </a:r>
+            <a:r>
+              <a:rPr lang="en-US" altLang="ko-KR" sz="1000" dirty="0" err="1" smtClean="0">
+                <a:solidFill>
+                  <a:srgbClr val="00B050"/>
+                </a:solidFill>
+              </a:rPr>
+              <a:t>ul</a:t>
+            </a:r>
+            <a:r>
+              <a:rPr lang="en-US" altLang="ko-KR" sz="1000" dirty="0" smtClean="0">
+                <a:solidFill>
+                  <a:srgbClr val="00B050"/>
+                </a:solidFill>
+              </a:rPr>
+              <a:t>&gt;li&gt;div</a:t>
+            </a:r>
+          </a:p>
+        </p:txBody>
+      </p:sp>
+      <p:sp>
+        <p:nvSpPr>
+          <p:cNvPr id="16" name="TextBox 15"/>
+          <p:cNvSpPr txBox="1"/>
+          <p:nvPr/>
+        </p:nvSpPr>
+        <p:spPr>
+          <a:xfrm>
+            <a:off x="195677" y="2479287"/>
+            <a:ext cx="2070736" cy="246221"/>
+          </a:xfrm>
+          <a:prstGeom prst="rect">
+            <a:avLst/>
+          </a:prstGeom>
+          <a:solidFill>
+            <a:schemeClr val="bg1"/>
+          </a:solidFill>
+        </p:spPr>
+        <p:txBody>
+          <a:bodyPr wrap="square" rtlCol="0">
+            <a:spAutoFit/>
+          </a:bodyPr>
+          <a:lstStyle/>
+          <a:p>
+            <a:r>
+              <a:rPr lang="ko-KR" altLang="en-US" sz="1000" dirty="0" err="1" smtClean="0">
+                <a:solidFill>
+                  <a:srgbClr val="00B050"/>
+                </a:solidFill>
+              </a:rPr>
+              <a:t>메뉴제목의</a:t>
+            </a:r>
+            <a:r>
+              <a:rPr lang="en-US" altLang="ko-KR" sz="1000" dirty="0">
+                <a:solidFill>
+                  <a:srgbClr val="00B050"/>
+                </a:solidFill>
+              </a:rPr>
+              <a:t> </a:t>
+            </a:r>
+            <a:r>
+              <a:rPr lang="en-US" altLang="ko-KR" sz="1000" dirty="0" smtClean="0">
+                <a:solidFill>
+                  <a:srgbClr val="00B050"/>
+                </a:solidFill>
+              </a:rPr>
+              <a:t>li&gt;div&gt;a*</a:t>
+            </a:r>
+            <a:r>
+              <a:rPr lang="ko-KR" altLang="en-US" sz="1000" dirty="0" err="1" smtClean="0">
+                <a:solidFill>
+                  <a:srgbClr val="00B050"/>
+                </a:solidFill>
+              </a:rPr>
+              <a:t>서브메뉴수</a:t>
+            </a:r>
+            <a:endParaRPr lang="ko-KR" altLang="en-US" sz="1000" dirty="0">
               <a:solidFill>
-                <a:srgbClr val="FF0000"/>
+                <a:srgbClr val="00B050"/>
               </a:solidFill>
             </a:endParaRPr>
           </a:p>
@@ -4450,20 +5527,14 @@
       </p:sp>
       <p:sp>
         <p:nvSpPr>
-          <p:cNvPr id="11" name="TextBox 10">
-            <a:extLst>
-              <a:ext uri="{FF2B5EF4-FFF2-40B4-BE49-F238E27FC236}">
-                <a16:creationId xmlns:a16="http://schemas.microsoft.com/office/drawing/2014/main" id="{054347D8-C83F-8B1F-2B1E-3B35EF0400D7}"/>
-              </a:ext>
-            </a:extLst>
-          </p:cNvPr>
+          <p:cNvPr id="17" name="TextBox 16"/>
           <p:cNvSpPr txBox="1"/>
           <p:nvPr/>
         </p:nvSpPr>
         <p:spPr>
           <a:xfrm>
-            <a:off x="7685355" y="5394960"/>
-            <a:ext cx="2560321" cy="646331"/>
+            <a:off x="2380835" y="2762455"/>
+            <a:ext cx="943850" cy="230832"/>
           </a:xfrm>
           <a:prstGeom prst="rect">
             <a:avLst/>
@@ -4477,32 +5548,16 @@
           <a:lstStyle/>
           <a:p>
             <a:r>
-              <a:rPr lang="en-US" altLang="ko-KR" dirty="0">
+              <a:rPr lang="en-US" altLang="ko-KR" sz="900" dirty="0" smtClean="0">
                 <a:solidFill>
-                  <a:srgbClr val="FF0000"/>
+                  <a:srgbClr val="00B050"/>
                 </a:solidFill>
               </a:rPr>
-              <a:t>&lt;nav&gt; </a:t>
-            </a:r>
-            <a:r>
-              <a:rPr lang="ko-KR" altLang="en-US" dirty="0">
-                <a:solidFill>
-                  <a:srgbClr val="FF0000"/>
-                </a:solidFill>
-              </a:rPr>
-              <a:t>클래스명</a:t>
-            </a:r>
-            <a:r>
-              <a:rPr lang="en-US" altLang="ko-KR" dirty="0">
-                <a:solidFill>
-                  <a:srgbClr val="FF0000"/>
-                </a:solidFill>
-              </a:rPr>
-              <a:t>sitemap--right</a:t>
-            </a:r>
-            <a:endParaRPr lang="ko-KR" altLang="en-US" dirty="0">
+              <a:t>movie</a:t>
+            </a:r>
+            <a:endParaRPr lang="ko-KR" altLang="en-US" sz="900" dirty="0">
               <a:solidFill>
-                <a:srgbClr val="FF0000"/>
+                <a:srgbClr val="00B050"/>
               </a:solidFill>
             </a:endParaRPr>
           </a:p>
@@ -4510,20 +5565,14 @@
       </p:sp>
       <p:sp>
         <p:nvSpPr>
-          <p:cNvPr id="12" name="TextBox 11">
-            <a:extLst>
-              <a:ext uri="{FF2B5EF4-FFF2-40B4-BE49-F238E27FC236}">
-                <a16:creationId xmlns:a16="http://schemas.microsoft.com/office/drawing/2014/main" id="{0CC5AC04-0D5B-A858-8240-0724B82C949B}"/>
-              </a:ext>
-            </a:extLst>
-          </p:cNvPr>
+          <p:cNvPr id="22" name="TextBox 21"/>
           <p:cNvSpPr txBox="1"/>
           <p:nvPr/>
         </p:nvSpPr>
         <p:spPr>
           <a:xfrm>
-            <a:off x="2021839" y="3556000"/>
-            <a:ext cx="4567804" cy="369332"/>
+            <a:off x="7685355" y="3572188"/>
+            <a:ext cx="1420299" cy="369332"/>
           </a:xfrm>
           <a:prstGeom prst="rect">
             <a:avLst/>
@@ -4537,92 +5586,40 @@
           <a:lstStyle/>
           <a:p>
             <a:r>
-              <a:rPr lang="en-US" altLang="ko-KR" dirty="0">
+              <a:rPr lang="ko-KR" altLang="en-US" sz="900" smtClean="0">
                 <a:solidFill>
-                  <a:srgbClr val="FF0000"/>
+                  <a:srgbClr val="00B050"/>
                 </a:solidFill>
               </a:rPr>
-              <a:t>&lt;nav&gt; </a:t>
-            </a:r>
-            <a:r>
-              <a:rPr lang="ko-KR" altLang="en-US" dirty="0">
+              <a:t>메뉴제목</a:t>
+            </a:r>
+            <a:r>
+              <a:rPr lang="ko-KR" altLang="en-US" sz="900" dirty="0" smtClean="0">
                 <a:solidFill>
-                  <a:srgbClr val="FF0000"/>
+                  <a:srgbClr val="00B050"/>
                 </a:solidFill>
               </a:rPr>
-              <a:t>클래스명 </a:t>
-            </a:r>
-            <a:r>
-              <a:rPr lang="en-US" altLang="ko-KR" dirty="0">
+              <a:t> </a:t>
+            </a:r>
+            <a:r>
+              <a:rPr lang="ko-KR" altLang="en-US" sz="900" dirty="0" err="1" smtClean="0">
                 <a:solidFill>
-                  <a:srgbClr val="FF0000"/>
+                  <a:srgbClr val="00B050"/>
                 </a:solidFill>
               </a:rPr>
-              <a:t>sitemap--company</a:t>
-            </a:r>
-            <a:endParaRPr lang="ko-KR" altLang="en-US" dirty="0">
-              <a:solidFill>
-                <a:srgbClr val="FF0000"/>
-              </a:solidFill>
-            </a:endParaRPr>
-          </a:p>
-        </p:txBody>
-      </p:sp>
-      <p:sp>
-        <p:nvSpPr>
-          <p:cNvPr id="13" name="TextBox 12">
-            <a:extLst>
-              <a:ext uri="{FF2B5EF4-FFF2-40B4-BE49-F238E27FC236}">
-                <a16:creationId xmlns:a16="http://schemas.microsoft.com/office/drawing/2014/main" id="{75BC1EC5-2CB3-3354-95DC-AE8FE4BE6720}"/>
-              </a:ext>
-            </a:extLst>
-          </p:cNvPr>
-          <p:cNvSpPr txBox="1"/>
-          <p:nvPr/>
-        </p:nvSpPr>
-        <p:spPr>
-          <a:xfrm>
-            <a:off x="2021839" y="3137350"/>
-            <a:ext cx="3836085" cy="369332"/>
-          </a:xfrm>
-          <a:prstGeom prst="rect">
-            <a:avLst/>
-          </a:prstGeom>
-          <a:noFill/>
-        </p:spPr>
-        <p:txBody>
-          <a:bodyPr wrap="square" rtlCol="0">
-            <a:spAutoFit/>
-          </a:bodyPr>
-          <a:lstStyle/>
-          <a:p>
-            <a:r>
-              <a:rPr lang="en-US" altLang="ko-KR" dirty="0">
+              <a:t>클래스명</a:t>
+            </a:r>
+            <a:r>
+              <a:rPr lang="en-US" altLang="ko-KR" sz="900" dirty="0" smtClean="0">
                 <a:solidFill>
-                  <a:srgbClr val="FF0000"/>
+                  <a:srgbClr val="00B050"/>
                 </a:solidFill>
               </a:rPr>
-              <a:t>&lt;nav&gt; </a:t>
-            </a:r>
-            <a:r>
-              <a:rPr lang="ko-KR" altLang="en-US" dirty="0">
-                <a:solidFill>
-                  <a:srgbClr val="FF0000"/>
-                </a:solidFill>
-              </a:rPr>
-              <a:t>클래스명 </a:t>
-            </a:r>
-            <a:r>
-              <a:rPr lang="en-US" altLang="ko-KR" dirty="0">
-                <a:solidFill>
-                  <a:srgbClr val="FF0000"/>
-                </a:solidFill>
-              </a:rPr>
-              <a:t>sitemap--movie</a:t>
-            </a:r>
-            <a:endParaRPr lang="ko-KR" altLang="en-US" dirty="0">
+              <a:t>Sitemap—menu-title</a:t>
+            </a:r>
+            <a:endParaRPr lang="ko-KR" altLang="en-US" sz="900" dirty="0">
               <a:solidFill>
-                <a:srgbClr val="FF0000"/>
+                <a:srgbClr val="00B050"/>
               </a:solidFill>
             </a:endParaRPr>
           </a:p>
@@ -4638,6 +5635,13 @@
   <p:clrMapOvr>
     <a:masterClrMapping/>
   </p:clrMapOvr>
+  <p:timing>
+    <p:tnLst>
+      <p:par>
+        <p:cTn id="1" dur="indefinite" restart="never" nodeType="tmRoot"/>
+      </p:par>
+    </p:tnLst>
+  </p:timing>
 </p:sld>
 </file>
 
@@ -4658,36 +5662,6 @@
           <a:chExt cx="0" cy="0"/>
         </a:xfrm>
       </p:grpSpPr>
-      <p:pic>
-        <p:nvPicPr>
-          <p:cNvPr id="3" name="그림 2">
-            <a:extLst>
-              <a:ext uri="{FF2B5EF4-FFF2-40B4-BE49-F238E27FC236}">
-                <a16:creationId xmlns:a16="http://schemas.microsoft.com/office/drawing/2014/main" id="{63749FBE-8316-B5C2-46B4-C7605A597B6A}"/>
-              </a:ext>
-            </a:extLst>
-          </p:cNvPr>
-          <p:cNvPicPr>
-            <a:picLocks noChangeAspect="1"/>
-          </p:cNvPicPr>
-          <p:nvPr/>
-        </p:nvPicPr>
-        <p:blipFill>
-          <a:blip r:embed="rId2"/>
-          <a:stretch>
-            <a:fillRect/>
-          </a:stretch>
-        </p:blipFill>
-        <p:spPr>
-          <a:xfrm>
-            <a:off x="1571135" y="1270243"/>
-            <a:ext cx="8945558" cy="5139680"/>
-          </a:xfrm>
-          <a:prstGeom prst="rect">
-            <a:avLst/>
-          </a:prstGeom>
-        </p:spPr>
-      </p:pic>
       <p:sp>
         <p:nvSpPr>
           <p:cNvPr id="4" name="제목 3">
@@ -4754,22 +5728,749 @@
           </a:p>
         </p:txBody>
       </p:sp>
-      <p:sp>
-        <p:nvSpPr>
-          <p:cNvPr id="5" name="직사각형 4">
-            <a:extLst>
-              <a:ext uri="{FF2B5EF4-FFF2-40B4-BE49-F238E27FC236}">
-                <a16:creationId xmlns:a16="http://schemas.microsoft.com/office/drawing/2014/main" id="{9B8CA8FD-1139-88CF-DF5F-DA7D74908BB7}"/>
-              </a:ext>
-            </a:extLst>
-          </p:cNvPr>
+      <p:grpSp>
+        <p:nvGrpSpPr>
+          <p:cNvPr id="2" name="그룹 1"/>
+          <p:cNvGrpSpPr/>
+          <p:nvPr/>
+        </p:nvGrpSpPr>
+        <p:grpSpPr>
+          <a:xfrm>
+            <a:off x="106677" y="1287828"/>
+            <a:ext cx="10427600" cy="5139680"/>
+            <a:chOff x="89093" y="1270243"/>
+            <a:chExt cx="10427600" cy="5139680"/>
+          </a:xfrm>
+        </p:grpSpPr>
+        <p:pic>
+          <p:nvPicPr>
+            <p:cNvPr id="3" name="그림 2">
+              <a:extLst>
+                <a:ext uri="{FF2B5EF4-FFF2-40B4-BE49-F238E27FC236}">
+                  <a16:creationId xmlns:a16="http://schemas.microsoft.com/office/drawing/2014/main" id="{63749FBE-8316-B5C2-46B4-C7605A597B6A}"/>
+                </a:ext>
+              </a:extLst>
+            </p:cNvPr>
+            <p:cNvPicPr>
+              <a:picLocks noChangeAspect="1"/>
+            </p:cNvPicPr>
+            <p:nvPr/>
+          </p:nvPicPr>
+          <p:blipFill>
+            <a:blip r:embed="rId2"/>
+            <a:stretch>
+              <a:fillRect/>
+            </a:stretch>
+          </p:blipFill>
+          <p:spPr>
+            <a:xfrm>
+              <a:off x="1571135" y="1270243"/>
+              <a:ext cx="8945558" cy="5139680"/>
+            </a:xfrm>
+            <a:prstGeom prst="rect">
+              <a:avLst/>
+            </a:prstGeom>
+          </p:spPr>
+        </p:pic>
+        <p:sp>
+          <p:nvSpPr>
+            <p:cNvPr id="5" name="직사각형 4">
+              <a:extLst>
+                <a:ext uri="{FF2B5EF4-FFF2-40B4-BE49-F238E27FC236}">
+                  <a16:creationId xmlns:a16="http://schemas.microsoft.com/office/drawing/2014/main" id="{9B8CA8FD-1139-88CF-DF5F-DA7D74908BB7}"/>
+                </a:ext>
+              </a:extLst>
+            </p:cNvPr>
+            <p:cNvSpPr/>
+            <p:nvPr/>
+          </p:nvSpPr>
+          <p:spPr>
+            <a:xfrm>
+              <a:off x="2118167" y="1452101"/>
+              <a:ext cx="7859210" cy="567159"/>
+            </a:xfrm>
+            <a:prstGeom prst="rect">
+              <a:avLst/>
+            </a:prstGeom>
+            <a:noFill/>
+            <a:ln>
+              <a:solidFill>
+                <a:srgbClr val="FF0000"/>
+              </a:solidFill>
+            </a:ln>
+          </p:spPr>
+          <p:style>
+            <a:lnRef idx="2">
+              <a:schemeClr val="accent1">
+                <a:shade val="15000"/>
+              </a:schemeClr>
+            </a:lnRef>
+            <a:fillRef idx="1">
+              <a:schemeClr val="accent1"/>
+            </a:fillRef>
+            <a:effectRef idx="0">
+              <a:schemeClr val="accent1"/>
+            </a:effectRef>
+            <a:fontRef idx="minor">
+              <a:schemeClr val="lt1"/>
+            </a:fontRef>
+          </p:style>
+          <p:txBody>
+            <a:bodyPr rtlCol="0" anchor="ctr"/>
+            <a:lstStyle/>
+            <a:p>
+              <a:pPr algn="ctr"/>
+              <a:endParaRPr lang="ko-KR" altLang="en-US"/>
+            </a:p>
+          </p:txBody>
+        </p:sp>
+        <p:sp>
+          <p:nvSpPr>
+            <p:cNvPr id="6" name="직사각형 5">
+              <a:extLst>
+                <a:ext uri="{FF2B5EF4-FFF2-40B4-BE49-F238E27FC236}">
+                  <a16:creationId xmlns:a16="http://schemas.microsoft.com/office/drawing/2014/main" id="{22B5CDFC-8575-2E1C-6549-8CC7820EED7C}"/>
+                </a:ext>
+              </a:extLst>
+            </p:cNvPr>
+            <p:cNvSpPr/>
+            <p:nvPr/>
+          </p:nvSpPr>
+          <p:spPr>
+            <a:xfrm>
+              <a:off x="2120096" y="5842764"/>
+              <a:ext cx="7859210" cy="567159"/>
+            </a:xfrm>
+            <a:prstGeom prst="rect">
+              <a:avLst/>
+            </a:prstGeom>
+            <a:noFill/>
+            <a:ln>
+              <a:solidFill>
+                <a:srgbClr val="FF0000"/>
+              </a:solidFill>
+            </a:ln>
+          </p:spPr>
+          <p:style>
+            <a:lnRef idx="2">
+              <a:schemeClr val="accent1">
+                <a:shade val="15000"/>
+              </a:schemeClr>
+            </a:lnRef>
+            <a:fillRef idx="1">
+              <a:schemeClr val="accent1"/>
+            </a:fillRef>
+            <a:effectRef idx="0">
+              <a:schemeClr val="accent1"/>
+            </a:effectRef>
+            <a:fontRef idx="minor">
+              <a:schemeClr val="lt1"/>
+            </a:fontRef>
+          </p:style>
+          <p:txBody>
+            <a:bodyPr rtlCol="0" anchor="ctr"/>
+            <a:lstStyle/>
+            <a:p>
+              <a:pPr algn="ctr"/>
+              <a:endParaRPr lang="ko-KR" altLang="en-US"/>
+            </a:p>
+          </p:txBody>
+        </p:sp>
+        <p:sp>
+          <p:nvSpPr>
+            <p:cNvPr id="7" name="직사각형 6">
+              <a:extLst>
+                <a:ext uri="{FF2B5EF4-FFF2-40B4-BE49-F238E27FC236}">
+                  <a16:creationId xmlns:a16="http://schemas.microsoft.com/office/drawing/2014/main" id="{D0AD57EF-04BF-0D73-BF41-DC388619DF3C}"/>
+                </a:ext>
+              </a:extLst>
+            </p:cNvPr>
+            <p:cNvSpPr/>
+            <p:nvPr/>
+          </p:nvSpPr>
+          <p:spPr>
+            <a:xfrm>
+              <a:off x="2118167" y="5296825"/>
+              <a:ext cx="7859210" cy="567159"/>
+            </a:xfrm>
+            <a:prstGeom prst="rect">
+              <a:avLst/>
+            </a:prstGeom>
+            <a:noFill/>
+            <a:ln>
+              <a:solidFill>
+                <a:srgbClr val="FF0000"/>
+              </a:solidFill>
+            </a:ln>
+          </p:spPr>
+          <p:style>
+            <a:lnRef idx="2">
+              <a:schemeClr val="accent1">
+                <a:shade val="15000"/>
+              </a:schemeClr>
+            </a:lnRef>
+            <a:fillRef idx="1">
+              <a:schemeClr val="accent1"/>
+            </a:fillRef>
+            <a:effectRef idx="0">
+              <a:schemeClr val="accent1"/>
+            </a:effectRef>
+            <a:fontRef idx="minor">
+              <a:schemeClr val="lt1"/>
+            </a:fontRef>
+          </p:style>
+          <p:txBody>
+            <a:bodyPr rtlCol="0" anchor="ctr"/>
+            <a:lstStyle/>
+            <a:p>
+              <a:pPr algn="ctr"/>
+              <a:endParaRPr lang="ko-KR" altLang="en-US" dirty="0"/>
+            </a:p>
+          </p:txBody>
+        </p:sp>
+        <p:sp>
+          <p:nvSpPr>
+            <p:cNvPr id="8" name="직사각형 7">
+              <a:extLst>
+                <a:ext uri="{FF2B5EF4-FFF2-40B4-BE49-F238E27FC236}">
+                  <a16:creationId xmlns:a16="http://schemas.microsoft.com/office/drawing/2014/main" id="{D8F1DFCE-E9D4-0A58-8E46-923FCDDB0A54}"/>
+                </a:ext>
+              </a:extLst>
+            </p:cNvPr>
+            <p:cNvSpPr/>
+            <p:nvPr/>
+          </p:nvSpPr>
+          <p:spPr>
+            <a:xfrm>
+              <a:off x="2118167" y="2019260"/>
+              <a:ext cx="7859210" cy="3256345"/>
+            </a:xfrm>
+            <a:prstGeom prst="rect">
+              <a:avLst/>
+            </a:prstGeom>
+            <a:noFill/>
+            <a:ln>
+              <a:solidFill>
+                <a:srgbClr val="FF0000"/>
+              </a:solidFill>
+            </a:ln>
+          </p:spPr>
+          <p:style>
+            <a:lnRef idx="2">
+              <a:schemeClr val="accent1">
+                <a:shade val="15000"/>
+              </a:schemeClr>
+            </a:lnRef>
+            <a:fillRef idx="1">
+              <a:schemeClr val="accent1"/>
+            </a:fillRef>
+            <a:effectRef idx="0">
+              <a:schemeClr val="accent1"/>
+            </a:effectRef>
+            <a:fontRef idx="minor">
+              <a:schemeClr val="lt1"/>
+            </a:fontRef>
+          </p:style>
+          <p:txBody>
+            <a:bodyPr rtlCol="0" anchor="ctr"/>
+            <a:lstStyle/>
+            <a:p>
+              <a:pPr algn="ctr"/>
+              <a:endParaRPr lang="ko-KR" altLang="en-US"/>
+            </a:p>
+          </p:txBody>
+        </p:sp>
+        <p:sp>
+          <p:nvSpPr>
+            <p:cNvPr id="9" name="직사각형 8">
+              <a:extLst>
+                <a:ext uri="{FF2B5EF4-FFF2-40B4-BE49-F238E27FC236}">
+                  <a16:creationId xmlns:a16="http://schemas.microsoft.com/office/drawing/2014/main" id="{59B7E1B8-9D58-4FD9-ACF0-5CF5084B75A4}"/>
+                </a:ext>
+              </a:extLst>
+            </p:cNvPr>
+            <p:cNvSpPr/>
+            <p:nvPr/>
+          </p:nvSpPr>
+          <p:spPr>
+            <a:xfrm>
+              <a:off x="2116238" y="2040480"/>
+              <a:ext cx="1965767" cy="3256345"/>
+            </a:xfrm>
+            <a:prstGeom prst="rect">
+              <a:avLst/>
+            </a:prstGeom>
+            <a:noFill/>
+            <a:ln>
+              <a:solidFill>
+                <a:srgbClr val="FF0000"/>
+              </a:solidFill>
+            </a:ln>
+          </p:spPr>
+          <p:style>
+            <a:lnRef idx="2">
+              <a:schemeClr val="accent1">
+                <a:shade val="15000"/>
+              </a:schemeClr>
+            </a:lnRef>
+            <a:fillRef idx="1">
+              <a:schemeClr val="accent1"/>
+            </a:fillRef>
+            <a:effectRef idx="0">
+              <a:schemeClr val="accent1"/>
+            </a:effectRef>
+            <a:fontRef idx="minor">
+              <a:schemeClr val="lt1"/>
+            </a:fontRef>
+          </p:style>
+          <p:txBody>
+            <a:bodyPr rtlCol="0" anchor="ctr"/>
+            <a:lstStyle/>
+            <a:p>
+              <a:pPr algn="ctr"/>
+              <a:endParaRPr lang="ko-KR" altLang="en-US"/>
+            </a:p>
+          </p:txBody>
+        </p:sp>
+        <p:sp>
+          <p:nvSpPr>
+            <p:cNvPr id="10" name="직사각형 9">
+              <a:extLst>
+                <a:ext uri="{FF2B5EF4-FFF2-40B4-BE49-F238E27FC236}">
+                  <a16:creationId xmlns:a16="http://schemas.microsoft.com/office/drawing/2014/main" id="{C9D9B563-C009-5BFC-B180-026E5282EA9D}"/>
+                </a:ext>
+              </a:extLst>
+            </p:cNvPr>
+            <p:cNvSpPr/>
+            <p:nvPr/>
+          </p:nvSpPr>
+          <p:spPr>
+            <a:xfrm>
+              <a:off x="4083934" y="2029870"/>
+              <a:ext cx="1965767" cy="3256345"/>
+            </a:xfrm>
+            <a:prstGeom prst="rect">
+              <a:avLst/>
+            </a:prstGeom>
+            <a:noFill/>
+            <a:ln>
+              <a:solidFill>
+                <a:srgbClr val="FF0000"/>
+              </a:solidFill>
+            </a:ln>
+          </p:spPr>
+          <p:style>
+            <a:lnRef idx="2">
+              <a:schemeClr val="accent1">
+                <a:shade val="15000"/>
+              </a:schemeClr>
+            </a:lnRef>
+            <a:fillRef idx="1">
+              <a:schemeClr val="accent1"/>
+            </a:fillRef>
+            <a:effectRef idx="0">
+              <a:schemeClr val="accent1"/>
+            </a:effectRef>
+            <a:fontRef idx="minor">
+              <a:schemeClr val="lt1"/>
+            </a:fontRef>
+          </p:style>
+          <p:txBody>
+            <a:bodyPr rtlCol="0" anchor="ctr"/>
+            <a:lstStyle/>
+            <a:p>
+              <a:pPr algn="ctr"/>
+              <a:endParaRPr lang="ko-KR" altLang="en-US"/>
+            </a:p>
+          </p:txBody>
+        </p:sp>
+        <p:sp>
+          <p:nvSpPr>
+            <p:cNvPr id="11" name="직사각형 10">
+              <a:extLst>
+                <a:ext uri="{FF2B5EF4-FFF2-40B4-BE49-F238E27FC236}">
+                  <a16:creationId xmlns:a16="http://schemas.microsoft.com/office/drawing/2014/main" id="{FF72BB50-90C8-6BA1-DCBC-56C8E25A6939}"/>
+                </a:ext>
+              </a:extLst>
+            </p:cNvPr>
+            <p:cNvSpPr/>
+            <p:nvPr/>
+          </p:nvSpPr>
+          <p:spPr>
+            <a:xfrm>
+              <a:off x="6043914" y="2040480"/>
+              <a:ext cx="1965767" cy="3256345"/>
+            </a:xfrm>
+            <a:prstGeom prst="rect">
+              <a:avLst/>
+            </a:prstGeom>
+            <a:noFill/>
+            <a:ln>
+              <a:solidFill>
+                <a:srgbClr val="FF0000"/>
+              </a:solidFill>
+            </a:ln>
+          </p:spPr>
+          <p:style>
+            <a:lnRef idx="2">
+              <a:schemeClr val="accent1">
+                <a:shade val="15000"/>
+              </a:schemeClr>
+            </a:lnRef>
+            <a:fillRef idx="1">
+              <a:schemeClr val="accent1"/>
+            </a:fillRef>
+            <a:effectRef idx="0">
+              <a:schemeClr val="accent1"/>
+            </a:effectRef>
+            <a:fontRef idx="minor">
+              <a:schemeClr val="lt1"/>
+            </a:fontRef>
+          </p:style>
+          <p:txBody>
+            <a:bodyPr rtlCol="0" anchor="ctr"/>
+            <a:lstStyle/>
+            <a:p>
+              <a:pPr algn="ctr"/>
+              <a:endParaRPr lang="ko-KR" altLang="en-US"/>
+            </a:p>
+          </p:txBody>
+        </p:sp>
+        <p:sp>
+          <p:nvSpPr>
+            <p:cNvPr id="12" name="직사각형 11">
+              <a:extLst>
+                <a:ext uri="{FF2B5EF4-FFF2-40B4-BE49-F238E27FC236}">
+                  <a16:creationId xmlns:a16="http://schemas.microsoft.com/office/drawing/2014/main" id="{39A9B2FB-9B49-58B0-D8E9-4ECA173FDE0A}"/>
+                </a:ext>
+              </a:extLst>
+            </p:cNvPr>
+            <p:cNvSpPr/>
+            <p:nvPr/>
+          </p:nvSpPr>
+          <p:spPr>
+            <a:xfrm>
+              <a:off x="8011610" y="2019260"/>
+              <a:ext cx="1965767" cy="3256345"/>
+            </a:xfrm>
+            <a:prstGeom prst="rect">
+              <a:avLst/>
+            </a:prstGeom>
+            <a:noFill/>
+            <a:ln>
+              <a:solidFill>
+                <a:srgbClr val="FF0000"/>
+              </a:solidFill>
+            </a:ln>
+          </p:spPr>
+          <p:style>
+            <a:lnRef idx="2">
+              <a:schemeClr val="accent1">
+                <a:shade val="15000"/>
+              </a:schemeClr>
+            </a:lnRef>
+            <a:fillRef idx="1">
+              <a:schemeClr val="accent1"/>
+            </a:fillRef>
+            <a:effectRef idx="0">
+              <a:schemeClr val="accent1"/>
+            </a:effectRef>
+            <a:fontRef idx="minor">
+              <a:schemeClr val="lt1"/>
+            </a:fontRef>
+          </p:style>
+          <p:txBody>
+            <a:bodyPr rtlCol="0" anchor="ctr"/>
+            <a:lstStyle/>
+            <a:p>
+              <a:pPr algn="ctr"/>
+              <a:endParaRPr lang="ko-KR" altLang="en-US"/>
+            </a:p>
+          </p:txBody>
+        </p:sp>
+        <p:sp>
+          <p:nvSpPr>
+            <p:cNvPr id="13" name="TextBox 12">
+              <a:extLst>
+                <a:ext uri="{FF2B5EF4-FFF2-40B4-BE49-F238E27FC236}">
+                  <a16:creationId xmlns:a16="http://schemas.microsoft.com/office/drawing/2014/main" id="{8F884E93-3A02-42B3-E86E-B82634C0D721}"/>
+                </a:ext>
+              </a:extLst>
+            </p:cNvPr>
+            <p:cNvSpPr txBox="1"/>
+            <p:nvPr/>
+          </p:nvSpPr>
+          <p:spPr>
+            <a:xfrm>
+              <a:off x="2171668" y="1483931"/>
+              <a:ext cx="3497612" cy="369332"/>
+            </a:xfrm>
+            <a:prstGeom prst="rect">
+              <a:avLst/>
+            </a:prstGeom>
+            <a:noFill/>
+          </p:spPr>
+          <p:txBody>
+            <a:bodyPr wrap="square" rtlCol="0">
+              <a:spAutoFit/>
+            </a:bodyPr>
+            <a:lstStyle/>
+            <a:p>
+              <a:r>
+                <a:rPr lang="en-US" altLang="ko-KR" dirty="0">
+                  <a:solidFill>
+                    <a:srgbClr val="FF0000"/>
+                  </a:solidFill>
+                </a:rPr>
+                <a:t>&lt;div&gt; </a:t>
+              </a:r>
+              <a:r>
+                <a:rPr lang="ko-KR" altLang="en-US" dirty="0">
+                  <a:solidFill>
+                    <a:srgbClr val="FF0000"/>
+                  </a:solidFill>
+                </a:rPr>
+                <a:t>클래스명 </a:t>
+              </a:r>
+              <a:r>
+                <a:rPr lang="en-US" altLang="ko-KR" dirty="0" err="1">
+                  <a:solidFill>
+                    <a:srgbClr val="FF0000"/>
+                  </a:solidFill>
+                </a:rPr>
+                <a:t>boxoffice</a:t>
+              </a:r>
+              <a:r>
+                <a:rPr lang="en-US" altLang="ko-KR" dirty="0">
+                  <a:solidFill>
+                    <a:srgbClr val="FF0000"/>
+                  </a:solidFill>
+                </a:rPr>
+                <a:t>--title</a:t>
+              </a:r>
+              <a:endParaRPr lang="ko-KR" altLang="en-US" dirty="0">
+                <a:solidFill>
+                  <a:srgbClr val="FF0000"/>
+                </a:solidFill>
+              </a:endParaRPr>
+            </a:p>
+          </p:txBody>
+        </p:sp>
+        <p:sp>
+          <p:nvSpPr>
+            <p:cNvPr id="14" name="TextBox 13">
+              <a:extLst>
+                <a:ext uri="{FF2B5EF4-FFF2-40B4-BE49-F238E27FC236}">
+                  <a16:creationId xmlns:a16="http://schemas.microsoft.com/office/drawing/2014/main" id="{BA4525DF-0702-28D6-7275-5A1ED7CA8F04}"/>
+                </a:ext>
+              </a:extLst>
+            </p:cNvPr>
+            <p:cNvSpPr txBox="1"/>
+            <p:nvPr/>
+          </p:nvSpPr>
+          <p:spPr>
+            <a:xfrm>
+              <a:off x="193310" y="5439022"/>
+              <a:ext cx="3992610" cy="369332"/>
+            </a:xfrm>
+            <a:prstGeom prst="rect">
+              <a:avLst/>
+            </a:prstGeom>
+            <a:noFill/>
+          </p:spPr>
+          <p:txBody>
+            <a:bodyPr wrap="square" rtlCol="0">
+              <a:spAutoFit/>
+            </a:bodyPr>
+            <a:lstStyle/>
+            <a:p>
+              <a:r>
+                <a:rPr lang="en-US" altLang="ko-KR" dirty="0">
+                  <a:solidFill>
+                    <a:srgbClr val="FF0000"/>
+                  </a:solidFill>
+                </a:rPr>
+                <a:t>&lt;div&gt; </a:t>
+              </a:r>
+              <a:r>
+                <a:rPr lang="ko-KR" altLang="en-US" dirty="0">
+                  <a:solidFill>
+                    <a:srgbClr val="FF0000"/>
+                  </a:solidFill>
+                </a:rPr>
+                <a:t>클래스명 </a:t>
+              </a:r>
+              <a:r>
+                <a:rPr lang="en-US" altLang="ko-KR" dirty="0" err="1">
+                  <a:solidFill>
+                    <a:srgbClr val="FF0000"/>
+                  </a:solidFill>
+                </a:rPr>
+                <a:t>boxoffice</a:t>
+              </a:r>
+              <a:r>
+                <a:rPr lang="en-US" altLang="ko-KR" dirty="0">
+                  <a:solidFill>
+                    <a:srgbClr val="FF0000"/>
+                  </a:solidFill>
+                </a:rPr>
+                <a:t>--submenu</a:t>
+              </a:r>
+              <a:endParaRPr lang="ko-KR" altLang="en-US" dirty="0">
+                <a:solidFill>
+                  <a:srgbClr val="FF0000"/>
+                </a:solidFill>
+              </a:endParaRPr>
+            </a:p>
+          </p:txBody>
+        </p:sp>
+        <p:sp>
+          <p:nvSpPr>
+            <p:cNvPr id="15" name="TextBox 14">
+              <a:extLst>
+                <a:ext uri="{FF2B5EF4-FFF2-40B4-BE49-F238E27FC236}">
+                  <a16:creationId xmlns:a16="http://schemas.microsoft.com/office/drawing/2014/main" id="{E57EACD8-7754-70BE-7682-5DFAF95A7225}"/>
+                </a:ext>
+              </a:extLst>
+            </p:cNvPr>
+            <p:cNvSpPr txBox="1"/>
+            <p:nvPr/>
+          </p:nvSpPr>
+          <p:spPr>
+            <a:xfrm>
+              <a:off x="89093" y="2264700"/>
+              <a:ext cx="1965767" cy="661380"/>
+            </a:xfrm>
+            <a:prstGeom prst="rect">
+              <a:avLst/>
+            </a:prstGeom>
+            <a:noFill/>
+          </p:spPr>
+          <p:txBody>
+            <a:bodyPr wrap="square" rtlCol="0">
+              <a:spAutoFit/>
+            </a:bodyPr>
+            <a:lstStyle/>
+            <a:p>
+              <a:r>
+                <a:rPr lang="en-US" altLang="ko-KR" dirty="0">
+                  <a:solidFill>
+                    <a:srgbClr val="FF0000"/>
+                  </a:solidFill>
+                </a:rPr>
+                <a:t>&lt;div&gt; </a:t>
+              </a:r>
+              <a:r>
+                <a:rPr lang="ko-KR" altLang="en-US" dirty="0">
+                  <a:solidFill>
+                    <a:srgbClr val="FF0000"/>
+                  </a:solidFill>
+                </a:rPr>
+                <a:t>클래스명 </a:t>
+              </a:r>
+              <a:r>
+                <a:rPr lang="en-US" altLang="ko-KR" dirty="0" err="1">
+                  <a:solidFill>
+                    <a:srgbClr val="FF0000"/>
+                  </a:solidFill>
+                </a:rPr>
+                <a:t>boxoffice</a:t>
+              </a:r>
+              <a:r>
+                <a:rPr lang="en-US" altLang="ko-KR" dirty="0">
+                  <a:solidFill>
+                    <a:srgbClr val="FF0000"/>
+                  </a:solidFill>
+                </a:rPr>
+                <a:t>--movie</a:t>
+              </a:r>
+              <a:endParaRPr lang="ko-KR" altLang="en-US" dirty="0">
+                <a:solidFill>
+                  <a:srgbClr val="FF0000"/>
+                </a:solidFill>
+              </a:endParaRPr>
+            </a:p>
+          </p:txBody>
+        </p:sp>
+        <p:sp>
+          <p:nvSpPr>
+            <p:cNvPr id="16" name="TextBox 15">
+              <a:extLst>
+                <a:ext uri="{FF2B5EF4-FFF2-40B4-BE49-F238E27FC236}">
+                  <a16:creationId xmlns:a16="http://schemas.microsoft.com/office/drawing/2014/main" id="{5F93B1DB-48AE-2330-9FFA-D7EC498B5CB3}"/>
+                </a:ext>
+              </a:extLst>
+            </p:cNvPr>
+            <p:cNvSpPr txBox="1"/>
+            <p:nvPr/>
+          </p:nvSpPr>
+          <p:spPr>
+            <a:xfrm>
+              <a:off x="193310" y="5924472"/>
+              <a:ext cx="4205970" cy="369332"/>
+            </a:xfrm>
+            <a:prstGeom prst="rect">
+              <a:avLst/>
+            </a:prstGeom>
+            <a:noFill/>
+          </p:spPr>
+          <p:txBody>
+            <a:bodyPr wrap="square" rtlCol="0">
+              <a:spAutoFit/>
+            </a:bodyPr>
+            <a:lstStyle/>
+            <a:p>
+              <a:r>
+                <a:rPr lang="en-US" altLang="ko-KR" dirty="0">
+                  <a:solidFill>
+                    <a:srgbClr val="FF0000"/>
+                  </a:solidFill>
+                </a:rPr>
+                <a:t>&lt;div&gt; </a:t>
+              </a:r>
+              <a:r>
+                <a:rPr lang="ko-KR" altLang="en-US" dirty="0">
+                  <a:solidFill>
+                    <a:srgbClr val="FF0000"/>
+                  </a:solidFill>
+                </a:rPr>
+                <a:t>아이디명 </a:t>
+              </a:r>
+              <a:r>
+                <a:rPr lang="en-US" altLang="ko-KR" dirty="0" err="1">
+                  <a:solidFill>
+                    <a:srgbClr val="FF0000"/>
+                  </a:solidFill>
+                </a:rPr>
+                <a:t>boxoffice</a:t>
+              </a:r>
+              <a:r>
+                <a:rPr lang="en-US" altLang="ko-KR" dirty="0">
+                  <a:solidFill>
+                    <a:srgbClr val="FF0000"/>
+                  </a:solidFill>
+                </a:rPr>
+                <a:t>--mouse</a:t>
+              </a:r>
+              <a:endParaRPr lang="ko-KR" altLang="en-US" dirty="0">
+                <a:solidFill>
+                  <a:srgbClr val="FF0000"/>
+                </a:solidFill>
+              </a:endParaRPr>
+            </a:p>
+          </p:txBody>
+        </p:sp>
+      </p:grpSp>
+      <p:sp>
+        <p:nvSpPr>
+          <p:cNvPr id="17" name="직사각형 16"/>
           <p:cNvSpPr/>
           <p:nvPr/>
         </p:nvSpPr>
         <p:spPr>
           <a:xfrm>
-            <a:off x="2118167" y="1452101"/>
-            <a:ext cx="7859210" cy="567159"/>
+            <a:off x="2171668" y="2073891"/>
+            <a:ext cx="1843172" cy="2458311"/>
           </a:xfrm>
           <a:prstGeom prst="rect">
             <a:avLst/>
@@ -4777,14 +6478,14 @@
           <a:noFill/>
           <a:ln>
             <a:solidFill>
-              <a:srgbClr val="FF0000"/>
+              <a:srgbClr val="00B050"/>
             </a:solidFill>
           </a:ln>
         </p:spPr>
         <p:style>
           <a:lnRef idx="2">
             <a:schemeClr val="accent1">
-              <a:shade val="15000"/>
+              <a:shade val="50000"/>
             </a:schemeClr>
           </a:lnRef>
           <a:fillRef idx="1">
@@ -4808,20 +6509,14 @@
       </p:sp>
       <p:sp>
         <p:nvSpPr>
-          <p:cNvPr id="6" name="직사각형 5">
-            <a:extLst>
-              <a:ext uri="{FF2B5EF4-FFF2-40B4-BE49-F238E27FC236}">
-                <a16:creationId xmlns:a16="http://schemas.microsoft.com/office/drawing/2014/main" id="{22B5CDFC-8575-2E1C-6549-8CC7820EED7C}"/>
-              </a:ext>
-            </a:extLst>
-          </p:cNvPr>
+          <p:cNvPr id="18" name="직사각형 17"/>
           <p:cNvSpPr/>
           <p:nvPr/>
         </p:nvSpPr>
         <p:spPr>
           <a:xfrm>
-            <a:off x="2120096" y="5842764"/>
-            <a:ext cx="7859210" cy="567159"/>
+            <a:off x="2164532" y="4598553"/>
+            <a:ext cx="568601" cy="233320"/>
           </a:xfrm>
           <a:prstGeom prst="rect">
             <a:avLst/>
@@ -4829,14 +6524,14 @@
           <a:noFill/>
           <a:ln>
             <a:solidFill>
-              <a:srgbClr val="FF0000"/>
+              <a:srgbClr val="00B050"/>
             </a:solidFill>
           </a:ln>
         </p:spPr>
         <p:style>
           <a:lnRef idx="2">
             <a:schemeClr val="accent1">
-              <a:shade val="15000"/>
+              <a:shade val="50000"/>
             </a:schemeClr>
           </a:lnRef>
           <a:fillRef idx="1">
@@ -4860,20 +6555,14 @@
       </p:sp>
       <p:sp>
         <p:nvSpPr>
-          <p:cNvPr id="7" name="직사각형 6">
-            <a:extLst>
-              <a:ext uri="{FF2B5EF4-FFF2-40B4-BE49-F238E27FC236}">
-                <a16:creationId xmlns:a16="http://schemas.microsoft.com/office/drawing/2014/main" id="{D0AD57EF-04BF-0D73-BF41-DC388619DF3C}"/>
-              </a:ext>
-            </a:extLst>
-          </p:cNvPr>
+          <p:cNvPr id="19" name="직사각형 18"/>
           <p:cNvSpPr/>
           <p:nvPr/>
         </p:nvSpPr>
         <p:spPr>
           <a:xfrm>
-            <a:off x="2118167" y="5296825"/>
-            <a:ext cx="7859210" cy="567159"/>
+            <a:off x="2794511" y="4608885"/>
+            <a:ext cx="1068150" cy="268938"/>
           </a:xfrm>
           <a:prstGeom prst="rect">
             <a:avLst/>
@@ -4881,14 +6570,14 @@
           <a:noFill/>
           <a:ln>
             <a:solidFill>
-              <a:srgbClr val="FF0000"/>
+              <a:srgbClr val="00B050"/>
             </a:solidFill>
           </a:ln>
         </p:spPr>
         <p:style>
           <a:lnRef idx="2">
             <a:schemeClr val="accent1">
-              <a:shade val="15000"/>
+              <a:shade val="50000"/>
             </a:schemeClr>
           </a:lnRef>
           <a:fillRef idx="1">
@@ -4906,26 +6595,20 @@
           <a:lstStyle/>
           <a:p>
             <a:pPr algn="ctr"/>
-            <a:endParaRPr lang="ko-KR" altLang="en-US" dirty="0"/>
-          </a:p>
-        </p:txBody>
-      </p:sp>
-      <p:sp>
-        <p:nvSpPr>
-          <p:cNvPr id="8" name="직사각형 7">
-            <a:extLst>
-              <a:ext uri="{FF2B5EF4-FFF2-40B4-BE49-F238E27FC236}">
-                <a16:creationId xmlns:a16="http://schemas.microsoft.com/office/drawing/2014/main" id="{D8F1DFCE-E9D4-0A58-8E46-923FCDDB0A54}"/>
-              </a:ext>
-            </a:extLst>
-          </p:cNvPr>
+            <a:endParaRPr lang="ko-KR" altLang="en-US"/>
+          </a:p>
+        </p:txBody>
+      </p:sp>
+      <p:sp>
+        <p:nvSpPr>
+          <p:cNvPr id="20" name="직사각형 19"/>
           <p:cNvSpPr/>
           <p:nvPr/>
         </p:nvSpPr>
         <p:spPr>
           <a:xfrm>
-            <a:off x="2118167" y="2019260"/>
-            <a:ext cx="7859210" cy="3256345"/>
+            <a:off x="8863958" y="1718609"/>
+            <a:ext cx="1068150" cy="268938"/>
           </a:xfrm>
           <a:prstGeom prst="rect">
             <a:avLst/>
@@ -4933,14 +6616,14 @@
           <a:noFill/>
           <a:ln>
             <a:solidFill>
-              <a:srgbClr val="FF0000"/>
+              <a:srgbClr val="00B050"/>
             </a:solidFill>
           </a:ln>
         </p:spPr>
         <p:style>
           <a:lnRef idx="2">
             <a:schemeClr val="accent1">
-              <a:shade val="15000"/>
+              <a:shade val="50000"/>
             </a:schemeClr>
           </a:lnRef>
           <a:fillRef idx="1">
@@ -4964,20 +6647,14 @@
       </p:sp>
       <p:sp>
         <p:nvSpPr>
-          <p:cNvPr id="9" name="직사각형 8">
-            <a:extLst>
-              <a:ext uri="{FF2B5EF4-FFF2-40B4-BE49-F238E27FC236}">
-                <a16:creationId xmlns:a16="http://schemas.microsoft.com/office/drawing/2014/main" id="{59B7E1B8-9D58-4FD9-ACF0-5CF5084B75A4}"/>
-              </a:ext>
-            </a:extLst>
-          </p:cNvPr>
+          <p:cNvPr id="21" name="직사각형 20"/>
           <p:cNvSpPr/>
           <p:nvPr/>
         </p:nvSpPr>
         <p:spPr>
           <a:xfrm>
-            <a:off x="2116238" y="2040480"/>
-            <a:ext cx="1965767" cy="3256345"/>
+            <a:off x="5578741" y="1686896"/>
+            <a:ext cx="1068150" cy="268938"/>
           </a:xfrm>
           <a:prstGeom prst="rect">
             <a:avLst/>
@@ -4985,14 +6662,14 @@
           <a:noFill/>
           <a:ln>
             <a:solidFill>
-              <a:srgbClr val="FF0000"/>
+              <a:srgbClr val="00B050"/>
             </a:solidFill>
           </a:ln>
         </p:spPr>
         <p:style>
           <a:lnRef idx="2">
             <a:schemeClr val="accent1">
-              <a:shade val="15000"/>
+              <a:shade val="50000"/>
             </a:schemeClr>
           </a:lnRef>
           <a:fillRef idx="1">
@@ -5016,20 +6693,14 @@
       </p:sp>
       <p:sp>
         <p:nvSpPr>
-          <p:cNvPr id="10" name="직사각형 9">
-            <a:extLst>
-              <a:ext uri="{FF2B5EF4-FFF2-40B4-BE49-F238E27FC236}">
-                <a16:creationId xmlns:a16="http://schemas.microsoft.com/office/drawing/2014/main" id="{C9D9B563-C009-5BFC-B180-026E5282EA9D}"/>
-              </a:ext>
-            </a:extLst>
-          </p:cNvPr>
+          <p:cNvPr id="22" name="직사각형 21"/>
           <p:cNvSpPr/>
           <p:nvPr/>
         </p:nvSpPr>
         <p:spPr>
           <a:xfrm>
-            <a:off x="4083934" y="2029870"/>
-            <a:ext cx="1965767" cy="3256345"/>
+            <a:off x="4642804" y="5338987"/>
+            <a:ext cx="291445" cy="268938"/>
           </a:xfrm>
           <a:prstGeom prst="rect">
             <a:avLst/>
@@ -5037,14 +6708,14 @@
           <a:noFill/>
           <a:ln>
             <a:solidFill>
-              <a:srgbClr val="FF0000"/>
+              <a:srgbClr val="00B050"/>
             </a:solidFill>
           </a:ln>
         </p:spPr>
         <p:style>
           <a:lnRef idx="2">
             <a:schemeClr val="accent1">
-              <a:shade val="15000"/>
+              <a:shade val="50000"/>
             </a:schemeClr>
           </a:lnRef>
           <a:fillRef idx="1">
@@ -5068,20 +6739,14 @@
       </p:sp>
       <p:sp>
         <p:nvSpPr>
-          <p:cNvPr id="11" name="직사각형 10">
-            <a:extLst>
-              <a:ext uri="{FF2B5EF4-FFF2-40B4-BE49-F238E27FC236}">
-                <a16:creationId xmlns:a16="http://schemas.microsoft.com/office/drawing/2014/main" id="{FF72BB50-90C8-6BA1-DCBC-56C8E25A6939}"/>
-              </a:ext>
-            </a:extLst>
-          </p:cNvPr>
+          <p:cNvPr id="23" name="직사각형 22"/>
           <p:cNvSpPr/>
           <p:nvPr/>
         </p:nvSpPr>
         <p:spPr>
           <a:xfrm>
-            <a:off x="6043914" y="2040480"/>
-            <a:ext cx="1965767" cy="3256345"/>
+            <a:off x="4973369" y="5349874"/>
+            <a:ext cx="712177" cy="244084"/>
           </a:xfrm>
           <a:prstGeom prst="rect">
             <a:avLst/>
@@ -5089,14 +6754,14 @@
           <a:noFill/>
           <a:ln>
             <a:solidFill>
-              <a:srgbClr val="FF0000"/>
+              <a:srgbClr val="00B050"/>
             </a:solidFill>
           </a:ln>
         </p:spPr>
         <p:style>
           <a:lnRef idx="2">
             <a:schemeClr val="accent1">
-              <a:shade val="15000"/>
+              <a:shade val="50000"/>
             </a:schemeClr>
           </a:lnRef>
           <a:fillRef idx="1">
@@ -5120,20 +6785,14 @@
       </p:sp>
       <p:sp>
         <p:nvSpPr>
-          <p:cNvPr id="12" name="직사각형 11">
-            <a:extLst>
-              <a:ext uri="{FF2B5EF4-FFF2-40B4-BE49-F238E27FC236}">
-                <a16:creationId xmlns:a16="http://schemas.microsoft.com/office/drawing/2014/main" id="{39A9B2FB-9B49-58B0-D8E9-4ECA173FDE0A}"/>
-              </a:ext>
-            </a:extLst>
-          </p:cNvPr>
+          <p:cNvPr id="24" name="직사각형 23"/>
           <p:cNvSpPr/>
           <p:nvPr/>
         </p:nvSpPr>
         <p:spPr>
           <a:xfrm>
-            <a:off x="8011610" y="2019260"/>
-            <a:ext cx="1965767" cy="3256345"/>
+            <a:off x="2454547" y="5353382"/>
+            <a:ext cx="1115130" cy="240576"/>
           </a:xfrm>
           <a:prstGeom prst="rect">
             <a:avLst/>
@@ -5141,14 +6800,14 @@
           <a:noFill/>
           <a:ln>
             <a:solidFill>
-              <a:srgbClr val="FF0000"/>
+              <a:srgbClr val="00B050"/>
             </a:solidFill>
           </a:ln>
         </p:spPr>
         <p:style>
           <a:lnRef idx="2">
             <a:schemeClr val="accent1">
-              <a:shade val="15000"/>
+              <a:shade val="50000"/>
             </a:schemeClr>
           </a:lnRef>
           <a:fillRef idx="1">
@@ -5172,20 +6831,60 @@
       </p:sp>
       <p:sp>
         <p:nvSpPr>
-          <p:cNvPr id="13" name="TextBox 12">
-            <a:extLst>
-              <a:ext uri="{FF2B5EF4-FFF2-40B4-BE49-F238E27FC236}">
-                <a16:creationId xmlns:a16="http://schemas.microsoft.com/office/drawing/2014/main" id="{8F884E93-3A02-42B3-E86E-B82634C0D721}"/>
-              </a:ext>
-            </a:extLst>
-          </p:cNvPr>
+          <p:cNvPr id="25" name="직사각형 24"/>
+          <p:cNvSpPr/>
+          <p:nvPr/>
+        </p:nvSpPr>
+        <p:spPr>
+          <a:xfrm>
+            <a:off x="3608797" y="5363992"/>
+            <a:ext cx="253864" cy="240576"/>
+          </a:xfrm>
+          <a:prstGeom prst="rect">
+            <a:avLst/>
+          </a:prstGeom>
+          <a:noFill/>
+          <a:ln>
+            <a:solidFill>
+              <a:srgbClr val="00B050"/>
+            </a:solidFill>
+          </a:ln>
+        </p:spPr>
+        <p:style>
+          <a:lnRef idx="2">
+            <a:schemeClr val="accent1">
+              <a:shade val="50000"/>
+            </a:schemeClr>
+          </a:lnRef>
+          <a:fillRef idx="1">
+            <a:schemeClr val="accent1"/>
+          </a:fillRef>
+          <a:effectRef idx="0">
+            <a:schemeClr val="accent1"/>
+          </a:effectRef>
+          <a:fontRef idx="minor">
+            <a:schemeClr val="lt1"/>
+          </a:fontRef>
+        </p:style>
+        <p:txBody>
+          <a:bodyPr rtlCol="0" anchor="ctr"/>
+          <a:lstStyle/>
+          <a:p>
+            <a:pPr algn="ctr"/>
+            <a:endParaRPr lang="ko-KR" altLang="en-US"/>
+          </a:p>
+        </p:txBody>
+      </p:sp>
+      <p:sp>
+        <p:nvSpPr>
+          <p:cNvPr id="26" name="TextBox 25"/>
           <p:cNvSpPr txBox="1"/>
           <p:nvPr/>
         </p:nvSpPr>
         <p:spPr>
           <a:xfrm>
-            <a:off x="2171668" y="1483931"/>
-            <a:ext cx="3497612" cy="369332"/>
+            <a:off x="5639044" y="1220488"/>
+            <a:ext cx="1529862" cy="369332"/>
           </a:xfrm>
           <a:prstGeom prst="rect">
             <a:avLst/>
@@ -5198,247 +6897,7 @@
           </a:bodyPr>
           <a:lstStyle/>
           <a:p>
-            <a:r>
-              <a:rPr lang="en-US" altLang="ko-KR" dirty="0">
-                <a:solidFill>
-                  <a:srgbClr val="FF0000"/>
-                </a:solidFill>
-              </a:rPr>
-              <a:t>&lt;div&gt; </a:t>
-            </a:r>
-            <a:r>
-              <a:rPr lang="ko-KR" altLang="en-US" dirty="0">
-                <a:solidFill>
-                  <a:srgbClr val="FF0000"/>
-                </a:solidFill>
-              </a:rPr>
-              <a:t>클래스명 </a:t>
-            </a:r>
-            <a:r>
-              <a:rPr lang="en-US" altLang="ko-KR" dirty="0" err="1">
-                <a:solidFill>
-                  <a:srgbClr val="FF0000"/>
-                </a:solidFill>
-              </a:rPr>
-              <a:t>boxoffice</a:t>
-            </a:r>
-            <a:r>
-              <a:rPr lang="en-US" altLang="ko-KR" dirty="0">
-                <a:solidFill>
-                  <a:srgbClr val="FF0000"/>
-                </a:solidFill>
-              </a:rPr>
-              <a:t>--title</a:t>
-            </a:r>
-            <a:endParaRPr lang="ko-KR" altLang="en-US" dirty="0">
-              <a:solidFill>
-                <a:srgbClr val="FF0000"/>
-              </a:solidFill>
-            </a:endParaRPr>
-          </a:p>
-        </p:txBody>
-      </p:sp>
-      <p:sp>
-        <p:nvSpPr>
-          <p:cNvPr id="14" name="TextBox 13">
-            <a:extLst>
-              <a:ext uri="{FF2B5EF4-FFF2-40B4-BE49-F238E27FC236}">
-                <a16:creationId xmlns:a16="http://schemas.microsoft.com/office/drawing/2014/main" id="{BA4525DF-0702-28D6-7275-5A1ED7CA8F04}"/>
-              </a:ext>
-            </a:extLst>
-          </p:cNvPr>
-          <p:cNvSpPr txBox="1"/>
-          <p:nvPr/>
-        </p:nvSpPr>
-        <p:spPr>
-          <a:xfrm>
-            <a:off x="193310" y="5439022"/>
-            <a:ext cx="3992610" cy="369332"/>
-          </a:xfrm>
-          <a:prstGeom prst="rect">
-            <a:avLst/>
-          </a:prstGeom>
-          <a:noFill/>
-        </p:spPr>
-        <p:txBody>
-          <a:bodyPr wrap="square" rtlCol="0">
-            <a:spAutoFit/>
-          </a:bodyPr>
-          <a:lstStyle/>
-          <a:p>
-            <a:r>
-              <a:rPr lang="en-US" altLang="ko-KR" dirty="0">
-                <a:solidFill>
-                  <a:srgbClr val="FF0000"/>
-                </a:solidFill>
-              </a:rPr>
-              <a:t>&lt;div&gt; </a:t>
-            </a:r>
-            <a:r>
-              <a:rPr lang="ko-KR" altLang="en-US" dirty="0">
-                <a:solidFill>
-                  <a:srgbClr val="FF0000"/>
-                </a:solidFill>
-              </a:rPr>
-              <a:t>클래스명 </a:t>
-            </a:r>
-            <a:r>
-              <a:rPr lang="en-US" altLang="ko-KR" dirty="0" err="1">
-                <a:solidFill>
-                  <a:srgbClr val="FF0000"/>
-                </a:solidFill>
-              </a:rPr>
-              <a:t>boxoffice</a:t>
-            </a:r>
-            <a:r>
-              <a:rPr lang="en-US" altLang="ko-KR" dirty="0">
-                <a:solidFill>
-                  <a:srgbClr val="FF0000"/>
-                </a:solidFill>
-              </a:rPr>
-              <a:t>--submenu</a:t>
-            </a:r>
-            <a:endParaRPr lang="ko-KR" altLang="en-US" dirty="0">
-              <a:solidFill>
-                <a:srgbClr val="FF0000"/>
-              </a:solidFill>
-            </a:endParaRPr>
-          </a:p>
-        </p:txBody>
-      </p:sp>
-      <p:sp>
-        <p:nvSpPr>
-          <p:cNvPr id="15" name="TextBox 14">
-            <a:extLst>
-              <a:ext uri="{FF2B5EF4-FFF2-40B4-BE49-F238E27FC236}">
-                <a16:creationId xmlns:a16="http://schemas.microsoft.com/office/drawing/2014/main" id="{E57EACD8-7754-70BE-7682-5DFAF95A7225}"/>
-              </a:ext>
-            </a:extLst>
-          </p:cNvPr>
-          <p:cNvSpPr txBox="1"/>
-          <p:nvPr/>
-        </p:nvSpPr>
-        <p:spPr>
-          <a:xfrm>
-            <a:off x="89093" y="2264700"/>
-            <a:ext cx="1965767" cy="661380"/>
-          </a:xfrm>
-          <a:prstGeom prst="rect">
-            <a:avLst/>
-          </a:prstGeom>
-          <a:noFill/>
-        </p:spPr>
-        <p:txBody>
-          <a:bodyPr wrap="square" rtlCol="0">
-            <a:spAutoFit/>
-          </a:bodyPr>
-          <a:lstStyle/>
-          <a:p>
-            <a:r>
-              <a:rPr lang="en-US" altLang="ko-KR" dirty="0">
-                <a:solidFill>
-                  <a:srgbClr val="FF0000"/>
-                </a:solidFill>
-              </a:rPr>
-              <a:t>&lt;div&gt; </a:t>
-            </a:r>
-            <a:r>
-              <a:rPr lang="ko-KR" altLang="en-US" dirty="0">
-                <a:solidFill>
-                  <a:srgbClr val="FF0000"/>
-                </a:solidFill>
-              </a:rPr>
-              <a:t>클래스명 </a:t>
-            </a:r>
-            <a:r>
-              <a:rPr lang="en-US" altLang="ko-KR" dirty="0" err="1">
-                <a:solidFill>
-                  <a:srgbClr val="FF0000"/>
-                </a:solidFill>
-              </a:rPr>
-              <a:t>boxoffice</a:t>
-            </a:r>
-            <a:r>
-              <a:rPr lang="en-US" altLang="ko-KR" dirty="0">
-                <a:solidFill>
-                  <a:srgbClr val="FF0000"/>
-                </a:solidFill>
-              </a:rPr>
-              <a:t>--movie</a:t>
-            </a:r>
-            <a:endParaRPr lang="ko-KR" altLang="en-US" dirty="0">
-              <a:solidFill>
-                <a:srgbClr val="FF0000"/>
-              </a:solidFill>
-            </a:endParaRPr>
-          </a:p>
-        </p:txBody>
-      </p:sp>
-      <p:sp>
-        <p:nvSpPr>
-          <p:cNvPr id="16" name="TextBox 15">
-            <a:extLst>
-              <a:ext uri="{FF2B5EF4-FFF2-40B4-BE49-F238E27FC236}">
-                <a16:creationId xmlns:a16="http://schemas.microsoft.com/office/drawing/2014/main" id="{5F93B1DB-48AE-2330-9FFA-D7EC498B5CB3}"/>
-              </a:ext>
-            </a:extLst>
-          </p:cNvPr>
-          <p:cNvSpPr txBox="1"/>
-          <p:nvPr/>
-        </p:nvSpPr>
-        <p:spPr>
-          <a:xfrm>
-            <a:off x="193310" y="5924472"/>
-            <a:ext cx="4205970" cy="369332"/>
-          </a:xfrm>
-          <a:prstGeom prst="rect">
-            <a:avLst/>
-          </a:prstGeom>
-          <a:noFill/>
-        </p:spPr>
-        <p:txBody>
-          <a:bodyPr wrap="square" rtlCol="0">
-            <a:spAutoFit/>
-          </a:bodyPr>
-          <a:lstStyle/>
-          <a:p>
-            <a:r>
-              <a:rPr lang="en-US" altLang="ko-KR" dirty="0">
-                <a:solidFill>
-                  <a:srgbClr val="FF0000"/>
-                </a:solidFill>
-              </a:rPr>
-              <a:t>&lt;div&gt; </a:t>
-            </a:r>
-            <a:r>
-              <a:rPr lang="ko-KR" altLang="en-US" dirty="0">
-                <a:solidFill>
-                  <a:srgbClr val="FF0000"/>
-                </a:solidFill>
-              </a:rPr>
-              <a:t>아이디명 </a:t>
-            </a:r>
-            <a:r>
-              <a:rPr lang="en-US" altLang="ko-KR" dirty="0" err="1">
-                <a:solidFill>
-                  <a:srgbClr val="FF0000"/>
-                </a:solidFill>
-              </a:rPr>
-              <a:t>boxoffice</a:t>
-            </a:r>
-            <a:r>
-              <a:rPr lang="en-US" altLang="ko-KR" dirty="0">
-                <a:solidFill>
-                  <a:srgbClr val="FF0000"/>
-                </a:solidFill>
-              </a:rPr>
-              <a:t>--mouse</a:t>
-            </a:r>
-            <a:endParaRPr lang="ko-KR" altLang="en-US" dirty="0">
-              <a:solidFill>
-                <a:srgbClr val="FF0000"/>
-              </a:solidFill>
-            </a:endParaRPr>
+            <a:endParaRPr lang="ko-KR" altLang="en-US" dirty="0"/>
           </a:p>
         </p:txBody>
       </p:sp>
@@ -5452,6 +6911,13 @@
   <p:clrMapOvr>
     <a:masterClrMapping/>
   </p:clrMapOvr>
+  <p:timing>
+    <p:tnLst>
+      <p:par>
+        <p:cTn id="1" dur="indefinite" restart="never" nodeType="tmRoot"/>
+      </p:par>
+    </p:tnLst>
+  </p:timing>
 </p:sld>
 </file>
 
@@ -5472,36 +6938,6 @@
           <a:chExt cx="0" cy="0"/>
         </a:xfrm>
       </p:grpSpPr>
-      <p:pic>
-        <p:nvPicPr>
-          <p:cNvPr id="3" name="그림 2">
-            <a:extLst>
-              <a:ext uri="{FF2B5EF4-FFF2-40B4-BE49-F238E27FC236}">
-                <a16:creationId xmlns:a16="http://schemas.microsoft.com/office/drawing/2014/main" id="{B2EFABE2-D6E2-568E-C306-B594B9E66610}"/>
-              </a:ext>
-            </a:extLst>
-          </p:cNvPr>
-          <p:cNvPicPr>
-            <a:picLocks noChangeAspect="1"/>
-          </p:cNvPicPr>
-          <p:nvPr/>
-        </p:nvPicPr>
-        <p:blipFill>
-          <a:blip r:embed="rId2"/>
-          <a:stretch>
-            <a:fillRect/>
-          </a:stretch>
-        </p:blipFill>
-        <p:spPr>
-          <a:xfrm>
-            <a:off x="1775037" y="1434037"/>
-            <a:ext cx="8119434" cy="5208084"/>
-          </a:xfrm>
-          <a:prstGeom prst="rect">
-            <a:avLst/>
-          </a:prstGeom>
-        </p:spPr>
-      </p:pic>
       <p:sp>
         <p:nvSpPr>
           <p:cNvPr id="4" name="제목 3">
@@ -5560,486 +6996,531 @@
           </a:p>
         </p:txBody>
       </p:sp>
-      <p:sp>
-        <p:nvSpPr>
-          <p:cNvPr id="5" name="직사각형 4">
-            <a:extLst>
-              <a:ext uri="{FF2B5EF4-FFF2-40B4-BE49-F238E27FC236}">
-                <a16:creationId xmlns:a16="http://schemas.microsoft.com/office/drawing/2014/main" id="{1FB41B51-FDD6-BE63-BBF1-871F87D01A30}"/>
-              </a:ext>
-            </a:extLst>
-          </p:cNvPr>
-          <p:cNvSpPr/>
+      <p:grpSp>
+        <p:nvGrpSpPr>
+          <p:cNvPr id="2" name="그룹 1"/>
+          <p:cNvGrpSpPr/>
           <p:nvPr/>
-        </p:nvSpPr>
-        <p:spPr>
+        </p:nvGrpSpPr>
+        <p:grpSpPr>
           <a:xfrm>
-            <a:off x="1956122" y="1562582"/>
-            <a:ext cx="7569843" cy="462988"/>
+            <a:off x="387237" y="1434037"/>
+            <a:ext cx="9507234" cy="5208084"/>
+            <a:chOff x="387237" y="1434037"/>
+            <a:chExt cx="9507234" cy="5208084"/>
           </a:xfrm>
-          <a:prstGeom prst="rect">
-            <a:avLst/>
-          </a:prstGeom>
-          <a:noFill/>
-          <a:ln>
-            <a:solidFill>
-              <a:srgbClr val="FF0000"/>
-            </a:solidFill>
-          </a:ln>
-        </p:spPr>
-        <p:style>
-          <a:lnRef idx="2">
-            <a:schemeClr val="accent1">
-              <a:shade val="15000"/>
-            </a:schemeClr>
-          </a:lnRef>
-          <a:fillRef idx="1">
-            <a:schemeClr val="accent1"/>
-          </a:fillRef>
-          <a:effectRef idx="0">
-            <a:schemeClr val="accent1"/>
-          </a:effectRef>
-          <a:fontRef idx="minor">
-            <a:schemeClr val="lt1"/>
-          </a:fontRef>
-        </p:style>
-        <p:txBody>
-          <a:bodyPr rtlCol="0" anchor="ctr"/>
-          <a:lstStyle/>
-          <a:p>
-            <a:pPr algn="ctr"/>
-            <a:endParaRPr lang="ko-KR" altLang="en-US"/>
-          </a:p>
-        </p:txBody>
-      </p:sp>
-      <p:sp>
-        <p:nvSpPr>
-          <p:cNvPr id="6" name="직사각형 5">
-            <a:extLst>
-              <a:ext uri="{FF2B5EF4-FFF2-40B4-BE49-F238E27FC236}">
-                <a16:creationId xmlns:a16="http://schemas.microsoft.com/office/drawing/2014/main" id="{90908036-E3D6-CFBE-97B1-7AE43CA3552C}"/>
-              </a:ext>
-            </a:extLst>
-          </p:cNvPr>
-          <p:cNvSpPr/>
-          <p:nvPr/>
-        </p:nvSpPr>
-        <p:spPr>
-          <a:xfrm>
-            <a:off x="4363656" y="4062714"/>
-            <a:ext cx="5162309" cy="2176040"/>
-          </a:xfrm>
-          <a:prstGeom prst="rect">
-            <a:avLst/>
-          </a:prstGeom>
-          <a:noFill/>
-          <a:ln>
-            <a:solidFill>
-              <a:srgbClr val="FF0000"/>
-            </a:solidFill>
-          </a:ln>
-        </p:spPr>
-        <p:style>
-          <a:lnRef idx="2">
-            <a:schemeClr val="accent1">
-              <a:shade val="15000"/>
-            </a:schemeClr>
-          </a:lnRef>
-          <a:fillRef idx="1">
-            <a:schemeClr val="accent1"/>
-          </a:fillRef>
-          <a:effectRef idx="0">
-            <a:schemeClr val="accent1"/>
-          </a:effectRef>
-          <a:fontRef idx="minor">
-            <a:schemeClr val="lt1"/>
-          </a:fontRef>
-        </p:style>
-        <p:txBody>
-          <a:bodyPr rtlCol="0" anchor="ctr"/>
-          <a:lstStyle/>
-          <a:p>
-            <a:pPr algn="ctr"/>
-            <a:endParaRPr lang="ko-KR" altLang="en-US"/>
-          </a:p>
-        </p:txBody>
-      </p:sp>
-      <p:sp>
-        <p:nvSpPr>
-          <p:cNvPr id="7" name="직사각형 6">
-            <a:extLst>
-              <a:ext uri="{FF2B5EF4-FFF2-40B4-BE49-F238E27FC236}">
-                <a16:creationId xmlns:a16="http://schemas.microsoft.com/office/drawing/2014/main" id="{9795944F-3520-CBFB-5952-6CC50171107C}"/>
-              </a:ext>
-            </a:extLst>
-          </p:cNvPr>
-          <p:cNvSpPr/>
-          <p:nvPr/>
-        </p:nvSpPr>
-        <p:spPr>
-          <a:xfrm>
-            <a:off x="1966757" y="2017852"/>
-            <a:ext cx="2396900" cy="4220902"/>
-          </a:xfrm>
-          <a:prstGeom prst="rect">
-            <a:avLst/>
-          </a:prstGeom>
-          <a:noFill/>
-          <a:ln>
-            <a:solidFill>
-              <a:srgbClr val="FF0000"/>
-            </a:solidFill>
-          </a:ln>
-        </p:spPr>
-        <p:style>
-          <a:lnRef idx="2">
-            <a:schemeClr val="accent1">
-              <a:shade val="15000"/>
-            </a:schemeClr>
-          </a:lnRef>
-          <a:fillRef idx="1">
-            <a:schemeClr val="accent1"/>
-          </a:fillRef>
-          <a:effectRef idx="0">
-            <a:schemeClr val="accent1"/>
-          </a:effectRef>
-          <a:fontRef idx="minor">
-            <a:schemeClr val="lt1"/>
-          </a:fontRef>
-        </p:style>
-        <p:txBody>
-          <a:bodyPr rtlCol="0" anchor="ctr"/>
-          <a:lstStyle/>
-          <a:p>
-            <a:pPr algn="ctr"/>
-            <a:endParaRPr lang="ko-KR" altLang="en-US"/>
-          </a:p>
-        </p:txBody>
-      </p:sp>
-      <p:sp>
-        <p:nvSpPr>
-          <p:cNvPr id="8" name="직사각형 7">
-            <a:extLst>
-              <a:ext uri="{FF2B5EF4-FFF2-40B4-BE49-F238E27FC236}">
-                <a16:creationId xmlns:a16="http://schemas.microsoft.com/office/drawing/2014/main" id="{BFF6D30D-8CAA-279F-19BE-CE60E7FD11D9}"/>
-              </a:ext>
-            </a:extLst>
-          </p:cNvPr>
-          <p:cNvSpPr/>
-          <p:nvPr/>
-        </p:nvSpPr>
-        <p:spPr>
-          <a:xfrm>
-            <a:off x="4363655" y="2025570"/>
-            <a:ext cx="5162308" cy="2037144"/>
-          </a:xfrm>
-          <a:prstGeom prst="rect">
-            <a:avLst/>
-          </a:prstGeom>
-          <a:noFill/>
-          <a:ln>
-            <a:solidFill>
-              <a:srgbClr val="FF0000"/>
-            </a:solidFill>
-          </a:ln>
-        </p:spPr>
-        <p:style>
-          <a:lnRef idx="2">
-            <a:schemeClr val="accent1">
-              <a:shade val="15000"/>
-            </a:schemeClr>
-          </a:lnRef>
-          <a:fillRef idx="1">
-            <a:schemeClr val="accent1"/>
-          </a:fillRef>
-          <a:effectRef idx="0">
-            <a:schemeClr val="accent1"/>
-          </a:effectRef>
-          <a:fontRef idx="minor">
-            <a:schemeClr val="lt1"/>
-          </a:fontRef>
-        </p:style>
-        <p:txBody>
-          <a:bodyPr rtlCol="0" anchor="ctr"/>
-          <a:lstStyle/>
-          <a:p>
-            <a:pPr algn="ctr"/>
-            <a:endParaRPr lang="ko-KR" altLang="en-US"/>
-          </a:p>
-        </p:txBody>
-      </p:sp>
-      <p:sp>
-        <p:nvSpPr>
-          <p:cNvPr id="10" name="TextBox 9">
-            <a:extLst>
-              <a:ext uri="{FF2B5EF4-FFF2-40B4-BE49-F238E27FC236}">
-                <a16:creationId xmlns:a16="http://schemas.microsoft.com/office/drawing/2014/main" id="{A3C91097-51EC-C152-AC4D-7329557E4AB2}"/>
-              </a:ext>
-            </a:extLst>
-          </p:cNvPr>
-          <p:cNvSpPr txBox="1"/>
-          <p:nvPr/>
-        </p:nvSpPr>
-        <p:spPr>
-          <a:xfrm>
-            <a:off x="2771108" y="1573285"/>
-            <a:ext cx="3497612" cy="369332"/>
-          </a:xfrm>
-          <a:prstGeom prst="rect">
-            <a:avLst/>
-          </a:prstGeom>
-          <a:noFill/>
-        </p:spPr>
-        <p:txBody>
-          <a:bodyPr wrap="square" rtlCol="0">
-            <a:spAutoFit/>
-          </a:bodyPr>
-          <a:lstStyle/>
-          <a:p>
-            <a:r>
-              <a:rPr lang="en-US" altLang="ko-KR" dirty="0">
+        </p:grpSpPr>
+        <p:pic>
+          <p:nvPicPr>
+            <p:cNvPr id="3" name="그림 2">
+              <a:extLst>
+                <a:ext uri="{FF2B5EF4-FFF2-40B4-BE49-F238E27FC236}">
+                  <a16:creationId xmlns:a16="http://schemas.microsoft.com/office/drawing/2014/main" id="{B2EFABE2-D6E2-568E-C306-B594B9E66610}"/>
+                </a:ext>
+              </a:extLst>
+            </p:cNvPr>
+            <p:cNvPicPr>
+              <a:picLocks noChangeAspect="1"/>
+            </p:cNvPicPr>
+            <p:nvPr/>
+          </p:nvPicPr>
+          <p:blipFill>
+            <a:blip r:embed="rId2"/>
+            <a:stretch>
+              <a:fillRect/>
+            </a:stretch>
+          </p:blipFill>
+          <p:spPr>
+            <a:xfrm>
+              <a:off x="1775037" y="1434037"/>
+              <a:ext cx="8119434" cy="5208084"/>
+            </a:xfrm>
+            <a:prstGeom prst="rect">
+              <a:avLst/>
+            </a:prstGeom>
+          </p:spPr>
+        </p:pic>
+        <p:sp>
+          <p:nvSpPr>
+            <p:cNvPr id="5" name="직사각형 4">
+              <a:extLst>
+                <a:ext uri="{FF2B5EF4-FFF2-40B4-BE49-F238E27FC236}">
+                  <a16:creationId xmlns:a16="http://schemas.microsoft.com/office/drawing/2014/main" id="{1FB41B51-FDD6-BE63-BBF1-871F87D01A30}"/>
+                </a:ext>
+              </a:extLst>
+            </p:cNvPr>
+            <p:cNvSpPr/>
+            <p:nvPr/>
+          </p:nvSpPr>
+          <p:spPr>
+            <a:xfrm>
+              <a:off x="1956122" y="1562582"/>
+              <a:ext cx="7569843" cy="462988"/>
+            </a:xfrm>
+            <a:prstGeom prst="rect">
+              <a:avLst/>
+            </a:prstGeom>
+            <a:noFill/>
+            <a:ln>
+              <a:solidFill>
+                <a:srgbClr val="FF0000"/>
+              </a:solidFill>
+            </a:ln>
+          </p:spPr>
+          <p:style>
+            <a:lnRef idx="2">
+              <a:schemeClr val="accent1">
+                <a:shade val="15000"/>
+              </a:schemeClr>
+            </a:lnRef>
+            <a:fillRef idx="1">
+              <a:schemeClr val="accent1"/>
+            </a:fillRef>
+            <a:effectRef idx="0">
+              <a:schemeClr val="accent1"/>
+            </a:effectRef>
+            <a:fontRef idx="minor">
+              <a:schemeClr val="lt1"/>
+            </a:fontRef>
+          </p:style>
+          <p:txBody>
+            <a:bodyPr rtlCol="0" anchor="ctr"/>
+            <a:lstStyle/>
+            <a:p>
+              <a:pPr algn="ctr"/>
+              <a:endParaRPr lang="ko-KR" altLang="en-US"/>
+            </a:p>
+          </p:txBody>
+        </p:sp>
+        <p:sp>
+          <p:nvSpPr>
+            <p:cNvPr id="6" name="직사각형 5">
+              <a:extLst>
+                <a:ext uri="{FF2B5EF4-FFF2-40B4-BE49-F238E27FC236}">
+                  <a16:creationId xmlns:a16="http://schemas.microsoft.com/office/drawing/2014/main" id="{90908036-E3D6-CFBE-97B1-7AE43CA3552C}"/>
+                </a:ext>
+              </a:extLst>
+            </p:cNvPr>
+            <p:cNvSpPr/>
+            <p:nvPr/>
+          </p:nvSpPr>
+          <p:spPr>
+            <a:xfrm>
+              <a:off x="4363656" y="4062714"/>
+              <a:ext cx="5162309" cy="2176040"/>
+            </a:xfrm>
+            <a:prstGeom prst="rect">
+              <a:avLst/>
+            </a:prstGeom>
+            <a:noFill/>
+            <a:ln>
+              <a:solidFill>
+                <a:srgbClr val="FF0000"/>
+              </a:solidFill>
+            </a:ln>
+          </p:spPr>
+          <p:style>
+            <a:lnRef idx="2">
+              <a:schemeClr val="accent1">
+                <a:shade val="15000"/>
+              </a:schemeClr>
+            </a:lnRef>
+            <a:fillRef idx="1">
+              <a:schemeClr val="accent1"/>
+            </a:fillRef>
+            <a:effectRef idx="0">
+              <a:schemeClr val="accent1"/>
+            </a:effectRef>
+            <a:fontRef idx="minor">
+              <a:schemeClr val="lt1"/>
+            </a:fontRef>
+          </p:style>
+          <p:txBody>
+            <a:bodyPr rtlCol="0" anchor="ctr"/>
+            <a:lstStyle/>
+            <a:p>
+              <a:pPr algn="ctr"/>
+              <a:endParaRPr lang="ko-KR" altLang="en-US"/>
+            </a:p>
+          </p:txBody>
+        </p:sp>
+        <p:sp>
+          <p:nvSpPr>
+            <p:cNvPr id="7" name="직사각형 6">
+              <a:extLst>
+                <a:ext uri="{FF2B5EF4-FFF2-40B4-BE49-F238E27FC236}">
+                  <a16:creationId xmlns:a16="http://schemas.microsoft.com/office/drawing/2014/main" id="{9795944F-3520-CBFB-5952-6CC50171107C}"/>
+                </a:ext>
+              </a:extLst>
+            </p:cNvPr>
+            <p:cNvSpPr/>
+            <p:nvPr/>
+          </p:nvSpPr>
+          <p:spPr>
+            <a:xfrm>
+              <a:off x="1966757" y="2017852"/>
+              <a:ext cx="2396900" cy="4220902"/>
+            </a:xfrm>
+            <a:prstGeom prst="rect">
+              <a:avLst/>
+            </a:prstGeom>
+            <a:noFill/>
+            <a:ln>
+              <a:solidFill>
+                <a:srgbClr val="FF0000"/>
+              </a:solidFill>
+            </a:ln>
+          </p:spPr>
+          <p:style>
+            <a:lnRef idx="2">
+              <a:schemeClr val="accent1">
+                <a:shade val="15000"/>
+              </a:schemeClr>
+            </a:lnRef>
+            <a:fillRef idx="1">
+              <a:schemeClr val="accent1"/>
+            </a:fillRef>
+            <a:effectRef idx="0">
+              <a:schemeClr val="accent1"/>
+            </a:effectRef>
+            <a:fontRef idx="minor">
+              <a:schemeClr val="lt1"/>
+            </a:fontRef>
+          </p:style>
+          <p:txBody>
+            <a:bodyPr rtlCol="0" anchor="ctr"/>
+            <a:lstStyle/>
+            <a:p>
+              <a:pPr algn="ctr"/>
+              <a:endParaRPr lang="ko-KR" altLang="en-US"/>
+            </a:p>
+          </p:txBody>
+        </p:sp>
+        <p:sp>
+          <p:nvSpPr>
+            <p:cNvPr id="8" name="직사각형 7">
+              <a:extLst>
+                <a:ext uri="{FF2B5EF4-FFF2-40B4-BE49-F238E27FC236}">
+                  <a16:creationId xmlns:a16="http://schemas.microsoft.com/office/drawing/2014/main" id="{BFF6D30D-8CAA-279F-19BE-CE60E7FD11D9}"/>
+                </a:ext>
+              </a:extLst>
+            </p:cNvPr>
+            <p:cNvSpPr/>
+            <p:nvPr/>
+          </p:nvSpPr>
+          <p:spPr>
+            <a:xfrm>
+              <a:off x="4363655" y="2025570"/>
+              <a:ext cx="5162308" cy="2037144"/>
+            </a:xfrm>
+            <a:prstGeom prst="rect">
+              <a:avLst/>
+            </a:prstGeom>
+            <a:noFill/>
+            <a:ln>
+              <a:solidFill>
+                <a:srgbClr val="FF0000"/>
+              </a:solidFill>
+            </a:ln>
+          </p:spPr>
+          <p:style>
+            <a:lnRef idx="2">
+              <a:schemeClr val="accent1">
+                <a:shade val="15000"/>
+              </a:schemeClr>
+            </a:lnRef>
+            <a:fillRef idx="1">
+              <a:schemeClr val="accent1"/>
+            </a:fillRef>
+            <a:effectRef idx="0">
+              <a:schemeClr val="accent1"/>
+            </a:effectRef>
+            <a:fontRef idx="minor">
+              <a:schemeClr val="lt1"/>
+            </a:fontRef>
+          </p:style>
+          <p:txBody>
+            <a:bodyPr rtlCol="0" anchor="ctr"/>
+            <a:lstStyle/>
+            <a:p>
+              <a:pPr algn="ctr"/>
+              <a:endParaRPr lang="ko-KR" altLang="en-US"/>
+            </a:p>
+          </p:txBody>
+        </p:sp>
+        <p:sp>
+          <p:nvSpPr>
+            <p:cNvPr id="10" name="TextBox 9">
+              <a:extLst>
+                <a:ext uri="{FF2B5EF4-FFF2-40B4-BE49-F238E27FC236}">
+                  <a16:creationId xmlns:a16="http://schemas.microsoft.com/office/drawing/2014/main" id="{A3C91097-51EC-C152-AC4D-7329557E4AB2}"/>
+                </a:ext>
+              </a:extLst>
+            </p:cNvPr>
+            <p:cNvSpPr txBox="1"/>
+            <p:nvPr/>
+          </p:nvSpPr>
+          <p:spPr>
+            <a:xfrm>
+              <a:off x="2771108" y="1573285"/>
+              <a:ext cx="3497612" cy="369332"/>
+            </a:xfrm>
+            <a:prstGeom prst="rect">
+              <a:avLst/>
+            </a:prstGeom>
+            <a:noFill/>
+          </p:spPr>
+          <p:txBody>
+            <a:bodyPr wrap="square" rtlCol="0">
+              <a:spAutoFit/>
+            </a:bodyPr>
+            <a:lstStyle/>
+            <a:p>
+              <a:r>
+                <a:rPr lang="en-US" altLang="ko-KR" dirty="0">
+                  <a:solidFill>
+                    <a:srgbClr val="FF0000"/>
+                  </a:solidFill>
+                </a:rPr>
+                <a:t>&lt;div&gt; </a:t>
+              </a:r>
+              <a:r>
+                <a:rPr lang="ko-KR" altLang="en-US" dirty="0">
+                  <a:solidFill>
+                    <a:srgbClr val="FF0000"/>
+                  </a:solidFill>
+                </a:rPr>
+                <a:t>클래스명 </a:t>
+              </a:r>
+              <a:r>
+                <a:rPr lang="en-US" altLang="ko-KR" dirty="0">
+                  <a:solidFill>
+                    <a:srgbClr val="FF0000"/>
+                  </a:solidFill>
+                </a:rPr>
+                <a:t>curation--title</a:t>
+              </a:r>
+              <a:endParaRPr lang="ko-KR" altLang="en-US" dirty="0">
                 <a:solidFill>
                   <a:srgbClr val="FF0000"/>
                 </a:solidFill>
-              </a:rPr>
-              <a:t>&lt;div&gt; </a:t>
-            </a:r>
-            <a:r>
-              <a:rPr lang="ko-KR" altLang="en-US" dirty="0">
+              </a:endParaRPr>
+            </a:p>
+          </p:txBody>
+        </p:sp>
+        <p:sp>
+          <p:nvSpPr>
+            <p:cNvPr id="11" name="TextBox 10">
+              <a:extLst>
+                <a:ext uri="{FF2B5EF4-FFF2-40B4-BE49-F238E27FC236}">
+                  <a16:creationId xmlns:a16="http://schemas.microsoft.com/office/drawing/2014/main" id="{776AE5E1-DCD8-5D7D-3196-E933F38F2CC4}"/>
+                </a:ext>
+              </a:extLst>
+            </p:cNvPr>
+            <p:cNvSpPr txBox="1"/>
+            <p:nvPr/>
+          </p:nvSpPr>
+          <p:spPr>
+            <a:xfrm>
+              <a:off x="4839764" y="6238754"/>
+              <a:ext cx="4210091" cy="369332"/>
+            </a:xfrm>
+            <a:prstGeom prst="rect">
+              <a:avLst/>
+            </a:prstGeom>
+            <a:noFill/>
+          </p:spPr>
+          <p:txBody>
+            <a:bodyPr wrap="square" rtlCol="0">
+              <a:spAutoFit/>
+            </a:bodyPr>
+            <a:lstStyle/>
+            <a:p>
+              <a:r>
+                <a:rPr lang="en-US" altLang="ko-KR" dirty="0">
+                  <a:solidFill>
+                    <a:srgbClr val="FF0000"/>
+                  </a:solidFill>
+                </a:rPr>
+                <a:t>&lt;</a:t>
+              </a:r>
+              <a:r>
+                <a:rPr lang="en-US" altLang="ko-KR" dirty="0" err="1">
+                  <a:solidFill>
+                    <a:srgbClr val="FF0000"/>
+                  </a:solidFill>
+                </a:rPr>
+                <a:t>aritcle</a:t>
+              </a:r>
+              <a:r>
+                <a:rPr lang="en-US" altLang="ko-KR" dirty="0">
+                  <a:solidFill>
+                    <a:srgbClr val="FF0000"/>
+                  </a:solidFill>
+                </a:rPr>
+                <a:t>&gt; </a:t>
+              </a:r>
+              <a:r>
+                <a:rPr lang="ko-KR" altLang="en-US" dirty="0">
+                  <a:solidFill>
+                    <a:srgbClr val="FF0000"/>
+                  </a:solidFill>
+                </a:rPr>
+                <a:t>클래스명 </a:t>
+              </a:r>
+              <a:r>
+                <a:rPr lang="en-US" altLang="ko-KR" dirty="0">
+                  <a:solidFill>
+                    <a:srgbClr val="FF0000"/>
+                  </a:solidFill>
+                </a:rPr>
+                <a:t>curation--subfile</a:t>
+              </a:r>
+              <a:endParaRPr lang="ko-KR" altLang="en-US" dirty="0">
                 <a:solidFill>
                   <a:srgbClr val="FF0000"/>
                 </a:solidFill>
-              </a:rPr>
-              <a:t>클래스명 </a:t>
-            </a:r>
-            <a:r>
-              <a:rPr lang="en-US" altLang="ko-KR" dirty="0">
+              </a:endParaRPr>
+            </a:p>
+          </p:txBody>
+        </p:sp>
+        <p:sp>
+          <p:nvSpPr>
+            <p:cNvPr id="12" name="TextBox 11">
+              <a:extLst>
+                <a:ext uri="{FF2B5EF4-FFF2-40B4-BE49-F238E27FC236}">
+                  <a16:creationId xmlns:a16="http://schemas.microsoft.com/office/drawing/2014/main" id="{5680FC30-D707-B31B-05F2-46131168C9A0}"/>
+                </a:ext>
+              </a:extLst>
+            </p:cNvPr>
+            <p:cNvSpPr txBox="1"/>
+            <p:nvPr/>
+          </p:nvSpPr>
+          <p:spPr>
+            <a:xfrm>
+              <a:off x="387237" y="5460191"/>
+              <a:ext cx="3767320" cy="369332"/>
+            </a:xfrm>
+            <a:prstGeom prst="rect">
+              <a:avLst/>
+            </a:prstGeom>
+            <a:noFill/>
+          </p:spPr>
+          <p:txBody>
+            <a:bodyPr wrap="square" rtlCol="0">
+              <a:spAutoFit/>
+            </a:bodyPr>
+            <a:lstStyle/>
+            <a:p>
+              <a:r>
+                <a:rPr lang="en-US" altLang="ko-KR" dirty="0">
+                  <a:solidFill>
+                    <a:srgbClr val="FF0000"/>
+                  </a:solidFill>
+                </a:rPr>
+                <a:t>&lt;aside&gt; </a:t>
+              </a:r>
+              <a:r>
+                <a:rPr lang="ko-KR" altLang="en-US" dirty="0">
+                  <a:solidFill>
+                    <a:srgbClr val="FF0000"/>
+                  </a:solidFill>
+                </a:rPr>
+                <a:t>클래스명 </a:t>
+              </a:r>
+              <a:r>
+                <a:rPr lang="en-US" altLang="ko-KR" dirty="0">
+                  <a:solidFill>
+                    <a:srgbClr val="FF0000"/>
+                  </a:solidFill>
+                </a:rPr>
+                <a:t>curation--</a:t>
+              </a:r>
+              <a:r>
+                <a:rPr lang="en-US" altLang="ko-KR" dirty="0" err="1">
+                  <a:solidFill>
+                    <a:srgbClr val="FF0000"/>
+                  </a:solidFill>
+                </a:rPr>
+                <a:t>img</a:t>
+              </a:r>
+              <a:endParaRPr lang="ko-KR" altLang="en-US" dirty="0">
                 <a:solidFill>
                   <a:srgbClr val="FF0000"/>
                 </a:solidFill>
-              </a:rPr>
-              <a:t>curation--title</a:t>
-            </a:r>
-            <a:endParaRPr lang="ko-KR" altLang="en-US" dirty="0">
-              <a:solidFill>
-                <a:srgbClr val="FF0000"/>
-              </a:solidFill>
-            </a:endParaRPr>
-          </a:p>
-        </p:txBody>
-      </p:sp>
-      <p:sp>
-        <p:nvSpPr>
-          <p:cNvPr id="11" name="TextBox 10">
-            <a:extLst>
-              <a:ext uri="{FF2B5EF4-FFF2-40B4-BE49-F238E27FC236}">
-                <a16:creationId xmlns:a16="http://schemas.microsoft.com/office/drawing/2014/main" id="{776AE5E1-DCD8-5D7D-3196-E933F38F2CC4}"/>
-              </a:ext>
-            </a:extLst>
-          </p:cNvPr>
-          <p:cNvSpPr txBox="1"/>
-          <p:nvPr/>
-        </p:nvSpPr>
-        <p:spPr>
-          <a:xfrm>
-            <a:off x="4839764" y="6238754"/>
-            <a:ext cx="4210091" cy="369332"/>
-          </a:xfrm>
-          <a:prstGeom prst="rect">
-            <a:avLst/>
-          </a:prstGeom>
-          <a:noFill/>
-        </p:spPr>
-        <p:txBody>
-          <a:bodyPr wrap="square" rtlCol="0">
-            <a:spAutoFit/>
-          </a:bodyPr>
-          <a:lstStyle/>
-          <a:p>
-            <a:r>
-              <a:rPr lang="en-US" altLang="ko-KR" dirty="0">
+              </a:endParaRPr>
+            </a:p>
+          </p:txBody>
+        </p:sp>
+        <p:sp>
+          <p:nvSpPr>
+            <p:cNvPr id="13" name="TextBox 12">
+              <a:extLst>
+                <a:ext uri="{FF2B5EF4-FFF2-40B4-BE49-F238E27FC236}">
+                  <a16:creationId xmlns:a16="http://schemas.microsoft.com/office/drawing/2014/main" id="{E972AE08-EBAB-888E-207C-80824C93F74A}"/>
+                </a:ext>
+              </a:extLst>
+            </p:cNvPr>
+            <p:cNvSpPr txBox="1"/>
+            <p:nvPr/>
+          </p:nvSpPr>
+          <p:spPr>
+            <a:xfrm>
+              <a:off x="5455610" y="2314858"/>
+              <a:ext cx="4070353" cy="369332"/>
+            </a:xfrm>
+            <a:prstGeom prst="rect">
+              <a:avLst/>
+            </a:prstGeom>
+            <a:noFill/>
+          </p:spPr>
+          <p:txBody>
+            <a:bodyPr wrap="square" rtlCol="0">
+              <a:spAutoFit/>
+            </a:bodyPr>
+            <a:lstStyle/>
+            <a:p>
+              <a:r>
+                <a:rPr lang="en-US" altLang="ko-KR" dirty="0">
+                  <a:solidFill>
+                    <a:srgbClr val="FF0000"/>
+                  </a:solidFill>
+                </a:rPr>
+                <a:t>&lt;div&gt; </a:t>
+              </a:r>
+              <a:r>
+                <a:rPr lang="ko-KR" altLang="en-US" dirty="0">
+                  <a:solidFill>
+                    <a:srgbClr val="FF0000"/>
+                  </a:solidFill>
+                </a:rPr>
+                <a:t>클래스명 </a:t>
+              </a:r>
+              <a:r>
+                <a:rPr lang="en-US" altLang="ko-KR" dirty="0">
+                  <a:solidFill>
+                    <a:srgbClr val="FF0000"/>
+                  </a:solidFill>
+                </a:rPr>
+                <a:t>curation--</a:t>
+              </a:r>
+              <a:r>
+                <a:rPr lang="en-US" altLang="ko-KR" dirty="0" err="1">
+                  <a:solidFill>
+                    <a:srgbClr val="FF0000"/>
+                  </a:solidFill>
+                </a:rPr>
+                <a:t>fileInfo</a:t>
+              </a:r>
+              <a:endParaRPr lang="ko-KR" altLang="en-US" dirty="0">
                 <a:solidFill>
                   <a:srgbClr val="FF0000"/>
                 </a:solidFill>
-              </a:rPr>
-              <a:t>&lt;</a:t>
-            </a:r>
-            <a:r>
-              <a:rPr lang="en-US" altLang="ko-KR" dirty="0" err="1">
-                <a:solidFill>
-                  <a:srgbClr val="FF0000"/>
-                </a:solidFill>
-              </a:rPr>
-              <a:t>aritcle</a:t>
-            </a:r>
-            <a:r>
-              <a:rPr lang="en-US" altLang="ko-KR" dirty="0">
-                <a:solidFill>
-                  <a:srgbClr val="FF0000"/>
-                </a:solidFill>
-              </a:rPr>
-              <a:t>&gt; </a:t>
-            </a:r>
-            <a:r>
-              <a:rPr lang="ko-KR" altLang="en-US" dirty="0">
-                <a:solidFill>
-                  <a:srgbClr val="FF0000"/>
-                </a:solidFill>
-              </a:rPr>
-              <a:t>클래스명 </a:t>
-            </a:r>
-            <a:r>
-              <a:rPr lang="en-US" altLang="ko-KR" dirty="0">
-                <a:solidFill>
-                  <a:srgbClr val="FF0000"/>
-                </a:solidFill>
-              </a:rPr>
-              <a:t>curation--subfile</a:t>
-            </a:r>
-            <a:endParaRPr lang="ko-KR" altLang="en-US" dirty="0">
-              <a:solidFill>
-                <a:srgbClr val="FF0000"/>
-              </a:solidFill>
-            </a:endParaRPr>
-          </a:p>
-        </p:txBody>
-      </p:sp>
-      <p:sp>
-        <p:nvSpPr>
-          <p:cNvPr id="12" name="TextBox 11">
-            <a:extLst>
-              <a:ext uri="{FF2B5EF4-FFF2-40B4-BE49-F238E27FC236}">
-                <a16:creationId xmlns:a16="http://schemas.microsoft.com/office/drawing/2014/main" id="{5680FC30-D707-B31B-05F2-46131168C9A0}"/>
-              </a:ext>
-            </a:extLst>
-          </p:cNvPr>
-          <p:cNvSpPr txBox="1"/>
-          <p:nvPr/>
-        </p:nvSpPr>
-        <p:spPr>
-          <a:xfrm>
-            <a:off x="387237" y="5460191"/>
-            <a:ext cx="3767320" cy="369332"/>
-          </a:xfrm>
-          <a:prstGeom prst="rect">
-            <a:avLst/>
-          </a:prstGeom>
-          <a:noFill/>
-        </p:spPr>
-        <p:txBody>
-          <a:bodyPr wrap="square" rtlCol="0">
-            <a:spAutoFit/>
-          </a:bodyPr>
-          <a:lstStyle/>
-          <a:p>
-            <a:r>
-              <a:rPr lang="en-US" altLang="ko-KR" dirty="0">
-                <a:solidFill>
-                  <a:srgbClr val="FF0000"/>
-                </a:solidFill>
-              </a:rPr>
-              <a:t>&lt;aside&gt; </a:t>
-            </a:r>
-            <a:r>
-              <a:rPr lang="ko-KR" altLang="en-US" dirty="0">
-                <a:solidFill>
-                  <a:srgbClr val="FF0000"/>
-                </a:solidFill>
-              </a:rPr>
-              <a:t>클래스명 </a:t>
-            </a:r>
-            <a:r>
-              <a:rPr lang="en-US" altLang="ko-KR" dirty="0">
-                <a:solidFill>
-                  <a:srgbClr val="FF0000"/>
-                </a:solidFill>
-              </a:rPr>
-              <a:t>curation--</a:t>
-            </a:r>
-            <a:r>
-              <a:rPr lang="en-US" altLang="ko-KR" dirty="0" err="1">
-                <a:solidFill>
-                  <a:srgbClr val="FF0000"/>
-                </a:solidFill>
-              </a:rPr>
-              <a:t>img</a:t>
-            </a:r>
-            <a:endParaRPr lang="ko-KR" altLang="en-US" dirty="0">
-              <a:solidFill>
-                <a:srgbClr val="FF0000"/>
-              </a:solidFill>
-            </a:endParaRPr>
-          </a:p>
-        </p:txBody>
-      </p:sp>
-      <p:sp>
-        <p:nvSpPr>
-          <p:cNvPr id="13" name="TextBox 12">
-            <a:extLst>
-              <a:ext uri="{FF2B5EF4-FFF2-40B4-BE49-F238E27FC236}">
-                <a16:creationId xmlns:a16="http://schemas.microsoft.com/office/drawing/2014/main" id="{E972AE08-EBAB-888E-207C-80824C93F74A}"/>
-              </a:ext>
-            </a:extLst>
-          </p:cNvPr>
-          <p:cNvSpPr txBox="1"/>
-          <p:nvPr/>
-        </p:nvSpPr>
-        <p:spPr>
-          <a:xfrm>
-            <a:off x="5455610" y="2314858"/>
-            <a:ext cx="4070353" cy="369332"/>
-          </a:xfrm>
-          <a:prstGeom prst="rect">
-            <a:avLst/>
-          </a:prstGeom>
-          <a:noFill/>
-        </p:spPr>
-        <p:txBody>
-          <a:bodyPr wrap="square" rtlCol="0">
-            <a:spAutoFit/>
-          </a:bodyPr>
-          <a:lstStyle/>
-          <a:p>
-            <a:r>
-              <a:rPr lang="en-US" altLang="ko-KR" dirty="0">
-                <a:solidFill>
-                  <a:srgbClr val="FF0000"/>
-                </a:solidFill>
-              </a:rPr>
-              <a:t>&lt;div&gt; </a:t>
-            </a:r>
-            <a:r>
-              <a:rPr lang="ko-KR" altLang="en-US" dirty="0">
-                <a:solidFill>
-                  <a:srgbClr val="FF0000"/>
-                </a:solidFill>
-              </a:rPr>
-              <a:t>클래스명 </a:t>
-            </a:r>
-            <a:r>
-              <a:rPr lang="en-US" altLang="ko-KR" dirty="0">
-                <a:solidFill>
-                  <a:srgbClr val="FF0000"/>
-                </a:solidFill>
-              </a:rPr>
-              <a:t>curation--</a:t>
-            </a:r>
-            <a:r>
-              <a:rPr lang="en-US" altLang="ko-KR" dirty="0" err="1">
-                <a:solidFill>
-                  <a:srgbClr val="FF0000"/>
-                </a:solidFill>
-              </a:rPr>
-              <a:t>fileInfo</a:t>
-            </a:r>
-            <a:endParaRPr lang="ko-KR" altLang="en-US" dirty="0">
-              <a:solidFill>
-                <a:srgbClr val="FF0000"/>
-              </a:solidFill>
-            </a:endParaRPr>
-          </a:p>
-        </p:txBody>
-      </p:sp>
+              </a:endParaRPr>
+            </a:p>
+          </p:txBody>
+        </p:sp>
+      </p:grpSp>
     </p:spTree>
     <p:extLst>
       <p:ext uri="{BB962C8B-B14F-4D97-AF65-F5344CB8AC3E}">
@@ -6050,6 +7531,13 @@
   <p:clrMapOvr>
     <a:masterClrMapping/>
   </p:clrMapOvr>
+  <p:timing>
+    <p:tnLst>
+      <p:par>
+        <p:cTn id="1" dur="indefinite" restart="never" nodeType="tmRoot"/>
+      </p:par>
+    </p:tnLst>
+  </p:timing>
 </p:sld>
 </file>
 
@@ -6070,36 +7558,6 @@
           <a:chExt cx="0" cy="0"/>
         </a:xfrm>
       </p:grpSpPr>
-      <p:pic>
-        <p:nvPicPr>
-          <p:cNvPr id="3" name="그림 2">
-            <a:extLst>
-              <a:ext uri="{FF2B5EF4-FFF2-40B4-BE49-F238E27FC236}">
-                <a16:creationId xmlns:a16="http://schemas.microsoft.com/office/drawing/2014/main" id="{4EE6CD48-0F75-3548-D41D-456B68576225}"/>
-              </a:ext>
-            </a:extLst>
-          </p:cNvPr>
-          <p:cNvPicPr>
-            <a:picLocks noChangeAspect="1"/>
-          </p:cNvPicPr>
-          <p:nvPr/>
-        </p:nvPicPr>
-        <p:blipFill>
-          <a:blip r:embed="rId2"/>
-          <a:stretch>
-            <a:fillRect/>
-          </a:stretch>
-        </p:blipFill>
-        <p:spPr>
-          <a:xfrm>
-            <a:off x="1618315" y="1862168"/>
-            <a:ext cx="8955369" cy="4159824"/>
-          </a:xfrm>
-          <a:prstGeom prst="rect">
-            <a:avLst/>
-          </a:prstGeom>
-        </p:spPr>
-      </p:pic>
       <p:sp>
         <p:nvSpPr>
           <p:cNvPr id="4" name="제목 3">
@@ -6153,486 +7611,531 @@
           </a:p>
         </p:txBody>
       </p:sp>
-      <p:sp>
-        <p:nvSpPr>
-          <p:cNvPr id="5" name="직사각형 4">
-            <a:extLst>
-              <a:ext uri="{FF2B5EF4-FFF2-40B4-BE49-F238E27FC236}">
-                <a16:creationId xmlns:a16="http://schemas.microsoft.com/office/drawing/2014/main" id="{378B76A3-F5A9-F972-8A8B-3640005D614D}"/>
-              </a:ext>
-            </a:extLst>
-          </p:cNvPr>
-          <p:cNvSpPr/>
+      <p:grpSp>
+        <p:nvGrpSpPr>
+          <p:cNvPr id="2" name="그룹 1"/>
+          <p:cNvGrpSpPr/>
           <p:nvPr/>
-        </p:nvSpPr>
-        <p:spPr>
+        </p:nvGrpSpPr>
+        <p:grpSpPr>
           <a:xfrm>
-            <a:off x="1889760" y="1781856"/>
-            <a:ext cx="8554720" cy="577717"/>
+            <a:off x="1618315" y="1781856"/>
+            <a:ext cx="8955369" cy="4240136"/>
+            <a:chOff x="1618315" y="1781856"/>
+            <a:chExt cx="8955369" cy="4240136"/>
           </a:xfrm>
-          <a:prstGeom prst="rect">
-            <a:avLst/>
-          </a:prstGeom>
-          <a:noFill/>
-          <a:ln>
-            <a:solidFill>
-              <a:srgbClr val="FF0000"/>
-            </a:solidFill>
-          </a:ln>
-        </p:spPr>
-        <p:style>
-          <a:lnRef idx="2">
-            <a:schemeClr val="accent1">
-              <a:shade val="15000"/>
-            </a:schemeClr>
-          </a:lnRef>
-          <a:fillRef idx="1">
-            <a:schemeClr val="accent1"/>
-          </a:fillRef>
-          <a:effectRef idx="0">
-            <a:schemeClr val="accent1"/>
-          </a:effectRef>
-          <a:fontRef idx="minor">
-            <a:schemeClr val="lt1"/>
-          </a:fontRef>
-        </p:style>
-        <p:txBody>
-          <a:bodyPr rtlCol="0" anchor="ctr"/>
-          <a:lstStyle/>
-          <a:p>
-            <a:pPr algn="ctr"/>
-            <a:endParaRPr lang="ko-KR" altLang="en-US"/>
-          </a:p>
-        </p:txBody>
-      </p:sp>
-      <p:sp>
-        <p:nvSpPr>
-          <p:cNvPr id="6" name="직사각형 5">
-            <a:extLst>
-              <a:ext uri="{FF2B5EF4-FFF2-40B4-BE49-F238E27FC236}">
-                <a16:creationId xmlns:a16="http://schemas.microsoft.com/office/drawing/2014/main" id="{39D0D65E-C8E7-4F1A-03A3-AD2077E7E961}"/>
-              </a:ext>
-            </a:extLst>
-          </p:cNvPr>
-          <p:cNvSpPr/>
-          <p:nvPr/>
-        </p:nvSpPr>
-        <p:spPr>
-          <a:xfrm>
-            <a:off x="1889760" y="2338203"/>
-            <a:ext cx="8554720" cy="1723414"/>
-          </a:xfrm>
-          <a:prstGeom prst="rect">
-            <a:avLst/>
-          </a:prstGeom>
-          <a:noFill/>
-          <a:ln>
-            <a:solidFill>
-              <a:srgbClr val="FF0000"/>
-            </a:solidFill>
-          </a:ln>
-        </p:spPr>
-        <p:style>
-          <a:lnRef idx="2">
-            <a:schemeClr val="accent1">
-              <a:shade val="15000"/>
-            </a:schemeClr>
-          </a:lnRef>
-          <a:fillRef idx="1">
-            <a:schemeClr val="accent1"/>
-          </a:fillRef>
-          <a:effectRef idx="0">
-            <a:schemeClr val="accent1"/>
-          </a:effectRef>
-          <a:fontRef idx="minor">
-            <a:schemeClr val="lt1"/>
-          </a:fontRef>
-        </p:style>
-        <p:txBody>
-          <a:bodyPr rtlCol="0" anchor="ctr"/>
-          <a:lstStyle/>
-          <a:p>
-            <a:pPr algn="ctr"/>
-            <a:endParaRPr lang="ko-KR" altLang="en-US"/>
-          </a:p>
-        </p:txBody>
-      </p:sp>
-      <p:sp>
-        <p:nvSpPr>
-          <p:cNvPr id="7" name="직사각형 6">
-            <a:extLst>
-              <a:ext uri="{FF2B5EF4-FFF2-40B4-BE49-F238E27FC236}">
-                <a16:creationId xmlns:a16="http://schemas.microsoft.com/office/drawing/2014/main" id="{A3B56BC2-9DC8-2255-D0B1-7A95D712AEA4}"/>
-              </a:ext>
-            </a:extLst>
-          </p:cNvPr>
-          <p:cNvSpPr/>
-          <p:nvPr/>
-        </p:nvSpPr>
-        <p:spPr>
-          <a:xfrm>
-            <a:off x="1889760" y="4644523"/>
-            <a:ext cx="8554720" cy="1024757"/>
-          </a:xfrm>
-          <a:prstGeom prst="rect">
-            <a:avLst/>
-          </a:prstGeom>
-          <a:noFill/>
-          <a:ln>
-            <a:solidFill>
-              <a:srgbClr val="FF0000"/>
-            </a:solidFill>
-          </a:ln>
-        </p:spPr>
-        <p:style>
-          <a:lnRef idx="2">
-            <a:schemeClr val="accent1">
-              <a:shade val="15000"/>
-            </a:schemeClr>
-          </a:lnRef>
-          <a:fillRef idx="1">
-            <a:schemeClr val="accent1"/>
-          </a:fillRef>
-          <a:effectRef idx="0">
-            <a:schemeClr val="accent1"/>
-          </a:effectRef>
-          <a:fontRef idx="minor">
-            <a:schemeClr val="lt1"/>
-          </a:fontRef>
-        </p:style>
-        <p:txBody>
-          <a:bodyPr rtlCol="0" anchor="ctr"/>
-          <a:lstStyle/>
-          <a:p>
-            <a:pPr algn="ctr"/>
-            <a:endParaRPr lang="ko-KR" altLang="en-US"/>
-          </a:p>
-        </p:txBody>
-      </p:sp>
-      <p:sp>
-        <p:nvSpPr>
-          <p:cNvPr id="8" name="직사각형 7">
-            <a:extLst>
-              <a:ext uri="{FF2B5EF4-FFF2-40B4-BE49-F238E27FC236}">
-                <a16:creationId xmlns:a16="http://schemas.microsoft.com/office/drawing/2014/main" id="{B50D727C-24F8-BCFC-1994-21EF023CA6B0}"/>
-              </a:ext>
-            </a:extLst>
-          </p:cNvPr>
-          <p:cNvSpPr/>
-          <p:nvPr/>
-        </p:nvSpPr>
-        <p:spPr>
-          <a:xfrm>
-            <a:off x="1889760" y="4076700"/>
-            <a:ext cx="8554720" cy="567823"/>
-          </a:xfrm>
-          <a:prstGeom prst="rect">
-            <a:avLst/>
-          </a:prstGeom>
-          <a:noFill/>
-          <a:ln>
-            <a:solidFill>
-              <a:srgbClr val="FF0000"/>
-            </a:solidFill>
-          </a:ln>
-        </p:spPr>
-        <p:style>
-          <a:lnRef idx="2">
-            <a:schemeClr val="accent1">
-              <a:shade val="15000"/>
-            </a:schemeClr>
-          </a:lnRef>
-          <a:fillRef idx="1">
-            <a:schemeClr val="accent1"/>
-          </a:fillRef>
-          <a:effectRef idx="0">
-            <a:schemeClr val="accent1"/>
-          </a:effectRef>
-          <a:fontRef idx="minor">
-            <a:schemeClr val="lt1"/>
-          </a:fontRef>
-        </p:style>
-        <p:txBody>
-          <a:bodyPr rtlCol="0" anchor="ctr"/>
-          <a:lstStyle/>
-          <a:p>
-            <a:pPr algn="ctr"/>
-            <a:endParaRPr lang="ko-KR" altLang="en-US"/>
-          </a:p>
-        </p:txBody>
-      </p:sp>
-      <p:sp>
-        <p:nvSpPr>
-          <p:cNvPr id="9" name="TextBox 8">
-            <a:extLst>
-              <a:ext uri="{FF2B5EF4-FFF2-40B4-BE49-F238E27FC236}">
-                <a16:creationId xmlns:a16="http://schemas.microsoft.com/office/drawing/2014/main" id="{6BE7149B-5F12-98BF-29E5-19995A2065E1}"/>
-              </a:ext>
-            </a:extLst>
-          </p:cNvPr>
-          <p:cNvSpPr txBox="1"/>
-          <p:nvPr/>
-        </p:nvSpPr>
-        <p:spPr>
-          <a:xfrm>
-            <a:off x="3993646" y="1953336"/>
-            <a:ext cx="4429760" cy="369332"/>
-          </a:xfrm>
-          <a:prstGeom prst="rect">
-            <a:avLst/>
-          </a:prstGeom>
-          <a:noFill/>
-        </p:spPr>
-        <p:txBody>
-          <a:bodyPr wrap="square" rtlCol="0">
-            <a:spAutoFit/>
-          </a:bodyPr>
-          <a:lstStyle/>
-          <a:p>
-            <a:r>
-              <a:rPr lang="en-US" altLang="ko-KR" dirty="0">
+        </p:grpSpPr>
+        <p:pic>
+          <p:nvPicPr>
+            <p:cNvPr id="3" name="그림 2">
+              <a:extLst>
+                <a:ext uri="{FF2B5EF4-FFF2-40B4-BE49-F238E27FC236}">
+                  <a16:creationId xmlns:a16="http://schemas.microsoft.com/office/drawing/2014/main" id="{4EE6CD48-0F75-3548-D41D-456B68576225}"/>
+                </a:ext>
+              </a:extLst>
+            </p:cNvPr>
+            <p:cNvPicPr>
+              <a:picLocks noChangeAspect="1"/>
+            </p:cNvPicPr>
+            <p:nvPr/>
+          </p:nvPicPr>
+          <p:blipFill>
+            <a:blip r:embed="rId2"/>
+            <a:stretch>
+              <a:fillRect/>
+            </a:stretch>
+          </p:blipFill>
+          <p:spPr>
+            <a:xfrm>
+              <a:off x="1618315" y="1862168"/>
+              <a:ext cx="8955369" cy="4159824"/>
+            </a:xfrm>
+            <a:prstGeom prst="rect">
+              <a:avLst/>
+            </a:prstGeom>
+          </p:spPr>
+        </p:pic>
+        <p:sp>
+          <p:nvSpPr>
+            <p:cNvPr id="5" name="직사각형 4">
+              <a:extLst>
+                <a:ext uri="{FF2B5EF4-FFF2-40B4-BE49-F238E27FC236}">
+                  <a16:creationId xmlns:a16="http://schemas.microsoft.com/office/drawing/2014/main" id="{378B76A3-F5A9-F972-8A8B-3640005D614D}"/>
+                </a:ext>
+              </a:extLst>
+            </p:cNvPr>
+            <p:cNvSpPr/>
+            <p:nvPr/>
+          </p:nvSpPr>
+          <p:spPr>
+            <a:xfrm>
+              <a:off x="1889760" y="1781856"/>
+              <a:ext cx="8554720" cy="577717"/>
+            </a:xfrm>
+            <a:prstGeom prst="rect">
+              <a:avLst/>
+            </a:prstGeom>
+            <a:noFill/>
+            <a:ln>
+              <a:solidFill>
+                <a:srgbClr val="FF0000"/>
+              </a:solidFill>
+            </a:ln>
+          </p:spPr>
+          <p:style>
+            <a:lnRef idx="2">
+              <a:schemeClr val="accent1">
+                <a:shade val="15000"/>
+              </a:schemeClr>
+            </a:lnRef>
+            <a:fillRef idx="1">
+              <a:schemeClr val="accent1"/>
+            </a:fillRef>
+            <a:effectRef idx="0">
+              <a:schemeClr val="accent1"/>
+            </a:effectRef>
+            <a:fontRef idx="minor">
+              <a:schemeClr val="lt1"/>
+            </a:fontRef>
+          </p:style>
+          <p:txBody>
+            <a:bodyPr rtlCol="0" anchor="ctr"/>
+            <a:lstStyle/>
+            <a:p>
+              <a:pPr algn="ctr"/>
+              <a:endParaRPr lang="ko-KR" altLang="en-US"/>
+            </a:p>
+          </p:txBody>
+        </p:sp>
+        <p:sp>
+          <p:nvSpPr>
+            <p:cNvPr id="6" name="직사각형 5">
+              <a:extLst>
+                <a:ext uri="{FF2B5EF4-FFF2-40B4-BE49-F238E27FC236}">
+                  <a16:creationId xmlns:a16="http://schemas.microsoft.com/office/drawing/2014/main" id="{39D0D65E-C8E7-4F1A-03A3-AD2077E7E961}"/>
+                </a:ext>
+              </a:extLst>
+            </p:cNvPr>
+            <p:cNvSpPr/>
+            <p:nvPr/>
+          </p:nvSpPr>
+          <p:spPr>
+            <a:xfrm>
+              <a:off x="1889760" y="2338203"/>
+              <a:ext cx="8554720" cy="1723414"/>
+            </a:xfrm>
+            <a:prstGeom prst="rect">
+              <a:avLst/>
+            </a:prstGeom>
+            <a:noFill/>
+            <a:ln>
+              <a:solidFill>
+                <a:srgbClr val="FF0000"/>
+              </a:solidFill>
+            </a:ln>
+          </p:spPr>
+          <p:style>
+            <a:lnRef idx="2">
+              <a:schemeClr val="accent1">
+                <a:shade val="15000"/>
+              </a:schemeClr>
+            </a:lnRef>
+            <a:fillRef idx="1">
+              <a:schemeClr val="accent1"/>
+            </a:fillRef>
+            <a:effectRef idx="0">
+              <a:schemeClr val="accent1"/>
+            </a:effectRef>
+            <a:fontRef idx="minor">
+              <a:schemeClr val="lt1"/>
+            </a:fontRef>
+          </p:style>
+          <p:txBody>
+            <a:bodyPr rtlCol="0" anchor="ctr"/>
+            <a:lstStyle/>
+            <a:p>
+              <a:pPr algn="ctr"/>
+              <a:endParaRPr lang="ko-KR" altLang="en-US"/>
+            </a:p>
+          </p:txBody>
+        </p:sp>
+        <p:sp>
+          <p:nvSpPr>
+            <p:cNvPr id="7" name="직사각형 6">
+              <a:extLst>
+                <a:ext uri="{FF2B5EF4-FFF2-40B4-BE49-F238E27FC236}">
+                  <a16:creationId xmlns:a16="http://schemas.microsoft.com/office/drawing/2014/main" id="{A3B56BC2-9DC8-2255-D0B1-7A95D712AEA4}"/>
+                </a:ext>
+              </a:extLst>
+            </p:cNvPr>
+            <p:cNvSpPr/>
+            <p:nvPr/>
+          </p:nvSpPr>
+          <p:spPr>
+            <a:xfrm>
+              <a:off x="1889760" y="4644523"/>
+              <a:ext cx="8554720" cy="1024757"/>
+            </a:xfrm>
+            <a:prstGeom prst="rect">
+              <a:avLst/>
+            </a:prstGeom>
+            <a:noFill/>
+            <a:ln>
+              <a:solidFill>
+                <a:srgbClr val="FF0000"/>
+              </a:solidFill>
+            </a:ln>
+          </p:spPr>
+          <p:style>
+            <a:lnRef idx="2">
+              <a:schemeClr val="accent1">
+                <a:shade val="15000"/>
+              </a:schemeClr>
+            </a:lnRef>
+            <a:fillRef idx="1">
+              <a:schemeClr val="accent1"/>
+            </a:fillRef>
+            <a:effectRef idx="0">
+              <a:schemeClr val="accent1"/>
+            </a:effectRef>
+            <a:fontRef idx="minor">
+              <a:schemeClr val="lt1"/>
+            </a:fontRef>
+          </p:style>
+          <p:txBody>
+            <a:bodyPr rtlCol="0" anchor="ctr"/>
+            <a:lstStyle/>
+            <a:p>
+              <a:pPr algn="ctr"/>
+              <a:endParaRPr lang="ko-KR" altLang="en-US"/>
+            </a:p>
+          </p:txBody>
+        </p:sp>
+        <p:sp>
+          <p:nvSpPr>
+            <p:cNvPr id="8" name="직사각형 7">
+              <a:extLst>
+                <a:ext uri="{FF2B5EF4-FFF2-40B4-BE49-F238E27FC236}">
+                  <a16:creationId xmlns:a16="http://schemas.microsoft.com/office/drawing/2014/main" id="{B50D727C-24F8-BCFC-1994-21EF023CA6B0}"/>
+                </a:ext>
+              </a:extLst>
+            </p:cNvPr>
+            <p:cNvSpPr/>
+            <p:nvPr/>
+          </p:nvSpPr>
+          <p:spPr>
+            <a:xfrm>
+              <a:off x="1889760" y="4076700"/>
+              <a:ext cx="8554720" cy="567823"/>
+            </a:xfrm>
+            <a:prstGeom prst="rect">
+              <a:avLst/>
+            </a:prstGeom>
+            <a:noFill/>
+            <a:ln>
+              <a:solidFill>
+                <a:srgbClr val="FF0000"/>
+              </a:solidFill>
+            </a:ln>
+          </p:spPr>
+          <p:style>
+            <a:lnRef idx="2">
+              <a:schemeClr val="accent1">
+                <a:shade val="15000"/>
+              </a:schemeClr>
+            </a:lnRef>
+            <a:fillRef idx="1">
+              <a:schemeClr val="accent1"/>
+            </a:fillRef>
+            <a:effectRef idx="0">
+              <a:schemeClr val="accent1"/>
+            </a:effectRef>
+            <a:fontRef idx="minor">
+              <a:schemeClr val="lt1"/>
+            </a:fontRef>
+          </p:style>
+          <p:txBody>
+            <a:bodyPr rtlCol="0" anchor="ctr"/>
+            <a:lstStyle/>
+            <a:p>
+              <a:pPr algn="ctr"/>
+              <a:endParaRPr lang="ko-KR" altLang="en-US"/>
+            </a:p>
+          </p:txBody>
+        </p:sp>
+        <p:sp>
+          <p:nvSpPr>
+            <p:cNvPr id="9" name="TextBox 8">
+              <a:extLst>
+                <a:ext uri="{FF2B5EF4-FFF2-40B4-BE49-F238E27FC236}">
+                  <a16:creationId xmlns:a16="http://schemas.microsoft.com/office/drawing/2014/main" id="{6BE7149B-5F12-98BF-29E5-19995A2065E1}"/>
+                </a:ext>
+              </a:extLst>
+            </p:cNvPr>
+            <p:cNvSpPr txBox="1"/>
+            <p:nvPr/>
+          </p:nvSpPr>
+          <p:spPr>
+            <a:xfrm>
+              <a:off x="3993646" y="1953336"/>
+              <a:ext cx="4429760" cy="369332"/>
+            </a:xfrm>
+            <a:prstGeom prst="rect">
+              <a:avLst/>
+            </a:prstGeom>
+            <a:noFill/>
+          </p:spPr>
+          <p:txBody>
+            <a:bodyPr wrap="square" rtlCol="0">
+              <a:spAutoFit/>
+            </a:bodyPr>
+            <a:lstStyle/>
+            <a:p>
+              <a:r>
+                <a:rPr lang="en-US" altLang="ko-KR" dirty="0">
+                  <a:solidFill>
+                    <a:srgbClr val="FF0000"/>
+                  </a:solidFill>
+                </a:rPr>
+                <a:t>&lt;div&gt; </a:t>
+              </a:r>
+              <a:r>
+                <a:rPr lang="ko-KR" altLang="en-US" dirty="0">
+                  <a:solidFill>
+                    <a:srgbClr val="FF0000"/>
+                  </a:solidFill>
+                </a:rPr>
+                <a:t>클래스명 </a:t>
+              </a:r>
+              <a:r>
+                <a:rPr lang="en-US" altLang="ko-KR" dirty="0" err="1">
+                  <a:solidFill>
+                    <a:srgbClr val="FF0000"/>
+                  </a:solidFill>
+                </a:rPr>
+                <a:t>megaInfo</a:t>
+              </a:r>
+              <a:r>
+                <a:rPr lang="en-US" altLang="ko-KR" dirty="0">
+                  <a:solidFill>
+                    <a:srgbClr val="FF0000"/>
+                  </a:solidFill>
+                </a:rPr>
+                <a:t>-title</a:t>
+              </a:r>
+              <a:endParaRPr lang="ko-KR" altLang="en-US" dirty="0">
                 <a:solidFill>
                   <a:srgbClr val="FF0000"/>
                 </a:solidFill>
-              </a:rPr>
-              <a:t>&lt;div&gt; </a:t>
-            </a:r>
-            <a:r>
-              <a:rPr lang="ko-KR" altLang="en-US" dirty="0">
+              </a:endParaRPr>
+            </a:p>
+          </p:txBody>
+        </p:sp>
+        <p:sp>
+          <p:nvSpPr>
+            <p:cNvPr id="10" name="TextBox 9">
+              <a:extLst>
+                <a:ext uri="{FF2B5EF4-FFF2-40B4-BE49-F238E27FC236}">
+                  <a16:creationId xmlns:a16="http://schemas.microsoft.com/office/drawing/2014/main" id="{807E4383-1E39-8EA1-B6C6-83641F3BB6A5}"/>
+                </a:ext>
+              </a:extLst>
+            </p:cNvPr>
+            <p:cNvSpPr txBox="1"/>
+            <p:nvPr/>
+          </p:nvSpPr>
+          <p:spPr>
+            <a:xfrm>
+              <a:off x="4237486" y="5346966"/>
+              <a:ext cx="4429760" cy="369332"/>
+            </a:xfrm>
+            <a:prstGeom prst="rect">
+              <a:avLst/>
+            </a:prstGeom>
+            <a:noFill/>
+          </p:spPr>
+          <p:txBody>
+            <a:bodyPr wrap="square" rtlCol="0">
+              <a:spAutoFit/>
+            </a:bodyPr>
+            <a:lstStyle/>
+            <a:p>
+              <a:r>
+                <a:rPr lang="en-US" altLang="ko-KR" dirty="0">
+                  <a:solidFill>
+                    <a:srgbClr val="FF0000"/>
+                  </a:solidFill>
+                </a:rPr>
+                <a:t>&lt;nav&gt; </a:t>
+              </a:r>
+              <a:r>
+                <a:rPr lang="ko-KR" altLang="en-US" dirty="0">
+                  <a:solidFill>
+                    <a:srgbClr val="FF0000"/>
+                  </a:solidFill>
+                </a:rPr>
+                <a:t>클래스명 </a:t>
+              </a:r>
+              <a:r>
+                <a:rPr lang="en-US" altLang="ko-KR" dirty="0" err="1">
+                  <a:solidFill>
+                    <a:srgbClr val="FF0000"/>
+                  </a:solidFill>
+                </a:rPr>
+                <a:t>megaInfo</a:t>
+              </a:r>
+              <a:r>
+                <a:rPr lang="en-US" altLang="ko-KR" dirty="0">
+                  <a:solidFill>
+                    <a:srgbClr val="FF0000"/>
+                  </a:solidFill>
+                </a:rPr>
+                <a:t>-CS</a:t>
+              </a:r>
+              <a:endParaRPr lang="ko-KR" altLang="en-US" dirty="0">
                 <a:solidFill>
                   <a:srgbClr val="FF0000"/>
                 </a:solidFill>
-              </a:rPr>
-              <a:t>클래스명 </a:t>
-            </a:r>
-            <a:r>
-              <a:rPr lang="en-US" altLang="ko-KR" dirty="0" err="1">
+              </a:endParaRPr>
+            </a:p>
+          </p:txBody>
+        </p:sp>
+        <p:sp>
+          <p:nvSpPr>
+            <p:cNvPr id="11" name="TextBox 10">
+              <a:extLst>
+                <a:ext uri="{FF2B5EF4-FFF2-40B4-BE49-F238E27FC236}">
+                  <a16:creationId xmlns:a16="http://schemas.microsoft.com/office/drawing/2014/main" id="{8A78FAF3-BE01-BD37-F3E9-3E953816F997}"/>
+                </a:ext>
+              </a:extLst>
+            </p:cNvPr>
+            <p:cNvSpPr txBox="1"/>
+            <p:nvPr/>
+          </p:nvSpPr>
+          <p:spPr>
+            <a:xfrm>
+              <a:off x="4237486" y="4108635"/>
+              <a:ext cx="4429760" cy="369332"/>
+            </a:xfrm>
+            <a:prstGeom prst="rect">
+              <a:avLst/>
+            </a:prstGeom>
+            <a:noFill/>
+          </p:spPr>
+          <p:txBody>
+            <a:bodyPr wrap="square" rtlCol="0">
+              <a:spAutoFit/>
+            </a:bodyPr>
+            <a:lstStyle/>
+            <a:p>
+              <a:r>
+                <a:rPr lang="en-US" altLang="ko-KR" dirty="0">
+                  <a:solidFill>
+                    <a:srgbClr val="FF0000"/>
+                  </a:solidFill>
+                </a:rPr>
+                <a:t>&lt;div&gt; </a:t>
+              </a:r>
+              <a:r>
+                <a:rPr lang="ko-KR" altLang="en-US" dirty="0">
+                  <a:solidFill>
+                    <a:srgbClr val="FF0000"/>
+                  </a:solidFill>
+                </a:rPr>
+                <a:t>클래스명 </a:t>
+              </a:r>
+              <a:r>
+                <a:rPr lang="en-US" altLang="ko-KR" dirty="0" err="1">
+                  <a:solidFill>
+                    <a:srgbClr val="FF0000"/>
+                  </a:solidFill>
+                </a:rPr>
+                <a:t>megaInfo</a:t>
+              </a:r>
+              <a:r>
+                <a:rPr lang="en-US" altLang="ko-KR" dirty="0">
+                  <a:solidFill>
+                    <a:srgbClr val="FF0000"/>
+                  </a:solidFill>
+                </a:rPr>
+                <a:t>-notification</a:t>
+              </a:r>
+              <a:endParaRPr lang="ko-KR" altLang="en-US" dirty="0">
                 <a:solidFill>
                   <a:srgbClr val="FF0000"/>
                 </a:solidFill>
-              </a:rPr>
-              <a:t>megaInfo</a:t>
-            </a:r>
-            <a:r>
-              <a:rPr lang="en-US" altLang="ko-KR" dirty="0">
+              </a:endParaRPr>
+            </a:p>
+          </p:txBody>
+        </p:sp>
+        <p:sp>
+          <p:nvSpPr>
+            <p:cNvPr id="12" name="TextBox 11">
+              <a:extLst>
+                <a:ext uri="{FF2B5EF4-FFF2-40B4-BE49-F238E27FC236}">
+                  <a16:creationId xmlns:a16="http://schemas.microsoft.com/office/drawing/2014/main" id="{0C16483E-8242-96FC-EDE9-D9D83FDD006A}"/>
+                </a:ext>
+              </a:extLst>
+            </p:cNvPr>
+            <p:cNvSpPr txBox="1"/>
+            <p:nvPr/>
+          </p:nvSpPr>
+          <p:spPr>
+            <a:xfrm>
+              <a:off x="3952240" y="3715794"/>
+              <a:ext cx="4429760" cy="369332"/>
+            </a:xfrm>
+            <a:prstGeom prst="rect">
+              <a:avLst/>
+            </a:prstGeom>
+            <a:noFill/>
+          </p:spPr>
+          <p:txBody>
+            <a:bodyPr wrap="square" rtlCol="0">
+              <a:spAutoFit/>
+            </a:bodyPr>
+            <a:lstStyle/>
+            <a:p>
+              <a:r>
+                <a:rPr lang="en-US" altLang="ko-KR" dirty="0">
+                  <a:solidFill>
+                    <a:srgbClr val="FF0000"/>
+                  </a:solidFill>
+                </a:rPr>
+                <a:t>&lt;section&gt; </a:t>
+              </a:r>
+              <a:r>
+                <a:rPr lang="ko-KR" altLang="en-US" dirty="0">
+                  <a:solidFill>
+                    <a:srgbClr val="FF0000"/>
+                  </a:solidFill>
+                </a:rPr>
+                <a:t>클래스명 </a:t>
+              </a:r>
+              <a:r>
+                <a:rPr lang="en-US" altLang="ko-KR" dirty="0" err="1">
+                  <a:solidFill>
+                    <a:srgbClr val="FF0000"/>
+                  </a:solidFill>
+                </a:rPr>
+                <a:t>megaInfo</a:t>
+              </a:r>
+              <a:r>
+                <a:rPr lang="en-US" altLang="ko-KR" dirty="0">
+                  <a:solidFill>
+                    <a:srgbClr val="FF0000"/>
+                  </a:solidFill>
+                </a:rPr>
+                <a:t>-ad</a:t>
+              </a:r>
+              <a:endParaRPr lang="ko-KR" altLang="en-US" dirty="0">
                 <a:solidFill>
                   <a:srgbClr val="FF0000"/>
                 </a:solidFill>
-              </a:rPr>
-              <a:t>-title</a:t>
-            </a:r>
-            <a:endParaRPr lang="ko-KR" altLang="en-US" dirty="0">
-              <a:solidFill>
-                <a:srgbClr val="FF0000"/>
-              </a:solidFill>
-            </a:endParaRPr>
-          </a:p>
-        </p:txBody>
-      </p:sp>
-      <p:sp>
-        <p:nvSpPr>
-          <p:cNvPr id="10" name="TextBox 9">
-            <a:extLst>
-              <a:ext uri="{FF2B5EF4-FFF2-40B4-BE49-F238E27FC236}">
-                <a16:creationId xmlns:a16="http://schemas.microsoft.com/office/drawing/2014/main" id="{807E4383-1E39-8EA1-B6C6-83641F3BB6A5}"/>
-              </a:ext>
-            </a:extLst>
-          </p:cNvPr>
-          <p:cNvSpPr txBox="1"/>
-          <p:nvPr/>
-        </p:nvSpPr>
-        <p:spPr>
-          <a:xfrm>
-            <a:off x="4237486" y="5346966"/>
-            <a:ext cx="4429760" cy="369332"/>
-          </a:xfrm>
-          <a:prstGeom prst="rect">
-            <a:avLst/>
-          </a:prstGeom>
-          <a:noFill/>
-        </p:spPr>
-        <p:txBody>
-          <a:bodyPr wrap="square" rtlCol="0">
-            <a:spAutoFit/>
-          </a:bodyPr>
-          <a:lstStyle/>
-          <a:p>
-            <a:r>
-              <a:rPr lang="en-US" altLang="ko-KR" dirty="0">
-                <a:solidFill>
-                  <a:srgbClr val="FF0000"/>
-                </a:solidFill>
-              </a:rPr>
-              <a:t>&lt;nav&gt; </a:t>
-            </a:r>
-            <a:r>
-              <a:rPr lang="ko-KR" altLang="en-US" dirty="0">
-                <a:solidFill>
-                  <a:srgbClr val="FF0000"/>
-                </a:solidFill>
-              </a:rPr>
-              <a:t>클래스명 </a:t>
-            </a:r>
-            <a:r>
-              <a:rPr lang="en-US" altLang="ko-KR" dirty="0" err="1">
-                <a:solidFill>
-                  <a:srgbClr val="FF0000"/>
-                </a:solidFill>
-              </a:rPr>
-              <a:t>megaInfo</a:t>
-            </a:r>
-            <a:r>
-              <a:rPr lang="en-US" altLang="ko-KR" dirty="0">
-                <a:solidFill>
-                  <a:srgbClr val="FF0000"/>
-                </a:solidFill>
-              </a:rPr>
-              <a:t>-CS</a:t>
-            </a:r>
-            <a:endParaRPr lang="ko-KR" altLang="en-US" dirty="0">
-              <a:solidFill>
-                <a:srgbClr val="FF0000"/>
-              </a:solidFill>
-            </a:endParaRPr>
-          </a:p>
-        </p:txBody>
-      </p:sp>
-      <p:sp>
-        <p:nvSpPr>
-          <p:cNvPr id="11" name="TextBox 10">
-            <a:extLst>
-              <a:ext uri="{FF2B5EF4-FFF2-40B4-BE49-F238E27FC236}">
-                <a16:creationId xmlns:a16="http://schemas.microsoft.com/office/drawing/2014/main" id="{8A78FAF3-BE01-BD37-F3E9-3E953816F997}"/>
-              </a:ext>
-            </a:extLst>
-          </p:cNvPr>
-          <p:cNvSpPr txBox="1"/>
-          <p:nvPr/>
-        </p:nvSpPr>
-        <p:spPr>
-          <a:xfrm>
-            <a:off x="4237486" y="4108635"/>
-            <a:ext cx="4429760" cy="369332"/>
-          </a:xfrm>
-          <a:prstGeom prst="rect">
-            <a:avLst/>
-          </a:prstGeom>
-          <a:noFill/>
-        </p:spPr>
-        <p:txBody>
-          <a:bodyPr wrap="square" rtlCol="0">
-            <a:spAutoFit/>
-          </a:bodyPr>
-          <a:lstStyle/>
-          <a:p>
-            <a:r>
-              <a:rPr lang="en-US" altLang="ko-KR" dirty="0">
-                <a:solidFill>
-                  <a:srgbClr val="FF0000"/>
-                </a:solidFill>
-              </a:rPr>
-              <a:t>&lt;div&gt; </a:t>
-            </a:r>
-            <a:r>
-              <a:rPr lang="ko-KR" altLang="en-US" dirty="0">
-                <a:solidFill>
-                  <a:srgbClr val="FF0000"/>
-                </a:solidFill>
-              </a:rPr>
-              <a:t>클래스명 </a:t>
-            </a:r>
-            <a:r>
-              <a:rPr lang="en-US" altLang="ko-KR" dirty="0" err="1">
-                <a:solidFill>
-                  <a:srgbClr val="FF0000"/>
-                </a:solidFill>
-              </a:rPr>
-              <a:t>megaInfo</a:t>
-            </a:r>
-            <a:r>
-              <a:rPr lang="en-US" altLang="ko-KR" dirty="0">
-                <a:solidFill>
-                  <a:srgbClr val="FF0000"/>
-                </a:solidFill>
-              </a:rPr>
-              <a:t>-notification</a:t>
-            </a:r>
-            <a:endParaRPr lang="ko-KR" altLang="en-US" dirty="0">
-              <a:solidFill>
-                <a:srgbClr val="FF0000"/>
-              </a:solidFill>
-            </a:endParaRPr>
-          </a:p>
-        </p:txBody>
-      </p:sp>
-      <p:sp>
-        <p:nvSpPr>
-          <p:cNvPr id="12" name="TextBox 11">
-            <a:extLst>
-              <a:ext uri="{FF2B5EF4-FFF2-40B4-BE49-F238E27FC236}">
-                <a16:creationId xmlns:a16="http://schemas.microsoft.com/office/drawing/2014/main" id="{0C16483E-8242-96FC-EDE9-D9D83FDD006A}"/>
-              </a:ext>
-            </a:extLst>
-          </p:cNvPr>
-          <p:cNvSpPr txBox="1"/>
-          <p:nvPr/>
-        </p:nvSpPr>
-        <p:spPr>
-          <a:xfrm>
-            <a:off x="3952240" y="3715794"/>
-            <a:ext cx="4429760" cy="369332"/>
-          </a:xfrm>
-          <a:prstGeom prst="rect">
-            <a:avLst/>
-          </a:prstGeom>
-          <a:noFill/>
-        </p:spPr>
-        <p:txBody>
-          <a:bodyPr wrap="square" rtlCol="0">
-            <a:spAutoFit/>
-          </a:bodyPr>
-          <a:lstStyle/>
-          <a:p>
-            <a:r>
-              <a:rPr lang="en-US" altLang="ko-KR" dirty="0">
-                <a:solidFill>
-                  <a:srgbClr val="FF0000"/>
-                </a:solidFill>
-              </a:rPr>
-              <a:t>&lt;section&gt; </a:t>
-            </a:r>
-            <a:r>
-              <a:rPr lang="ko-KR" altLang="en-US" dirty="0">
-                <a:solidFill>
-                  <a:srgbClr val="FF0000"/>
-                </a:solidFill>
-              </a:rPr>
-              <a:t>클래스명 </a:t>
-            </a:r>
-            <a:r>
-              <a:rPr lang="en-US" altLang="ko-KR" dirty="0" err="1">
-                <a:solidFill>
-                  <a:srgbClr val="FF0000"/>
-                </a:solidFill>
-              </a:rPr>
-              <a:t>megaInfo</a:t>
-            </a:r>
-            <a:r>
-              <a:rPr lang="en-US" altLang="ko-KR" dirty="0">
-                <a:solidFill>
-                  <a:srgbClr val="FF0000"/>
-                </a:solidFill>
-              </a:rPr>
-              <a:t>-ad</a:t>
-            </a:r>
-            <a:endParaRPr lang="ko-KR" altLang="en-US" dirty="0">
-              <a:solidFill>
-                <a:srgbClr val="FF0000"/>
-              </a:solidFill>
-            </a:endParaRPr>
-          </a:p>
-        </p:txBody>
-      </p:sp>
+              </a:endParaRPr>
+            </a:p>
+          </p:txBody>
+        </p:sp>
+      </p:grpSp>
     </p:spTree>
     <p:extLst>
       <p:ext uri="{BB962C8B-B14F-4D97-AF65-F5344CB8AC3E}">
@@ -6663,36 +8166,6 @@
           <a:chExt cx="0" cy="0"/>
         </a:xfrm>
       </p:grpSpPr>
-      <p:pic>
-        <p:nvPicPr>
-          <p:cNvPr id="3" name="그림 2">
-            <a:extLst>
-              <a:ext uri="{FF2B5EF4-FFF2-40B4-BE49-F238E27FC236}">
-                <a16:creationId xmlns:a16="http://schemas.microsoft.com/office/drawing/2014/main" id="{50767B62-01AE-FAE4-62B1-D85157DA08D4}"/>
-              </a:ext>
-            </a:extLst>
-          </p:cNvPr>
-          <p:cNvPicPr>
-            <a:picLocks noChangeAspect="1"/>
-          </p:cNvPicPr>
-          <p:nvPr/>
-        </p:nvPicPr>
-        <p:blipFill>
-          <a:blip r:embed="rId2"/>
-          <a:stretch>
-            <a:fillRect/>
-          </a:stretch>
-        </p:blipFill>
-        <p:spPr>
-          <a:xfrm>
-            <a:off x="318281" y="2557341"/>
-            <a:ext cx="11555438" cy="1743318"/>
-          </a:xfrm>
-          <a:prstGeom prst="rect">
-            <a:avLst/>
-          </a:prstGeom>
-        </p:spPr>
-      </p:pic>
       <p:sp>
         <p:nvSpPr>
           <p:cNvPr id="4" name="제목 3">
@@ -6746,388 +8219,433 @@
           </a:p>
         </p:txBody>
       </p:sp>
-      <p:sp>
-        <p:nvSpPr>
-          <p:cNvPr id="5" name="직사각형 4">
-            <a:extLst>
-              <a:ext uri="{FF2B5EF4-FFF2-40B4-BE49-F238E27FC236}">
-                <a16:creationId xmlns:a16="http://schemas.microsoft.com/office/drawing/2014/main" id="{6CFBF79E-27C5-10ED-74E2-A541F85D1792}"/>
-              </a:ext>
-            </a:extLst>
-          </p:cNvPr>
-          <p:cNvSpPr/>
+      <p:grpSp>
+        <p:nvGrpSpPr>
+          <p:cNvPr id="2" name="그룹 1"/>
+          <p:cNvGrpSpPr/>
           <p:nvPr/>
-        </p:nvSpPr>
-        <p:spPr>
+        </p:nvGrpSpPr>
+        <p:grpSpPr>
           <a:xfrm>
-            <a:off x="568960" y="2638621"/>
-            <a:ext cx="9235440" cy="571939"/>
+            <a:off x="318281" y="1709518"/>
+            <a:ext cx="11811197" cy="2855968"/>
+            <a:chOff x="318281" y="1709518"/>
+            <a:chExt cx="11811197" cy="2855968"/>
           </a:xfrm>
-          <a:prstGeom prst="rect">
-            <a:avLst/>
-          </a:prstGeom>
-          <a:noFill/>
-          <a:ln>
-            <a:solidFill>
-              <a:srgbClr val="FF0000"/>
-            </a:solidFill>
-          </a:ln>
-        </p:spPr>
-        <p:style>
-          <a:lnRef idx="2">
-            <a:schemeClr val="accent1">
-              <a:shade val="15000"/>
-            </a:schemeClr>
-          </a:lnRef>
-          <a:fillRef idx="1">
-            <a:schemeClr val="accent1"/>
-          </a:fillRef>
-          <a:effectRef idx="0">
-            <a:schemeClr val="accent1"/>
-          </a:effectRef>
-          <a:fontRef idx="minor">
-            <a:schemeClr val="lt1"/>
-          </a:fontRef>
-        </p:style>
-        <p:txBody>
-          <a:bodyPr rtlCol="0" anchor="ctr"/>
-          <a:lstStyle/>
-          <a:p>
-            <a:pPr algn="ctr"/>
-            <a:endParaRPr lang="ko-KR" altLang="en-US"/>
-          </a:p>
-        </p:txBody>
-      </p:sp>
-      <p:sp>
-        <p:nvSpPr>
-          <p:cNvPr id="6" name="직사각형 5">
-            <a:extLst>
-              <a:ext uri="{FF2B5EF4-FFF2-40B4-BE49-F238E27FC236}">
-                <a16:creationId xmlns:a16="http://schemas.microsoft.com/office/drawing/2014/main" id="{4CD236E4-5D11-3C16-3B48-B078B03CEFFF}"/>
-              </a:ext>
-            </a:extLst>
-          </p:cNvPr>
-          <p:cNvSpPr/>
-          <p:nvPr/>
-        </p:nvSpPr>
-        <p:spPr>
-          <a:xfrm>
-            <a:off x="9804400" y="2657451"/>
-            <a:ext cx="1798320" cy="571939"/>
-          </a:xfrm>
-          <a:prstGeom prst="rect">
-            <a:avLst/>
-          </a:prstGeom>
-          <a:noFill/>
-          <a:ln>
-            <a:solidFill>
-              <a:srgbClr val="FF0000"/>
-            </a:solidFill>
-          </a:ln>
-        </p:spPr>
-        <p:style>
-          <a:lnRef idx="2">
-            <a:schemeClr val="accent1">
-              <a:shade val="15000"/>
-            </a:schemeClr>
-          </a:lnRef>
-          <a:fillRef idx="1">
-            <a:schemeClr val="accent1"/>
-          </a:fillRef>
-          <a:effectRef idx="0">
-            <a:schemeClr val="accent1"/>
-          </a:effectRef>
-          <a:fontRef idx="minor">
-            <a:schemeClr val="lt1"/>
-          </a:fontRef>
-        </p:style>
-        <p:txBody>
-          <a:bodyPr rtlCol="0" anchor="ctr"/>
-          <a:lstStyle/>
-          <a:p>
-            <a:pPr algn="ctr"/>
-            <a:endParaRPr lang="ko-KR" altLang="en-US"/>
-          </a:p>
-        </p:txBody>
-      </p:sp>
-      <p:sp>
-        <p:nvSpPr>
-          <p:cNvPr id="7" name="직사각형 6">
-            <a:extLst>
-              <a:ext uri="{FF2B5EF4-FFF2-40B4-BE49-F238E27FC236}">
-                <a16:creationId xmlns:a16="http://schemas.microsoft.com/office/drawing/2014/main" id="{D7CF826B-8221-1089-09C4-F77B7A70A79C}"/>
-              </a:ext>
-            </a:extLst>
-          </p:cNvPr>
-          <p:cNvSpPr/>
-          <p:nvPr/>
-        </p:nvSpPr>
-        <p:spPr>
-          <a:xfrm>
-            <a:off x="568960" y="3229390"/>
-            <a:ext cx="11033760" cy="847823"/>
-          </a:xfrm>
-          <a:prstGeom prst="rect">
-            <a:avLst/>
-          </a:prstGeom>
-          <a:noFill/>
-          <a:ln>
-            <a:solidFill>
-              <a:srgbClr val="FF0000"/>
-            </a:solidFill>
-          </a:ln>
-        </p:spPr>
-        <p:style>
-          <a:lnRef idx="2">
-            <a:schemeClr val="accent1">
-              <a:shade val="15000"/>
-            </a:schemeClr>
-          </a:lnRef>
-          <a:fillRef idx="1">
-            <a:schemeClr val="accent1"/>
-          </a:fillRef>
-          <a:effectRef idx="0">
-            <a:schemeClr val="accent1"/>
-          </a:effectRef>
-          <a:fontRef idx="minor">
-            <a:schemeClr val="lt1"/>
-          </a:fontRef>
-        </p:style>
-        <p:txBody>
-          <a:bodyPr rtlCol="0" anchor="ctr"/>
-          <a:lstStyle/>
-          <a:p>
-            <a:pPr algn="ctr"/>
-            <a:endParaRPr lang="ko-KR" altLang="en-US"/>
-          </a:p>
-        </p:txBody>
-      </p:sp>
-      <p:sp>
-        <p:nvSpPr>
-          <p:cNvPr id="8" name="TextBox 7">
-            <a:extLst>
-              <a:ext uri="{FF2B5EF4-FFF2-40B4-BE49-F238E27FC236}">
-                <a16:creationId xmlns:a16="http://schemas.microsoft.com/office/drawing/2014/main" id="{73520A26-A34D-DDBB-649B-1E2BA01F477E}"/>
-              </a:ext>
-            </a:extLst>
-          </p:cNvPr>
-          <p:cNvSpPr txBox="1"/>
-          <p:nvPr/>
-        </p:nvSpPr>
-        <p:spPr>
-          <a:xfrm>
-            <a:off x="1574800" y="2153920"/>
-            <a:ext cx="6065520" cy="369332"/>
-          </a:xfrm>
-          <a:prstGeom prst="rect">
-            <a:avLst/>
-          </a:prstGeom>
-          <a:noFill/>
-        </p:spPr>
-        <p:txBody>
-          <a:bodyPr wrap="square" rtlCol="0">
-            <a:spAutoFit/>
-          </a:bodyPr>
-          <a:lstStyle/>
-          <a:p>
-            <a:r>
-              <a:rPr lang="en-US" altLang="ko-KR" dirty="0">
+        </p:grpSpPr>
+        <p:pic>
+          <p:nvPicPr>
+            <p:cNvPr id="3" name="그림 2">
+              <a:extLst>
+                <a:ext uri="{FF2B5EF4-FFF2-40B4-BE49-F238E27FC236}">
+                  <a16:creationId xmlns:a16="http://schemas.microsoft.com/office/drawing/2014/main" id="{50767B62-01AE-FAE4-62B1-D85157DA08D4}"/>
+                </a:ext>
+              </a:extLst>
+            </p:cNvPr>
+            <p:cNvPicPr>
+              <a:picLocks noChangeAspect="1"/>
+            </p:cNvPicPr>
+            <p:nvPr/>
+          </p:nvPicPr>
+          <p:blipFill>
+            <a:blip r:embed="rId2"/>
+            <a:stretch>
+              <a:fillRect/>
+            </a:stretch>
+          </p:blipFill>
+          <p:spPr>
+            <a:xfrm>
+              <a:off x="318281" y="2557341"/>
+              <a:ext cx="11555438" cy="1743318"/>
+            </a:xfrm>
+            <a:prstGeom prst="rect">
+              <a:avLst/>
+            </a:prstGeom>
+          </p:spPr>
+        </p:pic>
+        <p:sp>
+          <p:nvSpPr>
+            <p:cNvPr id="5" name="직사각형 4">
+              <a:extLst>
+                <a:ext uri="{FF2B5EF4-FFF2-40B4-BE49-F238E27FC236}">
+                  <a16:creationId xmlns:a16="http://schemas.microsoft.com/office/drawing/2014/main" id="{6CFBF79E-27C5-10ED-74E2-A541F85D1792}"/>
+                </a:ext>
+              </a:extLst>
+            </p:cNvPr>
+            <p:cNvSpPr/>
+            <p:nvPr/>
+          </p:nvSpPr>
+          <p:spPr>
+            <a:xfrm>
+              <a:off x="568960" y="2638621"/>
+              <a:ext cx="9235440" cy="571939"/>
+            </a:xfrm>
+            <a:prstGeom prst="rect">
+              <a:avLst/>
+            </a:prstGeom>
+            <a:noFill/>
+            <a:ln>
+              <a:solidFill>
+                <a:srgbClr val="FF0000"/>
+              </a:solidFill>
+            </a:ln>
+          </p:spPr>
+          <p:style>
+            <a:lnRef idx="2">
+              <a:schemeClr val="accent1">
+                <a:shade val="15000"/>
+              </a:schemeClr>
+            </a:lnRef>
+            <a:fillRef idx="1">
+              <a:schemeClr val="accent1"/>
+            </a:fillRef>
+            <a:effectRef idx="0">
+              <a:schemeClr val="accent1"/>
+            </a:effectRef>
+            <a:fontRef idx="minor">
+              <a:schemeClr val="lt1"/>
+            </a:fontRef>
+          </p:style>
+          <p:txBody>
+            <a:bodyPr rtlCol="0" anchor="ctr"/>
+            <a:lstStyle/>
+            <a:p>
+              <a:pPr algn="ctr"/>
+              <a:endParaRPr lang="ko-KR" altLang="en-US"/>
+            </a:p>
+          </p:txBody>
+        </p:sp>
+        <p:sp>
+          <p:nvSpPr>
+            <p:cNvPr id="6" name="직사각형 5">
+              <a:extLst>
+                <a:ext uri="{FF2B5EF4-FFF2-40B4-BE49-F238E27FC236}">
+                  <a16:creationId xmlns:a16="http://schemas.microsoft.com/office/drawing/2014/main" id="{4CD236E4-5D11-3C16-3B48-B078B03CEFFF}"/>
+                </a:ext>
+              </a:extLst>
+            </p:cNvPr>
+            <p:cNvSpPr/>
+            <p:nvPr/>
+          </p:nvSpPr>
+          <p:spPr>
+            <a:xfrm>
+              <a:off x="9804400" y="2657451"/>
+              <a:ext cx="1798320" cy="571939"/>
+            </a:xfrm>
+            <a:prstGeom prst="rect">
+              <a:avLst/>
+            </a:prstGeom>
+            <a:noFill/>
+            <a:ln>
+              <a:solidFill>
+                <a:srgbClr val="FF0000"/>
+              </a:solidFill>
+            </a:ln>
+          </p:spPr>
+          <p:style>
+            <a:lnRef idx="2">
+              <a:schemeClr val="accent1">
+                <a:shade val="15000"/>
+              </a:schemeClr>
+            </a:lnRef>
+            <a:fillRef idx="1">
+              <a:schemeClr val="accent1"/>
+            </a:fillRef>
+            <a:effectRef idx="0">
+              <a:schemeClr val="accent1"/>
+            </a:effectRef>
+            <a:fontRef idx="minor">
+              <a:schemeClr val="lt1"/>
+            </a:fontRef>
+          </p:style>
+          <p:txBody>
+            <a:bodyPr rtlCol="0" anchor="ctr"/>
+            <a:lstStyle/>
+            <a:p>
+              <a:pPr algn="ctr"/>
+              <a:endParaRPr lang="ko-KR" altLang="en-US"/>
+            </a:p>
+          </p:txBody>
+        </p:sp>
+        <p:sp>
+          <p:nvSpPr>
+            <p:cNvPr id="7" name="직사각형 6">
+              <a:extLst>
+                <a:ext uri="{FF2B5EF4-FFF2-40B4-BE49-F238E27FC236}">
+                  <a16:creationId xmlns:a16="http://schemas.microsoft.com/office/drawing/2014/main" id="{D7CF826B-8221-1089-09C4-F77B7A70A79C}"/>
+                </a:ext>
+              </a:extLst>
+            </p:cNvPr>
+            <p:cNvSpPr/>
+            <p:nvPr/>
+          </p:nvSpPr>
+          <p:spPr>
+            <a:xfrm>
+              <a:off x="568960" y="3229390"/>
+              <a:ext cx="11033760" cy="847823"/>
+            </a:xfrm>
+            <a:prstGeom prst="rect">
+              <a:avLst/>
+            </a:prstGeom>
+            <a:noFill/>
+            <a:ln>
+              <a:solidFill>
+                <a:srgbClr val="FF0000"/>
+              </a:solidFill>
+            </a:ln>
+          </p:spPr>
+          <p:style>
+            <a:lnRef idx="2">
+              <a:schemeClr val="accent1">
+                <a:shade val="15000"/>
+              </a:schemeClr>
+            </a:lnRef>
+            <a:fillRef idx="1">
+              <a:schemeClr val="accent1"/>
+            </a:fillRef>
+            <a:effectRef idx="0">
+              <a:schemeClr val="accent1"/>
+            </a:effectRef>
+            <a:fontRef idx="minor">
+              <a:schemeClr val="lt1"/>
+            </a:fontRef>
+          </p:style>
+          <p:txBody>
+            <a:bodyPr rtlCol="0" anchor="ctr"/>
+            <a:lstStyle/>
+            <a:p>
+              <a:pPr algn="ctr"/>
+              <a:endParaRPr lang="ko-KR" altLang="en-US"/>
+            </a:p>
+          </p:txBody>
+        </p:sp>
+        <p:sp>
+          <p:nvSpPr>
+            <p:cNvPr id="8" name="TextBox 7">
+              <a:extLst>
+                <a:ext uri="{FF2B5EF4-FFF2-40B4-BE49-F238E27FC236}">
+                  <a16:creationId xmlns:a16="http://schemas.microsoft.com/office/drawing/2014/main" id="{73520A26-A34D-DDBB-649B-1E2BA01F477E}"/>
+                </a:ext>
+              </a:extLst>
+            </p:cNvPr>
+            <p:cNvSpPr txBox="1"/>
+            <p:nvPr/>
+          </p:nvSpPr>
+          <p:spPr>
+            <a:xfrm>
+              <a:off x="1574800" y="2153920"/>
+              <a:ext cx="6065520" cy="369332"/>
+            </a:xfrm>
+            <a:prstGeom prst="rect">
+              <a:avLst/>
+            </a:prstGeom>
+            <a:noFill/>
+          </p:spPr>
+          <p:txBody>
+            <a:bodyPr wrap="square" rtlCol="0">
+              <a:spAutoFit/>
+            </a:bodyPr>
+            <a:lstStyle/>
+            <a:p>
+              <a:r>
+                <a:rPr lang="en-US" altLang="ko-KR" dirty="0">
+                  <a:solidFill>
+                    <a:srgbClr val="FF0000"/>
+                  </a:solidFill>
+                </a:rPr>
+                <a:t>&lt;nav&gt; </a:t>
+              </a:r>
+              <a:r>
+                <a:rPr lang="ko-KR" altLang="en-US" dirty="0">
+                  <a:solidFill>
+                    <a:srgbClr val="FF0000"/>
+                  </a:solidFill>
+                </a:rPr>
+                <a:t>클래스명 </a:t>
+              </a:r>
+              <a:r>
+                <a:rPr lang="en-US" altLang="ko-KR" dirty="0">
+                  <a:solidFill>
+                    <a:srgbClr val="FF0000"/>
+                  </a:solidFill>
+                </a:rPr>
+                <a:t>footer -</a:t>
+              </a:r>
+              <a:r>
+                <a:rPr lang="en-US" altLang="ko-KR" dirty="0" err="1">
+                  <a:solidFill>
+                    <a:srgbClr val="FF0000"/>
+                  </a:solidFill>
+                </a:rPr>
+                <a:t>aboutUs</a:t>
+              </a:r>
+              <a:endParaRPr lang="ko-KR" altLang="en-US" dirty="0">
                 <a:solidFill>
                   <a:srgbClr val="FF0000"/>
                 </a:solidFill>
-              </a:rPr>
-              <a:t>&lt;nav&gt; </a:t>
-            </a:r>
-            <a:r>
-              <a:rPr lang="ko-KR" altLang="en-US" dirty="0">
+              </a:endParaRPr>
+            </a:p>
+          </p:txBody>
+        </p:sp>
+        <p:sp>
+          <p:nvSpPr>
+            <p:cNvPr id="9" name="TextBox 8">
+              <a:extLst>
+                <a:ext uri="{FF2B5EF4-FFF2-40B4-BE49-F238E27FC236}">
+                  <a16:creationId xmlns:a16="http://schemas.microsoft.com/office/drawing/2014/main" id="{DB555286-96C9-5554-CB8E-8260E3BDDCE9}"/>
+                </a:ext>
+              </a:extLst>
+            </p:cNvPr>
+            <p:cNvSpPr txBox="1"/>
+            <p:nvPr/>
+          </p:nvSpPr>
+          <p:spPr>
+            <a:xfrm>
+              <a:off x="2834640" y="4196154"/>
+              <a:ext cx="4805680" cy="369332"/>
+            </a:xfrm>
+            <a:prstGeom prst="rect">
+              <a:avLst/>
+            </a:prstGeom>
+            <a:noFill/>
+          </p:spPr>
+          <p:txBody>
+            <a:bodyPr wrap="square" rtlCol="0">
+              <a:spAutoFit/>
+            </a:bodyPr>
+            <a:lstStyle/>
+            <a:p>
+              <a:r>
+                <a:rPr lang="en-US" altLang="ko-KR" dirty="0">
+                  <a:solidFill>
+                    <a:srgbClr val="FF0000"/>
+                  </a:solidFill>
+                </a:rPr>
+                <a:t>&lt;section&gt;</a:t>
+              </a:r>
+              <a:r>
+                <a:rPr lang="ko-KR" altLang="en-US" dirty="0">
+                  <a:solidFill>
+                    <a:srgbClr val="FF0000"/>
+                  </a:solidFill>
+                </a:rPr>
+                <a:t> 아이디명 </a:t>
+              </a:r>
+              <a:r>
+                <a:rPr lang="en-US" altLang="ko-KR" dirty="0">
+                  <a:solidFill>
+                    <a:srgbClr val="FF0000"/>
+                  </a:solidFill>
+                </a:rPr>
+                <a:t>footer--Company-Info</a:t>
+              </a:r>
+              <a:endParaRPr lang="ko-KR" altLang="en-US" dirty="0">
                 <a:solidFill>
                   <a:srgbClr val="FF0000"/>
                 </a:solidFill>
-              </a:rPr>
-              <a:t>클래스명 </a:t>
-            </a:r>
-            <a:r>
-              <a:rPr lang="en-US" altLang="ko-KR" dirty="0">
+              </a:endParaRPr>
+            </a:p>
+          </p:txBody>
+        </p:sp>
+        <p:sp>
+          <p:nvSpPr>
+            <p:cNvPr id="10" name="TextBox 9">
+              <a:extLst>
+                <a:ext uri="{FF2B5EF4-FFF2-40B4-BE49-F238E27FC236}">
+                  <a16:creationId xmlns:a16="http://schemas.microsoft.com/office/drawing/2014/main" id="{E6D91F30-4B57-282F-B3C8-D44B8B3A0953}"/>
+                </a:ext>
+              </a:extLst>
+            </p:cNvPr>
+            <p:cNvSpPr txBox="1"/>
+            <p:nvPr/>
+          </p:nvSpPr>
+          <p:spPr>
+            <a:xfrm>
+              <a:off x="9804400" y="1709518"/>
+              <a:ext cx="2325078" cy="923330"/>
+            </a:xfrm>
+            <a:prstGeom prst="rect">
+              <a:avLst/>
+            </a:prstGeom>
+            <a:noFill/>
+          </p:spPr>
+          <p:txBody>
+            <a:bodyPr wrap="square" rtlCol="0">
+              <a:spAutoFit/>
+            </a:bodyPr>
+            <a:lstStyle/>
+            <a:p>
+              <a:r>
+                <a:rPr lang="en-US" altLang="ko-KR" dirty="0">
+                  <a:solidFill>
+                    <a:srgbClr val="FF0000"/>
+                  </a:solidFill>
+                </a:rPr>
+                <a:t>&lt;span&gt;</a:t>
+              </a:r>
+              <a:r>
+                <a:rPr lang="ko-KR" altLang="en-US" dirty="0">
+                  <a:solidFill>
+                    <a:srgbClr val="FF0000"/>
+                  </a:solidFill>
+                </a:rPr>
+                <a:t> </a:t>
+              </a:r>
+              <a:endParaRPr lang="en-US" altLang="ko-KR" dirty="0">
                 <a:solidFill>
                   <a:srgbClr val="FF0000"/>
                 </a:solidFill>
-              </a:rPr>
-              <a:t>footer -</a:t>
-            </a:r>
-            <a:r>
-              <a:rPr lang="en-US" altLang="ko-KR" dirty="0" err="1">
+              </a:endParaRPr>
+            </a:p>
+            <a:p>
+              <a:r>
+                <a:rPr lang="en-US" altLang="ko-KR" dirty="0">
+                  <a:solidFill>
+                    <a:srgbClr val="FF0000"/>
+                  </a:solidFill>
+                </a:rPr>
+                <a:t>ID</a:t>
+              </a:r>
+              <a:r>
+                <a:rPr lang="ko-KR" altLang="en-US" dirty="0">
+                  <a:solidFill>
+                    <a:srgbClr val="FF0000"/>
+                  </a:solidFill>
+                </a:rPr>
+                <a:t>명 </a:t>
+              </a:r>
+              <a:endParaRPr lang="en-US" altLang="ko-KR" dirty="0">
                 <a:solidFill>
                   <a:srgbClr val="FF0000"/>
                 </a:solidFill>
-              </a:rPr>
-              <a:t>aboutUs</a:t>
-            </a:r>
-            <a:endParaRPr lang="ko-KR" altLang="en-US" dirty="0">
-              <a:solidFill>
-                <a:srgbClr val="FF0000"/>
-              </a:solidFill>
-            </a:endParaRPr>
-          </a:p>
-        </p:txBody>
-      </p:sp>
-      <p:sp>
-        <p:nvSpPr>
-          <p:cNvPr id="9" name="TextBox 8">
-            <a:extLst>
-              <a:ext uri="{FF2B5EF4-FFF2-40B4-BE49-F238E27FC236}">
-                <a16:creationId xmlns:a16="http://schemas.microsoft.com/office/drawing/2014/main" id="{DB555286-96C9-5554-CB8E-8260E3BDDCE9}"/>
-              </a:ext>
-            </a:extLst>
-          </p:cNvPr>
-          <p:cNvSpPr txBox="1"/>
-          <p:nvPr/>
-        </p:nvSpPr>
-        <p:spPr>
-          <a:xfrm>
-            <a:off x="2834640" y="4196154"/>
-            <a:ext cx="4805680" cy="369332"/>
-          </a:xfrm>
-          <a:prstGeom prst="rect">
-            <a:avLst/>
-          </a:prstGeom>
-          <a:noFill/>
-        </p:spPr>
-        <p:txBody>
-          <a:bodyPr wrap="square" rtlCol="0">
-            <a:spAutoFit/>
-          </a:bodyPr>
-          <a:lstStyle/>
-          <a:p>
-            <a:r>
-              <a:rPr lang="en-US" altLang="ko-KR" dirty="0">
+              </a:endParaRPr>
+            </a:p>
+            <a:p>
+              <a:r>
+                <a:rPr lang="en-US" altLang="ko-KR" dirty="0">
+                  <a:solidFill>
+                    <a:srgbClr val="FF0000"/>
+                  </a:solidFill>
+                </a:rPr>
+                <a:t>footer-</a:t>
+              </a:r>
+              <a:r>
+                <a:rPr lang="en-US" altLang="ko-KR" dirty="0" err="1">
+                  <a:solidFill>
+                    <a:srgbClr val="FF0000"/>
+                  </a:solidFill>
+                </a:rPr>
+                <a:t>findTheather</a:t>
+              </a:r>
+              <a:endParaRPr lang="ko-KR" altLang="en-US" dirty="0">
                 <a:solidFill>
                   <a:srgbClr val="FF0000"/>
                 </a:solidFill>
-              </a:rPr>
-              <a:t>&lt;section&gt;</a:t>
-            </a:r>
-            <a:r>
-              <a:rPr lang="ko-KR" altLang="en-US" dirty="0">
-                <a:solidFill>
-                  <a:srgbClr val="FF0000"/>
-                </a:solidFill>
-              </a:rPr>
-              <a:t> 아이디명 </a:t>
-            </a:r>
-            <a:r>
-              <a:rPr lang="en-US" altLang="ko-KR" dirty="0">
-                <a:solidFill>
-                  <a:srgbClr val="FF0000"/>
-                </a:solidFill>
-              </a:rPr>
-              <a:t>footer--Company-Info</a:t>
-            </a:r>
-            <a:endParaRPr lang="ko-KR" altLang="en-US" dirty="0">
-              <a:solidFill>
-                <a:srgbClr val="FF0000"/>
-              </a:solidFill>
-            </a:endParaRPr>
-          </a:p>
-        </p:txBody>
-      </p:sp>
-      <p:sp>
-        <p:nvSpPr>
-          <p:cNvPr id="10" name="TextBox 9">
-            <a:extLst>
-              <a:ext uri="{FF2B5EF4-FFF2-40B4-BE49-F238E27FC236}">
-                <a16:creationId xmlns:a16="http://schemas.microsoft.com/office/drawing/2014/main" id="{E6D91F30-4B57-282F-B3C8-D44B8B3A0953}"/>
-              </a:ext>
-            </a:extLst>
-          </p:cNvPr>
-          <p:cNvSpPr txBox="1"/>
-          <p:nvPr/>
-        </p:nvSpPr>
-        <p:spPr>
-          <a:xfrm>
-            <a:off x="9804400" y="1709518"/>
-            <a:ext cx="2325078" cy="923330"/>
-          </a:xfrm>
-          <a:prstGeom prst="rect">
-            <a:avLst/>
-          </a:prstGeom>
-          <a:noFill/>
-        </p:spPr>
-        <p:txBody>
-          <a:bodyPr wrap="square" rtlCol="0">
-            <a:spAutoFit/>
-          </a:bodyPr>
-          <a:lstStyle/>
-          <a:p>
-            <a:r>
-              <a:rPr lang="en-US" altLang="ko-KR" dirty="0">
-                <a:solidFill>
-                  <a:srgbClr val="FF0000"/>
-                </a:solidFill>
-              </a:rPr>
-              <a:t>&lt;span&gt;</a:t>
-            </a:r>
-            <a:r>
-              <a:rPr lang="ko-KR" altLang="en-US" dirty="0">
-                <a:solidFill>
-                  <a:srgbClr val="FF0000"/>
-                </a:solidFill>
-              </a:rPr>
-              <a:t> </a:t>
-            </a:r>
-            <a:endParaRPr lang="en-US" altLang="ko-KR" dirty="0">
-              <a:solidFill>
-                <a:srgbClr val="FF0000"/>
-              </a:solidFill>
-            </a:endParaRPr>
-          </a:p>
-          <a:p>
-            <a:r>
-              <a:rPr lang="en-US" altLang="ko-KR" dirty="0">
-                <a:solidFill>
-                  <a:srgbClr val="FF0000"/>
-                </a:solidFill>
-              </a:rPr>
-              <a:t>ID</a:t>
-            </a:r>
-            <a:r>
-              <a:rPr lang="ko-KR" altLang="en-US" dirty="0">
-                <a:solidFill>
-                  <a:srgbClr val="FF0000"/>
-                </a:solidFill>
-              </a:rPr>
-              <a:t>명 </a:t>
-            </a:r>
-            <a:endParaRPr lang="en-US" altLang="ko-KR" dirty="0">
-              <a:solidFill>
-                <a:srgbClr val="FF0000"/>
-              </a:solidFill>
-            </a:endParaRPr>
-          </a:p>
-          <a:p>
-            <a:r>
-              <a:rPr lang="en-US" altLang="ko-KR" dirty="0">
-                <a:solidFill>
-                  <a:srgbClr val="FF0000"/>
-                </a:solidFill>
-              </a:rPr>
-              <a:t>footer-</a:t>
-            </a:r>
-            <a:r>
-              <a:rPr lang="en-US" altLang="ko-KR" dirty="0" err="1">
-                <a:solidFill>
-                  <a:srgbClr val="FF0000"/>
-                </a:solidFill>
-              </a:rPr>
-              <a:t>findTheather</a:t>
-            </a:r>
-            <a:endParaRPr lang="ko-KR" altLang="en-US" dirty="0">
-              <a:solidFill>
-                <a:srgbClr val="FF0000"/>
-              </a:solidFill>
-            </a:endParaRPr>
-          </a:p>
-        </p:txBody>
-      </p:sp>
+              </a:endParaRPr>
+            </a:p>
+          </p:txBody>
+        </p:sp>
+      </p:grpSp>
     </p:spTree>
     <p:extLst>
       <p:ext uri="{BB962C8B-B14F-4D97-AF65-F5344CB8AC3E}">
